--- a/RSNORI CS670/RSNORI CS670 PPT.pptx
+++ b/RSNORI CS670/RSNORI CS670 PPT.pptx
@@ -4,35 +4,44 @@
   <p:sldMasterIdLst>
     <p:sldMasterId id="2147483684" r:id="rId1"/>
   </p:sldMasterIdLst>
+  <p:notesMasterIdLst>
+    <p:notesMasterId r:id="rId36"/>
+  </p:notesMasterIdLst>
   <p:sldIdLst>
     <p:sldId id="256" r:id="rId2"/>
     <p:sldId id="257" r:id="rId3"/>
-    <p:sldId id="261" r:id="rId4"/>
-    <p:sldId id="262" r:id="rId5"/>
-    <p:sldId id="267" r:id="rId6"/>
-    <p:sldId id="265" r:id="rId7"/>
-    <p:sldId id="270" r:id="rId8"/>
-    <p:sldId id="266" r:id="rId9"/>
-    <p:sldId id="275" r:id="rId10"/>
-    <p:sldId id="271" r:id="rId11"/>
-    <p:sldId id="272" r:id="rId12"/>
-    <p:sldId id="274" r:id="rId13"/>
-    <p:sldId id="273" r:id="rId14"/>
-    <p:sldId id="276" r:id="rId15"/>
-    <p:sldId id="264" r:id="rId16"/>
-    <p:sldId id="277" r:id="rId17"/>
-    <p:sldId id="258" r:id="rId18"/>
-    <p:sldId id="259" r:id="rId19"/>
-    <p:sldId id="260" r:id="rId20"/>
-    <p:sldId id="278" r:id="rId21"/>
-    <p:sldId id="279" r:id="rId22"/>
-    <p:sldId id="280" r:id="rId23"/>
-    <p:sldId id="281" r:id="rId24"/>
-    <p:sldId id="282" r:id="rId25"/>
-    <p:sldId id="283" r:id="rId26"/>
-    <p:sldId id="284" r:id="rId27"/>
-    <p:sldId id="285" r:id="rId28"/>
-    <p:sldId id="286" r:id="rId29"/>
+    <p:sldId id="289" r:id="rId4"/>
+    <p:sldId id="290" r:id="rId5"/>
+    <p:sldId id="291" r:id="rId6"/>
+    <p:sldId id="293" r:id="rId7"/>
+    <p:sldId id="292" r:id="rId8"/>
+    <p:sldId id="288" r:id="rId9"/>
+    <p:sldId id="261" r:id="rId10"/>
+    <p:sldId id="262" r:id="rId11"/>
+    <p:sldId id="267" r:id="rId12"/>
+    <p:sldId id="265" r:id="rId13"/>
+    <p:sldId id="270" r:id="rId14"/>
+    <p:sldId id="266" r:id="rId15"/>
+    <p:sldId id="275" r:id="rId16"/>
+    <p:sldId id="271" r:id="rId17"/>
+    <p:sldId id="272" r:id="rId18"/>
+    <p:sldId id="274" r:id="rId19"/>
+    <p:sldId id="273" r:id="rId20"/>
+    <p:sldId id="276" r:id="rId21"/>
+    <p:sldId id="264" r:id="rId22"/>
+    <p:sldId id="277" r:id="rId23"/>
+    <p:sldId id="258" r:id="rId24"/>
+    <p:sldId id="259" r:id="rId25"/>
+    <p:sldId id="260" r:id="rId26"/>
+    <p:sldId id="278" r:id="rId27"/>
+    <p:sldId id="279" r:id="rId28"/>
+    <p:sldId id="280" r:id="rId29"/>
+    <p:sldId id="281" r:id="rId30"/>
+    <p:sldId id="282" r:id="rId31"/>
+    <p:sldId id="283" r:id="rId32"/>
+    <p:sldId id="284" r:id="rId33"/>
+    <p:sldId id="285" r:id="rId34"/>
+    <p:sldId id="286" r:id="rId35"/>
   </p:sldIdLst>
   <p:sldSz cx="12192000" cy="6858000"/>
   <p:notesSz cx="6858000" cy="9144000"/>
@@ -137,6 +146,440 @@
     </p:ext>
   </p:extLst>
 </p:presentation>
+</file>
+
+<file path=ppt/notesMasters/notesMaster1.xml><?xml version="1.0" encoding="utf-8"?>
+<p:notesMaster xmlns:a="http://schemas.openxmlformats.org/drawingml/2006/main" xmlns:r="http://schemas.openxmlformats.org/officeDocument/2006/relationships" xmlns:p="http://schemas.openxmlformats.org/presentationml/2006/main">
+  <p:cSld>
+    <p:bg>
+      <p:bgRef idx="1001">
+        <a:schemeClr val="bg1"/>
+      </p:bgRef>
+    </p:bg>
+    <p:spTree>
+      <p:nvGrpSpPr>
+        <p:cNvPr id="1" name=""/>
+        <p:cNvGrpSpPr/>
+        <p:nvPr/>
+      </p:nvGrpSpPr>
+      <p:grpSpPr>
+        <a:xfrm>
+          <a:off x="0" y="0"/>
+          <a:ext cx="0" cy="0"/>
+          <a:chOff x="0" y="0"/>
+          <a:chExt cx="0" cy="0"/>
+        </a:xfrm>
+      </p:grpSpPr>
+      <p:sp>
+        <p:nvSpPr>
+          <p:cNvPr id="2" name="Header Placeholder 1"/>
+          <p:cNvSpPr>
+            <a:spLocks noGrp="1"/>
+          </p:cNvSpPr>
+          <p:nvPr>
+            <p:ph type="hdr" sz="quarter"/>
+          </p:nvPr>
+        </p:nvSpPr>
+        <p:spPr>
+          <a:xfrm>
+            <a:off x="0" y="0"/>
+            <a:ext cx="2971800" cy="458788"/>
+          </a:xfrm>
+          <a:prstGeom prst="rect">
+            <a:avLst/>
+          </a:prstGeom>
+        </p:spPr>
+        <p:txBody>
+          <a:bodyPr vert="horz" lIns="91440" tIns="45720" rIns="91440" bIns="45720" rtlCol="0"/>
+          <a:lstStyle>
+            <a:lvl1pPr algn="l">
+              <a:defRPr sz="1200"/>
+            </a:lvl1pPr>
+          </a:lstStyle>
+          <a:p>
+            <a:endParaRPr lang="en-US"/>
+          </a:p>
+        </p:txBody>
+      </p:sp>
+      <p:sp>
+        <p:nvSpPr>
+          <p:cNvPr id="3" name="Date Placeholder 2"/>
+          <p:cNvSpPr>
+            <a:spLocks noGrp="1"/>
+          </p:cNvSpPr>
+          <p:nvPr>
+            <p:ph type="dt" idx="1"/>
+          </p:nvPr>
+        </p:nvSpPr>
+        <p:spPr>
+          <a:xfrm>
+            <a:off x="3884613" y="0"/>
+            <a:ext cx="2971800" cy="458788"/>
+          </a:xfrm>
+          <a:prstGeom prst="rect">
+            <a:avLst/>
+          </a:prstGeom>
+        </p:spPr>
+        <p:txBody>
+          <a:bodyPr vert="horz" lIns="91440" tIns="45720" rIns="91440" bIns="45720" rtlCol="0"/>
+          <a:lstStyle>
+            <a:lvl1pPr algn="r">
+              <a:defRPr sz="1200"/>
+            </a:lvl1pPr>
+          </a:lstStyle>
+          <a:p>
+            <a:fld id="{2B6EB46C-737F-46F1-BE65-DFB05F58FA13}" type="datetimeFigureOut">
+              <a:rPr lang="en-US" smtClean="0"/>
+              <a:t>06/22/2016</a:t>
+            </a:fld>
+            <a:endParaRPr lang="en-US"/>
+          </a:p>
+        </p:txBody>
+      </p:sp>
+      <p:sp>
+        <p:nvSpPr>
+          <p:cNvPr id="4" name="Slide Image Placeholder 3"/>
+          <p:cNvSpPr>
+            <a:spLocks noGrp="1" noRot="1" noChangeAspect="1"/>
+          </p:cNvSpPr>
+          <p:nvPr>
+            <p:ph type="sldImg" idx="2"/>
+          </p:nvPr>
+        </p:nvSpPr>
+        <p:spPr>
+          <a:xfrm>
+            <a:off x="685800" y="1143000"/>
+            <a:ext cx="5486400" cy="3086100"/>
+          </a:xfrm>
+          <a:prstGeom prst="rect">
+            <a:avLst/>
+          </a:prstGeom>
+          <a:noFill/>
+          <a:ln w="12700">
+            <a:solidFill>
+              <a:prstClr val="black"/>
+            </a:solidFill>
+          </a:ln>
+        </p:spPr>
+        <p:txBody>
+          <a:bodyPr vert="horz" lIns="91440" tIns="45720" rIns="91440" bIns="45720" rtlCol="0" anchor="ctr"/>
+          <a:lstStyle/>
+          <a:p>
+            <a:endParaRPr lang="en-US"/>
+          </a:p>
+        </p:txBody>
+      </p:sp>
+      <p:sp>
+        <p:nvSpPr>
+          <p:cNvPr id="5" name="Notes Placeholder 4"/>
+          <p:cNvSpPr>
+            <a:spLocks noGrp="1"/>
+          </p:cNvSpPr>
+          <p:nvPr>
+            <p:ph type="body" sz="quarter" idx="3"/>
+          </p:nvPr>
+        </p:nvSpPr>
+        <p:spPr>
+          <a:xfrm>
+            <a:off x="685800" y="4400550"/>
+            <a:ext cx="5486400" cy="3600450"/>
+          </a:xfrm>
+          <a:prstGeom prst="rect">
+            <a:avLst/>
+          </a:prstGeom>
+        </p:spPr>
+        <p:txBody>
+          <a:bodyPr vert="horz" lIns="91440" tIns="45720" rIns="91440" bIns="45720" rtlCol="0"/>
+          <a:lstStyle/>
+          <a:p>
+            <a:pPr lvl="0"/>
+            <a:r>
+              <a:rPr lang="en-US"/>
+              <a:t>Edit Master text styles</a:t>
+            </a:r>
+          </a:p>
+          <a:p>
+            <a:pPr lvl="1"/>
+            <a:r>
+              <a:rPr lang="en-US"/>
+              <a:t>Second level</a:t>
+            </a:r>
+          </a:p>
+          <a:p>
+            <a:pPr lvl="2"/>
+            <a:r>
+              <a:rPr lang="en-US"/>
+              <a:t>Third level</a:t>
+            </a:r>
+          </a:p>
+          <a:p>
+            <a:pPr lvl="3"/>
+            <a:r>
+              <a:rPr lang="en-US"/>
+              <a:t>Fourth level</a:t>
+            </a:r>
+          </a:p>
+          <a:p>
+            <a:pPr lvl="4"/>
+            <a:r>
+              <a:rPr lang="en-US"/>
+              <a:t>Fifth level</a:t>
+            </a:r>
+            <a:endParaRPr lang="en-US"/>
+          </a:p>
+        </p:txBody>
+      </p:sp>
+      <p:sp>
+        <p:nvSpPr>
+          <p:cNvPr id="6" name="Footer Placeholder 5"/>
+          <p:cNvSpPr>
+            <a:spLocks noGrp="1"/>
+          </p:cNvSpPr>
+          <p:nvPr>
+            <p:ph type="ftr" sz="quarter" idx="4"/>
+          </p:nvPr>
+        </p:nvSpPr>
+        <p:spPr>
+          <a:xfrm>
+            <a:off x="0" y="8685213"/>
+            <a:ext cx="2971800" cy="458787"/>
+          </a:xfrm>
+          <a:prstGeom prst="rect">
+            <a:avLst/>
+          </a:prstGeom>
+        </p:spPr>
+        <p:txBody>
+          <a:bodyPr vert="horz" lIns="91440" tIns="45720" rIns="91440" bIns="45720" rtlCol="0" anchor="b"/>
+          <a:lstStyle>
+            <a:lvl1pPr algn="l">
+              <a:defRPr sz="1200"/>
+            </a:lvl1pPr>
+          </a:lstStyle>
+          <a:p>
+            <a:endParaRPr lang="en-US"/>
+          </a:p>
+        </p:txBody>
+      </p:sp>
+      <p:sp>
+        <p:nvSpPr>
+          <p:cNvPr id="7" name="Slide Number Placeholder 6"/>
+          <p:cNvSpPr>
+            <a:spLocks noGrp="1"/>
+          </p:cNvSpPr>
+          <p:nvPr>
+            <p:ph type="sldNum" sz="quarter" idx="5"/>
+          </p:nvPr>
+        </p:nvSpPr>
+        <p:spPr>
+          <a:xfrm>
+            <a:off x="3884613" y="8685213"/>
+            <a:ext cx="2971800" cy="458787"/>
+          </a:xfrm>
+          <a:prstGeom prst="rect">
+            <a:avLst/>
+          </a:prstGeom>
+        </p:spPr>
+        <p:txBody>
+          <a:bodyPr vert="horz" lIns="91440" tIns="45720" rIns="91440" bIns="45720" rtlCol="0" anchor="b"/>
+          <a:lstStyle>
+            <a:lvl1pPr algn="r">
+              <a:defRPr sz="1200"/>
+            </a:lvl1pPr>
+          </a:lstStyle>
+          <a:p>
+            <a:fld id="{AE8E71B0-6DDE-46E6-9BD5-731BE3FF3B3C}" type="slidenum">
+              <a:rPr lang="en-US" smtClean="0"/>
+              <a:t>‹#›</a:t>
+            </a:fld>
+            <a:endParaRPr lang="en-US"/>
+          </a:p>
+        </p:txBody>
+      </p:sp>
+    </p:spTree>
+    <p:extLst>
+      <p:ext uri="{BB962C8B-B14F-4D97-AF65-F5344CB8AC3E}">
+        <p14:creationId xmlns:p14="http://schemas.microsoft.com/office/powerpoint/2010/main" val="2650438501"/>
+      </p:ext>
+    </p:extLst>
+  </p:cSld>
+  <p:clrMap bg1="lt1" tx1="dk1" bg2="lt2" tx2="dk2" accent1="accent1" accent2="accent2" accent3="accent3" accent4="accent4" accent5="accent5" accent6="accent6" hlink="hlink" folHlink="folHlink"/>
+  <p:notesStyle>
+    <a:lvl1pPr marL="0" algn="l" defTabSz="914400" rtl="0" eaLnBrk="1" latinLnBrk="0" hangingPunct="1">
+      <a:defRPr sz="1200" kern="1200">
+        <a:solidFill>
+          <a:schemeClr val="tx1"/>
+        </a:solidFill>
+        <a:latin typeface="+mn-lt"/>
+        <a:ea typeface="+mn-ea"/>
+        <a:cs typeface="+mn-cs"/>
+      </a:defRPr>
+    </a:lvl1pPr>
+    <a:lvl2pPr marL="457200" algn="l" defTabSz="914400" rtl="0" eaLnBrk="1" latinLnBrk="0" hangingPunct="1">
+      <a:defRPr sz="1200" kern="1200">
+        <a:solidFill>
+          <a:schemeClr val="tx1"/>
+        </a:solidFill>
+        <a:latin typeface="+mn-lt"/>
+        <a:ea typeface="+mn-ea"/>
+        <a:cs typeface="+mn-cs"/>
+      </a:defRPr>
+    </a:lvl2pPr>
+    <a:lvl3pPr marL="914400" algn="l" defTabSz="914400" rtl="0" eaLnBrk="1" latinLnBrk="0" hangingPunct="1">
+      <a:defRPr sz="1200" kern="1200">
+        <a:solidFill>
+          <a:schemeClr val="tx1"/>
+        </a:solidFill>
+        <a:latin typeface="+mn-lt"/>
+        <a:ea typeface="+mn-ea"/>
+        <a:cs typeface="+mn-cs"/>
+      </a:defRPr>
+    </a:lvl3pPr>
+    <a:lvl4pPr marL="1371600" algn="l" defTabSz="914400" rtl="0" eaLnBrk="1" latinLnBrk="0" hangingPunct="1">
+      <a:defRPr sz="1200" kern="1200">
+        <a:solidFill>
+          <a:schemeClr val="tx1"/>
+        </a:solidFill>
+        <a:latin typeface="+mn-lt"/>
+        <a:ea typeface="+mn-ea"/>
+        <a:cs typeface="+mn-cs"/>
+      </a:defRPr>
+    </a:lvl4pPr>
+    <a:lvl5pPr marL="1828800" algn="l" defTabSz="914400" rtl="0" eaLnBrk="1" latinLnBrk="0" hangingPunct="1">
+      <a:defRPr sz="1200" kern="1200">
+        <a:solidFill>
+          <a:schemeClr val="tx1"/>
+        </a:solidFill>
+        <a:latin typeface="+mn-lt"/>
+        <a:ea typeface="+mn-ea"/>
+        <a:cs typeface="+mn-cs"/>
+      </a:defRPr>
+    </a:lvl5pPr>
+    <a:lvl6pPr marL="2286000" algn="l" defTabSz="914400" rtl="0" eaLnBrk="1" latinLnBrk="0" hangingPunct="1">
+      <a:defRPr sz="1200" kern="1200">
+        <a:solidFill>
+          <a:schemeClr val="tx1"/>
+        </a:solidFill>
+        <a:latin typeface="+mn-lt"/>
+        <a:ea typeface="+mn-ea"/>
+        <a:cs typeface="+mn-cs"/>
+      </a:defRPr>
+    </a:lvl6pPr>
+    <a:lvl7pPr marL="2743200" algn="l" defTabSz="914400" rtl="0" eaLnBrk="1" latinLnBrk="0" hangingPunct="1">
+      <a:defRPr sz="1200" kern="1200">
+        <a:solidFill>
+          <a:schemeClr val="tx1"/>
+        </a:solidFill>
+        <a:latin typeface="+mn-lt"/>
+        <a:ea typeface="+mn-ea"/>
+        <a:cs typeface="+mn-cs"/>
+      </a:defRPr>
+    </a:lvl7pPr>
+    <a:lvl8pPr marL="3200400" algn="l" defTabSz="914400" rtl="0" eaLnBrk="1" latinLnBrk="0" hangingPunct="1">
+      <a:defRPr sz="1200" kern="1200">
+        <a:solidFill>
+          <a:schemeClr val="tx1"/>
+        </a:solidFill>
+        <a:latin typeface="+mn-lt"/>
+        <a:ea typeface="+mn-ea"/>
+        <a:cs typeface="+mn-cs"/>
+      </a:defRPr>
+    </a:lvl8pPr>
+    <a:lvl9pPr marL="3657600" algn="l" defTabSz="914400" rtl="0" eaLnBrk="1" latinLnBrk="0" hangingPunct="1">
+      <a:defRPr sz="1200" kern="1200">
+        <a:solidFill>
+          <a:schemeClr val="tx1"/>
+        </a:solidFill>
+        <a:latin typeface="+mn-lt"/>
+        <a:ea typeface="+mn-ea"/>
+        <a:cs typeface="+mn-cs"/>
+      </a:defRPr>
+    </a:lvl9pPr>
+  </p:notesStyle>
+</p:notesMaster>
+</file>
+
+<file path=ppt/notesSlides/notesSlide1.xml><?xml version="1.0" encoding="utf-8"?>
+<p:notes xmlns:a="http://schemas.openxmlformats.org/drawingml/2006/main" xmlns:r="http://schemas.openxmlformats.org/officeDocument/2006/relationships" xmlns:p="http://schemas.openxmlformats.org/presentationml/2006/main">
+  <p:cSld>
+    <p:spTree>
+      <p:nvGrpSpPr>
+        <p:cNvPr id="1" name=""/>
+        <p:cNvGrpSpPr/>
+        <p:nvPr/>
+      </p:nvGrpSpPr>
+      <p:grpSpPr>
+        <a:xfrm>
+          <a:off x="0" y="0"/>
+          <a:ext cx="0" cy="0"/>
+          <a:chOff x="0" y="0"/>
+          <a:chExt cx="0" cy="0"/>
+        </a:xfrm>
+      </p:grpSpPr>
+      <p:sp>
+        <p:nvSpPr>
+          <p:cNvPr id="2" name="Slide Image Placeholder 1"/>
+          <p:cNvSpPr>
+            <a:spLocks noGrp="1" noRot="1" noChangeAspect="1"/>
+          </p:cNvSpPr>
+          <p:nvPr>
+            <p:ph type="sldImg"/>
+          </p:nvPr>
+        </p:nvSpPr>
+        <p:spPr/>
+      </p:sp>
+      <p:sp>
+        <p:nvSpPr>
+          <p:cNvPr id="3" name="Notes Placeholder 2"/>
+          <p:cNvSpPr>
+            <a:spLocks noGrp="1"/>
+          </p:cNvSpPr>
+          <p:nvPr>
+            <p:ph type="body" idx="1"/>
+          </p:nvPr>
+        </p:nvSpPr>
+        <p:spPr/>
+        <p:txBody>
+          <a:bodyPr/>
+          <a:lstStyle/>
+          <a:p>
+            <a:endParaRPr lang="en-US"/>
+          </a:p>
+        </p:txBody>
+      </p:sp>
+      <p:sp>
+        <p:nvSpPr>
+          <p:cNvPr id="4" name="Slide Number Placeholder 3"/>
+          <p:cNvSpPr>
+            <a:spLocks noGrp="1"/>
+          </p:cNvSpPr>
+          <p:nvPr>
+            <p:ph type="sldNum" sz="quarter" idx="10"/>
+          </p:nvPr>
+        </p:nvSpPr>
+        <p:spPr/>
+        <p:txBody>
+          <a:bodyPr/>
+          <a:lstStyle/>
+          <a:p>
+            <a:fld id="{AE8E71B0-6DDE-46E6-9BD5-731BE3FF3B3C}" type="slidenum">
+              <a:rPr lang="en-US" smtClean="0"/>
+              <a:t>1</a:t>
+            </a:fld>
+            <a:endParaRPr lang="en-US"/>
+          </a:p>
+        </p:txBody>
+      </p:sp>
+    </p:spTree>
+    <p:extLst>
+      <p:ext uri="{BB962C8B-B14F-4D97-AF65-F5344CB8AC3E}">
+        <p14:creationId xmlns:p14="http://schemas.microsoft.com/office/powerpoint/2010/main" val="3964031083"/>
+      </p:ext>
+    </p:extLst>
+  </p:cSld>
+  <p:clrMapOvr>
+    <a:masterClrMapping/>
+  </p:clrMapOvr>
+</p:notes>
 </file>
 
 <file path=ppt/slideLayouts/slideLayout1.xml><?xml version="1.0" encoding="utf-8"?>
@@ -861,7 +1304,7 @@
           <a:p>
             <a:fld id="{878C2BFE-FB8E-4024-859F-9F8DCC02117A}" type="datetimeFigureOut">
               <a:rPr lang="en-US" smtClean="0"/>
-              <a:t>06/21/2016</a:t>
+              <a:t>06/22/2016</a:t>
             </a:fld>
             <a:endParaRPr lang="en-US"/>
           </a:p>
@@ -1112,7 +1555,7 @@
           <a:p>
             <a:fld id="{878C2BFE-FB8E-4024-859F-9F8DCC02117A}" type="datetimeFigureOut">
               <a:rPr lang="en-US" smtClean="0"/>
-              <a:t>06/21/2016</a:t>
+              <a:t>06/22/2016</a:t>
             </a:fld>
             <a:endParaRPr lang="en-US"/>
           </a:p>
@@ -1426,7 +1869,7 @@
           <a:p>
             <a:fld id="{878C2BFE-FB8E-4024-859F-9F8DCC02117A}" type="datetimeFigureOut">
               <a:rPr lang="en-US" smtClean="0"/>
-              <a:t>06/21/2016</a:t>
+              <a:t>06/22/2016</a:t>
             </a:fld>
             <a:endParaRPr lang="en-US"/>
           </a:p>
@@ -1767,7 +2210,7 @@
           <a:p>
             <a:fld id="{878C2BFE-FB8E-4024-859F-9F8DCC02117A}" type="datetimeFigureOut">
               <a:rPr lang="en-US" smtClean="0"/>
-              <a:t>06/21/2016</a:t>
+              <a:t>06/22/2016</a:t>
             </a:fld>
             <a:endParaRPr lang="en-US"/>
           </a:p>
@@ -2081,7 +2524,7 @@
           <a:p>
             <a:fld id="{878C2BFE-FB8E-4024-859F-9F8DCC02117A}" type="datetimeFigureOut">
               <a:rPr lang="en-US" smtClean="0"/>
-              <a:t>06/21/2016</a:t>
+              <a:t>06/22/2016</a:t>
             </a:fld>
             <a:endParaRPr lang="en-US"/>
           </a:p>
@@ -2474,7 +2917,7 @@
           <a:p>
             <a:fld id="{878C2BFE-FB8E-4024-859F-9F8DCC02117A}" type="datetimeFigureOut">
               <a:rPr lang="en-US" smtClean="0"/>
-              <a:t>06/21/2016</a:t>
+              <a:t>06/22/2016</a:t>
             </a:fld>
             <a:endParaRPr lang="en-US"/>
           </a:p>
@@ -2644,7 +3087,7 @@
           <a:p>
             <a:fld id="{878C2BFE-FB8E-4024-859F-9F8DCC02117A}" type="datetimeFigureOut">
               <a:rPr lang="en-US" smtClean="0"/>
-              <a:t>06/21/2016</a:t>
+              <a:t>06/22/2016</a:t>
             </a:fld>
             <a:endParaRPr lang="en-US"/>
           </a:p>
@@ -2824,7 +3267,7 @@
           <a:p>
             <a:fld id="{878C2BFE-FB8E-4024-859F-9F8DCC02117A}" type="datetimeFigureOut">
               <a:rPr lang="en-US" smtClean="0"/>
-              <a:t>06/21/2016</a:t>
+              <a:t>06/22/2016</a:t>
             </a:fld>
             <a:endParaRPr lang="en-US"/>
           </a:p>
@@ -3000,7 +3443,7 @@
           <a:p>
             <a:fld id="{878C2BFE-FB8E-4024-859F-9F8DCC02117A}" type="datetimeFigureOut">
               <a:rPr lang="en-US" smtClean="0"/>
-              <a:t>06/21/2016</a:t>
+              <a:t>06/22/2016</a:t>
             </a:fld>
             <a:endParaRPr lang="en-US"/>
           </a:p>
@@ -3247,7 +3690,7 @@
           <a:p>
             <a:fld id="{878C2BFE-FB8E-4024-859F-9F8DCC02117A}" type="datetimeFigureOut">
               <a:rPr lang="en-US" smtClean="0"/>
-              <a:t>06/21/2016</a:t>
+              <a:t>06/22/2016</a:t>
             </a:fld>
             <a:endParaRPr lang="en-US"/>
           </a:p>
@@ -3479,7 +3922,7 @@
           <a:p>
             <a:fld id="{878C2BFE-FB8E-4024-859F-9F8DCC02117A}" type="datetimeFigureOut">
               <a:rPr lang="en-US" smtClean="0"/>
-              <a:t>06/21/2016</a:t>
+              <a:t>06/22/2016</a:t>
             </a:fld>
             <a:endParaRPr lang="en-US"/>
           </a:p>
@@ -3853,7 +4296,7 @@
           <a:p>
             <a:fld id="{878C2BFE-FB8E-4024-859F-9F8DCC02117A}" type="datetimeFigureOut">
               <a:rPr lang="en-US" smtClean="0"/>
-              <a:t>06/21/2016</a:t>
+              <a:t>06/22/2016</a:t>
             </a:fld>
             <a:endParaRPr lang="en-US"/>
           </a:p>
@@ -3976,7 +4419,7 @@
           <a:p>
             <a:fld id="{878C2BFE-FB8E-4024-859F-9F8DCC02117A}" type="datetimeFigureOut">
               <a:rPr lang="en-US" smtClean="0"/>
-              <a:t>06/21/2016</a:t>
+              <a:t>06/22/2016</a:t>
             </a:fld>
             <a:endParaRPr lang="en-US"/>
           </a:p>
@@ -4071,7 +4514,7 @@
           <a:p>
             <a:fld id="{878C2BFE-FB8E-4024-859F-9F8DCC02117A}" type="datetimeFigureOut">
               <a:rPr lang="en-US" smtClean="0"/>
-              <a:t>06/21/2016</a:t>
+              <a:t>06/22/2016</a:t>
             </a:fld>
             <a:endParaRPr lang="en-US"/>
           </a:p>
@@ -4326,7 +4769,7 @@
           <a:p>
             <a:fld id="{878C2BFE-FB8E-4024-859F-9F8DCC02117A}" type="datetimeFigureOut">
               <a:rPr lang="en-US" smtClean="0"/>
-              <a:t>06/21/2016</a:t>
+              <a:t>06/22/2016</a:t>
             </a:fld>
             <a:endParaRPr lang="en-US"/>
           </a:p>
@@ -4589,7 +5032,7 @@
           <a:p>
             <a:fld id="{878C2BFE-FB8E-4024-859F-9F8DCC02117A}" type="datetimeFigureOut">
               <a:rPr lang="en-US" smtClean="0"/>
-              <a:t>06/21/2016</a:t>
+              <a:t>06/22/2016</a:t>
             </a:fld>
             <a:endParaRPr lang="en-US"/>
           </a:p>
@@ -5332,7 +5775,7 @@
           <a:p>
             <a:fld id="{878C2BFE-FB8E-4024-859F-9F8DCC02117A}" type="datetimeFigureOut">
               <a:rPr lang="en-US" smtClean="0"/>
-              <a:t>06/21/2016</a:t>
+              <a:t>06/22/2016</a:t>
             </a:fld>
             <a:endParaRPr lang="en-US"/>
           </a:p>
@@ -6028,7 +6471,12 @@
             <p:ph type="title"/>
           </p:nvPr>
         </p:nvSpPr>
-        <p:spPr/>
+        <p:spPr>
+          <a:xfrm>
+            <a:off x="677334" y="609600"/>
+            <a:ext cx="8596668" cy="651164"/>
+          </a:xfrm>
+        </p:spPr>
         <p:txBody>
           <a:bodyPr>
             <a:normAutofit/>
@@ -6037,7 +6485,7 @@
           <a:p>
             <a:r>
               <a:rPr lang="en-US" sz="2400" dirty="0"/>
-              <a:t>SECURITY ISSUES</a:t>
+              <a:t>PROBLEM STATEMENT</a:t>
             </a:r>
           </a:p>
         </p:txBody>
@@ -6054,7 +6502,7 @@
         </p:nvSpPr>
         <p:spPr>
           <a:xfrm>
-            <a:off x="677334" y="2243717"/>
+            <a:off x="677334" y="1426298"/>
             <a:ext cx="8596668" cy="3880773"/>
           </a:xfrm>
         </p:spPr>
@@ -6064,18 +6512,66 @@
           <a:p>
             <a:r>
               <a:rPr lang="en-US" dirty="0"/>
-              <a:t>RECONNAISSANCE, System Enumeration, web server enumeration, web application enumeration, Active discovery, DOS, Brute Force Attack,, OPENVAS SCANNING REPORTS</a:t>
-            </a:r>
-          </a:p>
-          <a:p>
-            <a:endParaRPr lang="en-US" dirty="0"/>
+              <a:t>DATA  &amp; IT ASSETS ARE AT RISK ( GOAL OF SECURITY IS TO ENSURE CIA )</a:t>
+            </a:r>
+          </a:p>
+          <a:p>
+            <a:r>
+              <a:rPr lang="en-US" dirty="0"/>
+              <a:t>PAPER WORK AT THE SCHOOLS &amp; SMBs LEADS TO:</a:t>
+            </a:r>
+          </a:p>
+          <a:p>
+            <a:r>
+              <a:rPr lang="en-US" dirty="0"/>
+              <a:t> RISK OF LOSING (CIA) SECURITY PARAMETERS </a:t>
+            </a:r>
+          </a:p>
+          <a:p>
+            <a:r>
+              <a:rPr lang="en-US" dirty="0"/>
+              <a:t>More Paper usage</a:t>
+            </a:r>
+          </a:p>
+          <a:p>
+            <a:r>
+              <a:rPr lang="en-US" dirty="0"/>
+              <a:t>Less Physical Security</a:t>
+            </a:r>
+          </a:p>
+          <a:p>
+            <a:r>
+              <a:rPr lang="en-US" dirty="0"/>
+              <a:t>Time Delay</a:t>
+            </a:r>
+          </a:p>
+          <a:p>
+            <a:r>
+              <a:rPr lang="en-US" dirty="0"/>
+              <a:t>More physical work</a:t>
+            </a:r>
+          </a:p>
+          <a:p>
+            <a:r>
+              <a:rPr lang="en-US" dirty="0"/>
+              <a:t>Time, Money and Resources</a:t>
+            </a:r>
+          </a:p>
+          <a:p>
+            <a:pPr marL="0" indent="0">
+              <a:buNone/>
+            </a:pPr>
+            <a:r>
+              <a:rPr lang="en-US" dirty="0"/>
+              <a:t> </a:t>
+            </a:r>
           </a:p>
         </p:txBody>
       </p:sp>
     </p:spTree>
     <p:extLst>
       <p:ext uri="{BB962C8B-B14F-4D97-AF65-F5344CB8AC3E}">
-        <p14:creationId xmlns:p14="http://schemas.microsoft.com/office/powerpoint/2010/main" val="2140141479"/>
+        <p14:creationId xmlns:p14="http://schemas.microsoft.com/office/powerpoint/2010/main" val="1751299402"/>
       </p:ext>
     </p:extLst>
   </p:cSld>
@@ -6114,2105 +6610,6 @@
         </p:nvSpPr>
         <p:spPr/>
         <p:txBody>
-          <a:bodyPr>
-            <a:normAutofit/>
-          </a:bodyPr>
-          <a:lstStyle/>
-          <a:p>
-            <a:r>
-              <a:rPr lang="en-US" sz="2400" dirty="0"/>
-              <a:t>SECURITY ISSUES</a:t>
-            </a:r>
-          </a:p>
-        </p:txBody>
-      </p:sp>
-      <p:sp>
-        <p:nvSpPr>
-          <p:cNvPr id="3" name="Content Placeholder 2"/>
-          <p:cNvSpPr>
-            <a:spLocks noGrp="1"/>
-          </p:cNvSpPr>
-          <p:nvPr>
-            <p:ph idx="1"/>
-          </p:nvPr>
-        </p:nvSpPr>
-        <p:spPr/>
-        <p:txBody>
-          <a:bodyPr/>
-          <a:lstStyle/>
-          <a:p>
-            <a:r>
-              <a:rPr lang="en-US" dirty="0"/>
-              <a:t>Reconnaissance, Active discovery, PING OF DEATH, fingerprinting ( WITH NETCAT SESSION )</a:t>
-            </a:r>
-          </a:p>
-          <a:p>
-            <a:endParaRPr lang="en-US" dirty="0"/>
-          </a:p>
-          <a:p>
-            <a:endParaRPr lang="en-US" dirty="0"/>
-          </a:p>
-          <a:p>
-            <a:endParaRPr lang="en-US" dirty="0"/>
-          </a:p>
-        </p:txBody>
-      </p:sp>
-    </p:spTree>
-    <p:extLst>
-      <p:ext uri="{BB962C8B-B14F-4D97-AF65-F5344CB8AC3E}">
-        <p14:creationId xmlns:p14="http://schemas.microsoft.com/office/powerpoint/2010/main" val="1675636864"/>
-      </p:ext>
-    </p:extLst>
-  </p:cSld>
-  <p:clrMapOvr>
-    <a:masterClrMapping/>
-  </p:clrMapOvr>
-</p:sld>
-</file>
-
-<file path=ppt/slides/slide12.xml><?xml version="1.0" encoding="utf-8"?>
-<p:sld xmlns:a="http://schemas.openxmlformats.org/drawingml/2006/main" xmlns:r="http://schemas.openxmlformats.org/officeDocument/2006/relationships" xmlns:p="http://schemas.openxmlformats.org/presentationml/2006/main">
-  <p:cSld>
-    <p:spTree>
-      <p:nvGrpSpPr>
-        <p:cNvPr id="1" name=""/>
-        <p:cNvGrpSpPr/>
-        <p:nvPr/>
-      </p:nvGrpSpPr>
-      <p:grpSpPr>
-        <a:xfrm>
-          <a:off x="0" y="0"/>
-          <a:ext cx="0" cy="0"/>
-          <a:chOff x="0" y="0"/>
-          <a:chExt cx="0" cy="0"/>
-        </a:xfrm>
-      </p:grpSpPr>
-      <p:pic>
-        <p:nvPicPr>
-          <p:cNvPr id="4" name="Content Placeholder 3"/>
-          <p:cNvPicPr>
-            <a:picLocks noGrp="1"/>
-          </p:cNvPicPr>
-          <p:nvPr>
-            <p:ph idx="1"/>
-          </p:nvPr>
-        </p:nvPicPr>
-        <p:blipFill>
-          <a:blip r:embed="rId2"/>
-          <a:stretch>
-            <a:fillRect/>
-          </a:stretch>
-        </p:blipFill>
-        <p:spPr>
-          <a:xfrm>
-            <a:off x="13848" y="1316182"/>
-            <a:ext cx="8742218" cy="5541818"/>
-          </a:xfrm>
-          <a:prstGeom prst="rect">
-            <a:avLst/>
-          </a:prstGeom>
-        </p:spPr>
-      </p:pic>
-      <p:sp>
-        <p:nvSpPr>
-          <p:cNvPr id="5" name="TextBox 4"/>
-          <p:cNvSpPr txBox="1"/>
-          <p:nvPr/>
-        </p:nvSpPr>
-        <p:spPr>
-          <a:xfrm>
-            <a:off x="443345" y="554182"/>
-            <a:ext cx="6941128" cy="646331"/>
-          </a:xfrm>
-          <a:prstGeom prst="rect">
-            <a:avLst/>
-          </a:prstGeom>
-          <a:noFill/>
-        </p:spPr>
-        <p:txBody>
-          <a:bodyPr wrap="square" rtlCol="0">
-            <a:spAutoFit/>
-          </a:bodyPr>
-          <a:lstStyle/>
-          <a:p>
-            <a:r>
-              <a:rPr lang="en-US" dirty="0">
-                <a:solidFill>
-                  <a:schemeClr val="accent1"/>
-                </a:solidFill>
-              </a:rPr>
-              <a:t>SECURITY MEASURES:</a:t>
-            </a:r>
-          </a:p>
-          <a:p>
-            <a:r>
-              <a:rPr lang="en-US" dirty="0">
-                <a:solidFill>
-                  <a:schemeClr val="accent1"/>
-                </a:solidFill>
-              </a:rPr>
-              <a:t>1) RECONNAISSANCE, ACTIVE DISOVERY, PING OF DEATH</a:t>
-            </a:r>
-          </a:p>
-        </p:txBody>
-      </p:sp>
-    </p:spTree>
-    <p:extLst>
-      <p:ext uri="{BB962C8B-B14F-4D97-AF65-F5344CB8AC3E}">
-        <p14:creationId xmlns:p14="http://schemas.microsoft.com/office/powerpoint/2010/main" val="4097407501"/>
-      </p:ext>
-    </p:extLst>
-  </p:cSld>
-  <p:clrMapOvr>
-    <a:masterClrMapping/>
-  </p:clrMapOvr>
-</p:sld>
-</file>
-
-<file path=ppt/slides/slide13.xml><?xml version="1.0" encoding="utf-8"?>
-<p:sld xmlns:a="http://schemas.openxmlformats.org/drawingml/2006/main" xmlns:r="http://schemas.openxmlformats.org/officeDocument/2006/relationships" xmlns:p="http://schemas.openxmlformats.org/presentationml/2006/main">
-  <p:cSld>
-    <p:spTree>
-      <p:nvGrpSpPr>
-        <p:cNvPr id="1" name=""/>
-        <p:cNvGrpSpPr/>
-        <p:nvPr/>
-      </p:nvGrpSpPr>
-      <p:grpSpPr>
-        <a:xfrm>
-          <a:off x="0" y="0"/>
-          <a:ext cx="0" cy="0"/>
-          <a:chOff x="0" y="0"/>
-          <a:chExt cx="0" cy="0"/>
-        </a:xfrm>
-      </p:grpSpPr>
-      <p:sp>
-        <p:nvSpPr>
-          <p:cNvPr id="2" name="Title 1"/>
-          <p:cNvSpPr>
-            <a:spLocks noGrp="1"/>
-          </p:cNvSpPr>
-          <p:nvPr>
-            <p:ph type="title"/>
-          </p:nvPr>
-        </p:nvSpPr>
-        <p:spPr>
-          <a:xfrm>
-            <a:off x="512618" y="304800"/>
-            <a:ext cx="8761384" cy="1625600"/>
-          </a:xfrm>
-        </p:spPr>
-        <p:txBody>
-          <a:bodyPr/>
-          <a:lstStyle/>
-          <a:p>
-            <a:r>
-              <a:rPr lang="en-US" dirty="0"/>
-              <a:t>FINGER PRINTING WEB SERVERS FROM KALI</a:t>
-            </a:r>
-          </a:p>
-        </p:txBody>
-      </p:sp>
-      <p:pic>
-        <p:nvPicPr>
-          <p:cNvPr id="4" name="Content Placeholder 3"/>
-          <p:cNvPicPr>
-            <a:picLocks noGrp="1"/>
-          </p:cNvPicPr>
-          <p:nvPr>
-            <p:ph idx="1"/>
-          </p:nvPr>
-        </p:nvPicPr>
-        <p:blipFill>
-          <a:blip r:embed="rId2"/>
-          <a:stretch>
-            <a:fillRect/>
-          </a:stretch>
-        </p:blipFill>
-        <p:spPr>
-          <a:xfrm>
-            <a:off x="1451769" y="2439194"/>
-            <a:ext cx="7048500" cy="3324225"/>
-          </a:xfrm>
-          <a:prstGeom prst="rect">
-            <a:avLst/>
-          </a:prstGeom>
-        </p:spPr>
-      </p:pic>
-    </p:spTree>
-    <p:extLst>
-      <p:ext uri="{BB962C8B-B14F-4D97-AF65-F5344CB8AC3E}">
-        <p14:creationId xmlns:p14="http://schemas.microsoft.com/office/powerpoint/2010/main" val="1656088766"/>
-      </p:ext>
-    </p:extLst>
-  </p:cSld>
-  <p:clrMapOvr>
-    <a:masterClrMapping/>
-  </p:clrMapOvr>
-</p:sld>
-</file>
-
-<file path=ppt/slides/slide14.xml><?xml version="1.0" encoding="utf-8"?>
-<p:sld xmlns:a="http://schemas.openxmlformats.org/drawingml/2006/main" xmlns:r="http://schemas.openxmlformats.org/officeDocument/2006/relationships" xmlns:p="http://schemas.openxmlformats.org/presentationml/2006/main">
-  <p:cSld>
-    <p:spTree>
-      <p:nvGrpSpPr>
-        <p:cNvPr id="1" name=""/>
-        <p:cNvGrpSpPr/>
-        <p:nvPr/>
-      </p:nvGrpSpPr>
-      <p:grpSpPr>
-        <a:xfrm>
-          <a:off x="0" y="0"/>
-          <a:ext cx="0" cy="0"/>
-          <a:chOff x="0" y="0"/>
-          <a:chExt cx="0" cy="0"/>
-        </a:xfrm>
-      </p:grpSpPr>
-      <p:pic>
-        <p:nvPicPr>
-          <p:cNvPr id="4" name="Content Placeholder 3" descr="C:\Users\nori\Desktop\Project Screenshots\fingerprint webserver.JPG"/>
-          <p:cNvPicPr>
-            <a:picLocks noGrp="1"/>
-          </p:cNvPicPr>
-          <p:nvPr>
-            <p:ph idx="1"/>
-          </p:nvPr>
-        </p:nvPicPr>
-        <p:blipFill>
-          <a:blip r:embed="rId2">
-            <a:extLst>
-              <a:ext uri="{28A0092B-C50C-407E-A947-70E740481C1C}">
-                <a14:useLocalDpi xmlns:a14="http://schemas.microsoft.com/office/drawing/2010/main" val="0"/>
-              </a:ext>
-            </a:extLst>
-          </a:blip>
-          <a:srcRect/>
-          <a:stretch>
-            <a:fillRect/>
-          </a:stretch>
-        </p:blipFill>
-        <p:spPr bwMode="auto">
-          <a:xfrm>
-            <a:off x="1499394" y="2410619"/>
-            <a:ext cx="6953250" cy="3381375"/>
-          </a:xfrm>
-          <a:prstGeom prst="rect">
-            <a:avLst/>
-          </a:prstGeom>
-          <a:noFill/>
-          <a:ln>
-            <a:noFill/>
-          </a:ln>
-        </p:spPr>
-      </p:pic>
-    </p:spTree>
-    <p:extLst>
-      <p:ext uri="{BB962C8B-B14F-4D97-AF65-F5344CB8AC3E}">
-        <p14:creationId xmlns:p14="http://schemas.microsoft.com/office/powerpoint/2010/main" val="1802562182"/>
-      </p:ext>
-    </p:extLst>
-  </p:cSld>
-  <p:clrMapOvr>
-    <a:masterClrMapping/>
-  </p:clrMapOvr>
-</p:sld>
-</file>
-
-<file path=ppt/slides/slide15.xml><?xml version="1.0" encoding="utf-8"?>
-<p:sld xmlns:a="http://schemas.openxmlformats.org/drawingml/2006/main" xmlns:r="http://schemas.openxmlformats.org/officeDocument/2006/relationships" xmlns:p="http://schemas.openxmlformats.org/presentationml/2006/main">
-  <p:cSld>
-    <p:spTree>
-      <p:nvGrpSpPr>
-        <p:cNvPr id="1" name=""/>
-        <p:cNvGrpSpPr/>
-        <p:nvPr/>
-      </p:nvGrpSpPr>
-      <p:grpSpPr>
-        <a:xfrm>
-          <a:off x="0" y="0"/>
-          <a:ext cx="0" cy="0"/>
-          <a:chOff x="0" y="0"/>
-          <a:chExt cx="0" cy="0"/>
-        </a:xfrm>
-      </p:grpSpPr>
-      <p:pic>
-        <p:nvPicPr>
-          <p:cNvPr id="4" name="Picture 3"/>
-          <p:cNvPicPr>
-            <a:picLocks noChangeAspect="1"/>
-          </p:cNvPicPr>
-          <p:nvPr/>
-        </p:nvPicPr>
-        <p:blipFill>
-          <a:blip r:embed="rId2"/>
-          <a:stretch>
-            <a:fillRect/>
-          </a:stretch>
-        </p:blipFill>
-        <p:spPr>
-          <a:xfrm>
-            <a:off x="14068" y="899550"/>
-            <a:ext cx="10445925" cy="6044040"/>
-          </a:xfrm>
-          <a:prstGeom prst="rect">
-            <a:avLst/>
-          </a:prstGeom>
-        </p:spPr>
-      </p:pic>
-      <p:sp>
-        <p:nvSpPr>
-          <p:cNvPr id="5" name="TextBox 4"/>
-          <p:cNvSpPr txBox="1"/>
-          <p:nvPr/>
-        </p:nvSpPr>
-        <p:spPr>
-          <a:xfrm>
-            <a:off x="14068" y="253219"/>
-            <a:ext cx="6921304" cy="646331"/>
-          </a:xfrm>
-          <a:prstGeom prst="rect">
-            <a:avLst/>
-          </a:prstGeom>
-          <a:noFill/>
-        </p:spPr>
-        <p:txBody>
-          <a:bodyPr wrap="square" rtlCol="0">
-            <a:spAutoFit/>
-          </a:bodyPr>
-          <a:lstStyle/>
-          <a:p>
-            <a:r>
-              <a:rPr lang="en-US" b="1" dirty="0"/>
-              <a:t>SOLUTION : </a:t>
-            </a:r>
-          </a:p>
-          <a:p>
-            <a:r>
-              <a:rPr lang="en-US" b="1" dirty="0"/>
-              <a:t>MY ADMINISTRATIVE CONSOLE FOR CONTINOUS MONITORING</a:t>
-            </a:r>
-          </a:p>
-        </p:txBody>
-      </p:sp>
-    </p:spTree>
-    <p:extLst>
-      <p:ext uri="{BB962C8B-B14F-4D97-AF65-F5344CB8AC3E}">
-        <p14:creationId xmlns:p14="http://schemas.microsoft.com/office/powerpoint/2010/main" val="2922803201"/>
-      </p:ext>
-    </p:extLst>
-  </p:cSld>
-  <p:clrMapOvr>
-    <a:masterClrMapping/>
-  </p:clrMapOvr>
-</p:sld>
-</file>
-
-<file path=ppt/slides/slide16.xml><?xml version="1.0" encoding="utf-8"?>
-<p:sld xmlns:a="http://schemas.openxmlformats.org/drawingml/2006/main" xmlns:r="http://schemas.openxmlformats.org/officeDocument/2006/relationships" xmlns:p="http://schemas.openxmlformats.org/presentationml/2006/main">
-  <p:cSld>
-    <p:spTree>
-      <p:nvGrpSpPr>
-        <p:cNvPr id="1" name=""/>
-        <p:cNvGrpSpPr/>
-        <p:nvPr/>
-      </p:nvGrpSpPr>
-      <p:grpSpPr>
-        <a:xfrm>
-          <a:off x="0" y="0"/>
-          <a:ext cx="0" cy="0"/>
-          <a:chOff x="0" y="0"/>
-          <a:chExt cx="0" cy="0"/>
-        </a:xfrm>
-      </p:grpSpPr>
-      <p:sp>
-        <p:nvSpPr>
-          <p:cNvPr id="2" name="Title 1"/>
-          <p:cNvSpPr>
-            <a:spLocks noGrp="1"/>
-          </p:cNvSpPr>
-          <p:nvPr>
-            <p:ph type="title"/>
-          </p:nvPr>
-        </p:nvSpPr>
-        <p:spPr/>
-        <p:txBody>
-          <a:bodyPr/>
-          <a:lstStyle/>
-          <a:p>
-            <a:r>
-              <a:rPr lang="en-US" dirty="0"/>
-              <a:t>VM</a:t>
-            </a:r>
-          </a:p>
-        </p:txBody>
-      </p:sp>
-      <p:sp>
-        <p:nvSpPr>
-          <p:cNvPr id="3" name="Content Placeholder 2"/>
-          <p:cNvSpPr>
-            <a:spLocks noGrp="1"/>
-          </p:cNvSpPr>
-          <p:nvPr>
-            <p:ph idx="1"/>
-          </p:nvPr>
-        </p:nvSpPr>
-        <p:spPr/>
-        <p:txBody>
-          <a:bodyPr/>
-          <a:lstStyle/>
-          <a:p>
-            <a:r>
-              <a:rPr lang="en-US" dirty="0"/>
-              <a:t>DC01 for MANAGEMENT CONSOLE: Continuous monitoring</a:t>
-            </a:r>
-          </a:p>
-        </p:txBody>
-      </p:sp>
-    </p:spTree>
-    <p:extLst>
-      <p:ext uri="{BB962C8B-B14F-4D97-AF65-F5344CB8AC3E}">
-        <p14:creationId xmlns:p14="http://schemas.microsoft.com/office/powerpoint/2010/main" val="2353440846"/>
-      </p:ext>
-    </p:extLst>
-  </p:cSld>
-  <p:clrMapOvr>
-    <a:masterClrMapping/>
-  </p:clrMapOvr>
-</p:sld>
-</file>
-
-<file path=ppt/slides/slide17.xml><?xml version="1.0" encoding="utf-8"?>
-<p:sld xmlns:a="http://schemas.openxmlformats.org/drawingml/2006/main" xmlns:r="http://schemas.openxmlformats.org/officeDocument/2006/relationships" xmlns:p="http://schemas.openxmlformats.org/presentationml/2006/main">
-  <p:cSld>
-    <p:spTree>
-      <p:nvGrpSpPr>
-        <p:cNvPr id="1" name=""/>
-        <p:cNvGrpSpPr/>
-        <p:nvPr/>
-      </p:nvGrpSpPr>
-      <p:grpSpPr>
-        <a:xfrm>
-          <a:off x="0" y="0"/>
-          <a:ext cx="0" cy="0"/>
-          <a:chOff x="0" y="0"/>
-          <a:chExt cx="0" cy="0"/>
-        </a:xfrm>
-      </p:grpSpPr>
-      <p:pic>
-        <p:nvPicPr>
-          <p:cNvPr id="4" name="Picture 3"/>
-          <p:cNvPicPr>
-            <a:picLocks noChangeAspect="1"/>
-          </p:cNvPicPr>
-          <p:nvPr/>
-        </p:nvPicPr>
-        <p:blipFill>
-          <a:blip r:embed="rId2"/>
-          <a:stretch>
-            <a:fillRect/>
-          </a:stretch>
-        </p:blipFill>
-        <p:spPr>
-          <a:xfrm>
-            <a:off x="2096086" y="831252"/>
-            <a:ext cx="6426823" cy="5668021"/>
-          </a:xfrm>
-          <a:prstGeom prst="rect">
-            <a:avLst/>
-          </a:prstGeom>
-        </p:spPr>
-      </p:pic>
-      <p:sp>
-        <p:nvSpPr>
-          <p:cNvPr id="5" name="TextBox 4"/>
-          <p:cNvSpPr txBox="1"/>
-          <p:nvPr/>
-        </p:nvSpPr>
-        <p:spPr>
-          <a:xfrm>
-            <a:off x="281354" y="253219"/>
-            <a:ext cx="6231988" cy="461665"/>
-          </a:xfrm>
-          <a:prstGeom prst="rect">
-            <a:avLst/>
-          </a:prstGeom>
-          <a:noFill/>
-        </p:spPr>
-        <p:txBody>
-          <a:bodyPr wrap="square" rtlCol="0">
-            <a:spAutoFit/>
-          </a:bodyPr>
-          <a:lstStyle/>
-          <a:p>
-            <a:r>
-              <a:rPr lang="en-US" sz="2400" b="1" dirty="0">
-                <a:solidFill>
-                  <a:schemeClr val="accent1"/>
-                </a:solidFill>
-              </a:rPr>
-              <a:t>FUNCTIONAL DECOMPOSITION DIAGRAM </a:t>
-            </a:r>
-          </a:p>
-        </p:txBody>
-      </p:sp>
-    </p:spTree>
-    <p:extLst>
-      <p:ext uri="{BB962C8B-B14F-4D97-AF65-F5344CB8AC3E}">
-        <p14:creationId xmlns:p14="http://schemas.microsoft.com/office/powerpoint/2010/main" val="984164323"/>
-      </p:ext>
-    </p:extLst>
-  </p:cSld>
-  <p:clrMapOvr>
-    <a:masterClrMapping/>
-  </p:clrMapOvr>
-</p:sld>
-</file>
-
-<file path=ppt/slides/slide18.xml><?xml version="1.0" encoding="utf-8"?>
-<p:sld xmlns:a="http://schemas.openxmlformats.org/drawingml/2006/main" xmlns:r="http://schemas.openxmlformats.org/officeDocument/2006/relationships" xmlns:p="http://schemas.openxmlformats.org/presentationml/2006/main">
-  <p:cSld>
-    <p:spTree>
-      <p:nvGrpSpPr>
-        <p:cNvPr id="1" name=""/>
-        <p:cNvGrpSpPr/>
-        <p:nvPr/>
-      </p:nvGrpSpPr>
-      <p:grpSpPr>
-        <a:xfrm>
-          <a:off x="0" y="0"/>
-          <a:ext cx="0" cy="0"/>
-          <a:chOff x="0" y="0"/>
-          <a:chExt cx="0" cy="0"/>
-        </a:xfrm>
-      </p:grpSpPr>
-      <p:sp>
-        <p:nvSpPr>
-          <p:cNvPr id="2" name="Title 1"/>
-          <p:cNvSpPr>
-            <a:spLocks noGrp="1"/>
-          </p:cNvSpPr>
-          <p:nvPr>
-            <p:ph type="title"/>
-          </p:nvPr>
-        </p:nvSpPr>
-        <p:spPr/>
-        <p:txBody>
-          <a:bodyPr/>
-          <a:lstStyle/>
-          <a:p>
-            <a:r>
-              <a:rPr lang="en-US" dirty="0"/>
-              <a:t>WEBSITE</a:t>
-            </a:r>
-          </a:p>
-        </p:txBody>
-      </p:sp>
-      <p:sp>
-        <p:nvSpPr>
-          <p:cNvPr id="3" name="Content Placeholder 2"/>
-          <p:cNvSpPr>
-            <a:spLocks noGrp="1"/>
-          </p:cNvSpPr>
-          <p:nvPr>
-            <p:ph idx="1"/>
-          </p:nvPr>
-        </p:nvSpPr>
-        <p:spPr/>
-        <p:txBody>
-          <a:bodyPr/>
-          <a:lstStyle/>
-          <a:p>
-            <a:r>
-              <a:rPr lang="en-US" dirty="0"/>
-              <a:t>VM : SRV1</a:t>
-            </a:r>
-          </a:p>
-        </p:txBody>
-      </p:sp>
-    </p:spTree>
-    <p:extLst>
-      <p:ext uri="{BB962C8B-B14F-4D97-AF65-F5344CB8AC3E}">
-        <p14:creationId xmlns:p14="http://schemas.microsoft.com/office/powerpoint/2010/main" val="47949207"/>
-      </p:ext>
-    </p:extLst>
-  </p:cSld>
-  <p:clrMapOvr>
-    <a:masterClrMapping/>
-  </p:clrMapOvr>
-</p:sld>
-</file>
-
-<file path=ppt/slides/slide19.xml><?xml version="1.0" encoding="utf-8"?>
-<p:sld xmlns:a="http://schemas.openxmlformats.org/drawingml/2006/main" xmlns:r="http://schemas.openxmlformats.org/officeDocument/2006/relationships" xmlns:p="http://schemas.openxmlformats.org/presentationml/2006/main">
-  <p:cSld>
-    <p:spTree>
-      <p:nvGrpSpPr>
-        <p:cNvPr id="1" name=""/>
-        <p:cNvGrpSpPr/>
-        <p:nvPr/>
-      </p:nvGrpSpPr>
-      <p:grpSpPr>
-        <a:xfrm>
-          <a:off x="0" y="0"/>
-          <a:ext cx="0" cy="0"/>
-          <a:chOff x="0" y="0"/>
-          <a:chExt cx="0" cy="0"/>
-        </a:xfrm>
-      </p:grpSpPr>
-      <p:sp>
-        <p:nvSpPr>
-          <p:cNvPr id="2" name="Title 1"/>
-          <p:cNvSpPr>
-            <a:spLocks noGrp="1"/>
-          </p:cNvSpPr>
-          <p:nvPr>
-            <p:ph type="title"/>
-          </p:nvPr>
-        </p:nvSpPr>
-        <p:spPr/>
-        <p:txBody>
-          <a:bodyPr/>
-          <a:lstStyle/>
-          <a:p>
-            <a:r>
-              <a:rPr lang="en-US" dirty="0"/>
-              <a:t>USECASE</a:t>
-            </a:r>
-          </a:p>
-        </p:txBody>
-      </p:sp>
-      <p:pic>
-        <p:nvPicPr>
-          <p:cNvPr id="4" name="Content Placeholder 3"/>
-          <p:cNvPicPr>
-            <a:picLocks noGrp="1" noChangeAspect="1"/>
-          </p:cNvPicPr>
-          <p:nvPr>
-            <p:ph idx="1"/>
-          </p:nvPr>
-        </p:nvPicPr>
-        <p:blipFill>
-          <a:blip r:embed="rId2"/>
-          <a:stretch>
-            <a:fillRect/>
-          </a:stretch>
-        </p:blipFill>
-        <p:spPr>
-          <a:xfrm>
-            <a:off x="3247275" y="438177"/>
-            <a:ext cx="6026727" cy="5900933"/>
-          </a:xfrm>
-          <a:prstGeom prst="rect">
-            <a:avLst/>
-          </a:prstGeom>
-        </p:spPr>
-      </p:pic>
-    </p:spTree>
-    <p:extLst>
-      <p:ext uri="{BB962C8B-B14F-4D97-AF65-F5344CB8AC3E}">
-        <p14:creationId xmlns:p14="http://schemas.microsoft.com/office/powerpoint/2010/main" val="2655794641"/>
-      </p:ext>
-    </p:extLst>
-  </p:cSld>
-  <p:clrMapOvr>
-    <a:masterClrMapping/>
-  </p:clrMapOvr>
-</p:sld>
-</file>
-
-<file path=ppt/slides/slide2.xml><?xml version="1.0" encoding="utf-8"?>
-<p:sld xmlns:a="http://schemas.openxmlformats.org/drawingml/2006/main" xmlns:r="http://schemas.openxmlformats.org/officeDocument/2006/relationships" xmlns:p="http://schemas.openxmlformats.org/presentationml/2006/main">
-  <p:cSld>
-    <p:spTree>
-      <p:nvGrpSpPr>
-        <p:cNvPr id="1" name=""/>
-        <p:cNvGrpSpPr/>
-        <p:nvPr/>
-      </p:nvGrpSpPr>
-      <p:grpSpPr>
-        <a:xfrm>
-          <a:off x="0" y="0"/>
-          <a:ext cx="0" cy="0"/>
-          <a:chOff x="0" y="0"/>
-          <a:chExt cx="0" cy="0"/>
-        </a:xfrm>
-      </p:grpSpPr>
-      <p:sp>
-        <p:nvSpPr>
-          <p:cNvPr id="2" name="Title 1"/>
-          <p:cNvSpPr>
-            <a:spLocks noGrp="1"/>
-          </p:cNvSpPr>
-          <p:nvPr>
-            <p:ph type="title"/>
-          </p:nvPr>
-        </p:nvSpPr>
-        <p:spPr>
-          <a:xfrm>
-            <a:off x="326164" y="196947"/>
-            <a:ext cx="9603275" cy="1049235"/>
-          </a:xfrm>
-        </p:spPr>
-        <p:txBody>
-          <a:bodyPr>
-            <a:normAutofit/>
-          </a:bodyPr>
-          <a:lstStyle/>
-          <a:p>
-            <a:r>
-              <a:rPr lang="en-US" sz="2400" dirty="0"/>
-              <a:t>CONTENTS</a:t>
-            </a:r>
-          </a:p>
-        </p:txBody>
-      </p:sp>
-      <p:sp>
-        <p:nvSpPr>
-          <p:cNvPr id="3" name="Content Placeholder 2"/>
-          <p:cNvSpPr>
-            <a:spLocks noGrp="1"/>
-          </p:cNvSpPr>
-          <p:nvPr>
-            <p:ph idx="1"/>
-          </p:nvPr>
-        </p:nvSpPr>
-        <p:spPr>
-          <a:xfrm>
-            <a:off x="326164" y="904382"/>
-            <a:ext cx="9830711" cy="5327605"/>
-          </a:xfrm>
-        </p:spPr>
-        <p:txBody>
-          <a:bodyPr>
-            <a:normAutofit fontScale="92500" lnSpcReduction="10000"/>
-          </a:bodyPr>
-          <a:lstStyle/>
-          <a:p>
-            <a:pPr marL="0" indent="0">
-              <a:buNone/>
-            </a:pPr>
-            <a:endParaRPr lang="en-US" dirty="0"/>
-          </a:p>
-          <a:p>
-            <a:pPr>
-              <a:buFont typeface="Wingdings" panose="05000000000000000000" pitchFamily="2" charset="2"/>
-              <a:buChar char="§"/>
-            </a:pPr>
-            <a:r>
-              <a:rPr lang="en-US" dirty="0"/>
-              <a:t>INTRODUCTION</a:t>
-            </a:r>
-          </a:p>
-          <a:p>
-            <a:pPr>
-              <a:buFont typeface="Wingdings" panose="05000000000000000000" pitchFamily="2" charset="2"/>
-              <a:buChar char="§"/>
-            </a:pPr>
-            <a:r>
-              <a:rPr lang="en-US" dirty="0"/>
-              <a:t>PROBLEM STATEMENT </a:t>
-            </a:r>
-          </a:p>
-          <a:p>
-            <a:pPr>
-              <a:buFont typeface="Wingdings" panose="05000000000000000000" pitchFamily="2" charset="2"/>
-              <a:buChar char="§"/>
-            </a:pPr>
-            <a:r>
-              <a:rPr lang="en-US" dirty="0"/>
-              <a:t>DESIGN PLAN</a:t>
-            </a:r>
-          </a:p>
-          <a:p>
-            <a:pPr>
-              <a:buFont typeface="Wingdings" panose="05000000000000000000" pitchFamily="2" charset="2"/>
-              <a:buChar char="§"/>
-            </a:pPr>
-            <a:r>
-              <a:rPr lang="en-US" dirty="0"/>
-              <a:t>PICTORIAL APPROACH</a:t>
-            </a:r>
-          </a:p>
-          <a:p>
-            <a:pPr>
-              <a:buFont typeface="Wingdings" panose="05000000000000000000" pitchFamily="2" charset="2"/>
-              <a:buChar char="§"/>
-            </a:pPr>
-            <a:r>
-              <a:rPr lang="en-US" dirty="0"/>
-              <a:t>ISSUES TO BE ADDRESSED</a:t>
-            </a:r>
-          </a:p>
-          <a:p>
-            <a:pPr>
-              <a:buFont typeface="Wingdings" panose="05000000000000000000" pitchFamily="2" charset="2"/>
-              <a:buChar char="§"/>
-            </a:pPr>
-            <a:r>
-              <a:rPr lang="en-US" dirty="0"/>
-              <a:t>SOLUTION </a:t>
-            </a:r>
-          </a:p>
-          <a:p>
-            <a:pPr>
-              <a:buFont typeface="Wingdings" panose="05000000000000000000" pitchFamily="2" charset="2"/>
-              <a:buChar char="§"/>
-            </a:pPr>
-            <a:r>
-              <a:rPr lang="en-US" dirty="0"/>
-              <a:t>BUSINESS RULES</a:t>
-            </a:r>
-          </a:p>
-          <a:p>
-            <a:pPr>
-              <a:buFont typeface="Wingdings" panose="05000000000000000000" pitchFamily="2" charset="2"/>
-              <a:buChar char="§"/>
-            </a:pPr>
-            <a:r>
-              <a:rPr lang="en-US" dirty="0"/>
-              <a:t>WEB APPLICATION FUNCTIONAL DECOMPOSITION, USECASE DIAGRAMS</a:t>
-            </a:r>
-          </a:p>
-          <a:p>
-            <a:pPr>
-              <a:buFont typeface="Wingdings" panose="05000000000000000000" pitchFamily="2" charset="2"/>
-              <a:buChar char="§"/>
-            </a:pPr>
-            <a:r>
-              <a:rPr lang="en-US" dirty="0"/>
-              <a:t>ERD</a:t>
-            </a:r>
-          </a:p>
-          <a:p>
-            <a:pPr>
-              <a:buFont typeface="Wingdings" panose="05000000000000000000" pitchFamily="2" charset="2"/>
-              <a:buChar char="§"/>
-            </a:pPr>
-            <a:r>
-              <a:rPr lang="en-US" dirty="0"/>
-              <a:t>WEBSITE</a:t>
-            </a:r>
-          </a:p>
-          <a:p>
-            <a:pPr>
-              <a:buFont typeface="Wingdings" panose="05000000000000000000" pitchFamily="2" charset="2"/>
-              <a:buChar char="§"/>
-            </a:pPr>
-            <a:r>
-              <a:rPr lang="en-US" dirty="0"/>
-              <a:t>OWASP ESAPI TESTING </a:t>
-            </a:r>
-          </a:p>
-          <a:p>
-            <a:pPr>
-              <a:buFont typeface="Wingdings" panose="05000000000000000000" pitchFamily="2" charset="2"/>
-              <a:buChar char="§"/>
-            </a:pPr>
-            <a:r>
-              <a:rPr lang="en-US" dirty="0"/>
-              <a:t>FUTURE ENHANCEMENTS </a:t>
-            </a:r>
-          </a:p>
-          <a:p>
-            <a:pPr>
-              <a:buFont typeface="Wingdings" panose="05000000000000000000" pitchFamily="2" charset="2"/>
-              <a:buChar char="§"/>
-            </a:pPr>
-            <a:r>
-              <a:rPr lang="en-US" dirty="0"/>
-              <a:t>CONCLUSION</a:t>
-            </a:r>
-          </a:p>
-          <a:p>
-            <a:pPr>
-              <a:buFont typeface="Wingdings" panose="05000000000000000000" pitchFamily="2" charset="2"/>
-              <a:buChar char="§"/>
-            </a:pPr>
-            <a:endParaRPr lang="en-US" dirty="0"/>
-          </a:p>
-          <a:p>
-            <a:pPr>
-              <a:buFont typeface="Wingdings" panose="05000000000000000000" pitchFamily="2" charset="2"/>
-              <a:buChar char="§"/>
-            </a:pPr>
-            <a:endParaRPr lang="en-US" dirty="0"/>
-          </a:p>
-          <a:p>
-            <a:pPr>
-              <a:buFont typeface="Wingdings" panose="05000000000000000000" pitchFamily="2" charset="2"/>
-              <a:buChar char="§"/>
-            </a:pPr>
-            <a:endParaRPr lang="en-US" dirty="0"/>
-          </a:p>
-          <a:p>
-            <a:pPr>
-              <a:buFont typeface="Wingdings" panose="05000000000000000000" pitchFamily="2" charset="2"/>
-              <a:buChar char="§"/>
-            </a:pPr>
-            <a:endParaRPr lang="en-US" dirty="0"/>
-          </a:p>
-          <a:p>
-            <a:pPr>
-              <a:buFont typeface="Wingdings" panose="05000000000000000000" pitchFamily="2" charset="2"/>
-              <a:buChar char="§"/>
-            </a:pPr>
-            <a:endParaRPr lang="en-US" dirty="0"/>
-          </a:p>
-          <a:p>
-            <a:pPr>
-              <a:buFont typeface="Wingdings" panose="05000000000000000000" pitchFamily="2" charset="2"/>
-              <a:buChar char="§"/>
-            </a:pPr>
-            <a:endParaRPr lang="en-US" dirty="0"/>
-          </a:p>
-        </p:txBody>
-      </p:sp>
-    </p:spTree>
-    <p:extLst>
-      <p:ext uri="{BB962C8B-B14F-4D97-AF65-F5344CB8AC3E}">
-        <p14:creationId xmlns:p14="http://schemas.microsoft.com/office/powerpoint/2010/main" val="4269791678"/>
-      </p:ext>
-    </p:extLst>
-  </p:cSld>
-  <p:clrMapOvr>
-    <a:masterClrMapping/>
-  </p:clrMapOvr>
-</p:sld>
-</file>
-
-<file path=ppt/slides/slide20.xml><?xml version="1.0" encoding="utf-8"?>
-<p:sld xmlns:a="http://schemas.openxmlformats.org/drawingml/2006/main" xmlns:r="http://schemas.openxmlformats.org/officeDocument/2006/relationships" xmlns:p="http://schemas.openxmlformats.org/presentationml/2006/main">
-  <p:cSld>
-    <p:spTree>
-      <p:nvGrpSpPr>
-        <p:cNvPr id="1" name=""/>
-        <p:cNvGrpSpPr/>
-        <p:nvPr/>
-      </p:nvGrpSpPr>
-      <p:grpSpPr>
-        <a:xfrm>
-          <a:off x="0" y="0"/>
-          <a:ext cx="0" cy="0"/>
-          <a:chOff x="0" y="0"/>
-          <a:chExt cx="0" cy="0"/>
-        </a:xfrm>
-      </p:grpSpPr>
-      <p:sp>
-        <p:nvSpPr>
-          <p:cNvPr id="2" name="Title 1"/>
-          <p:cNvSpPr>
-            <a:spLocks noGrp="1"/>
-          </p:cNvSpPr>
-          <p:nvPr>
-            <p:ph type="title"/>
-          </p:nvPr>
-        </p:nvSpPr>
-        <p:spPr/>
-        <p:txBody>
-          <a:bodyPr/>
-          <a:lstStyle/>
-          <a:p>
-            <a:r>
-              <a:rPr lang="en-US" dirty="0"/>
-              <a:t>USECASE</a:t>
-            </a:r>
-          </a:p>
-        </p:txBody>
-      </p:sp>
-      <p:pic>
-        <p:nvPicPr>
-          <p:cNvPr id="4" name="Content Placeholder 3"/>
-          <p:cNvPicPr>
-            <a:picLocks noGrp="1" noChangeAspect="1"/>
-          </p:cNvPicPr>
-          <p:nvPr>
-            <p:ph idx="1"/>
-          </p:nvPr>
-        </p:nvPicPr>
-        <p:blipFill>
-          <a:blip r:embed="rId2"/>
-          <a:stretch>
-            <a:fillRect/>
-          </a:stretch>
-        </p:blipFill>
-        <p:spPr>
-          <a:xfrm>
-            <a:off x="3798558" y="106218"/>
-            <a:ext cx="5581680" cy="5588000"/>
-          </a:xfrm>
-          <a:prstGeom prst="rect">
-            <a:avLst/>
-          </a:prstGeom>
-        </p:spPr>
-      </p:pic>
-    </p:spTree>
-    <p:extLst>
-      <p:ext uri="{BB962C8B-B14F-4D97-AF65-F5344CB8AC3E}">
-        <p14:creationId xmlns:p14="http://schemas.microsoft.com/office/powerpoint/2010/main" val="896415580"/>
-      </p:ext>
-    </p:extLst>
-  </p:cSld>
-  <p:clrMapOvr>
-    <a:masterClrMapping/>
-  </p:clrMapOvr>
-</p:sld>
-</file>
-
-<file path=ppt/slides/slide21.xml><?xml version="1.0" encoding="utf-8"?>
-<p:sld xmlns:a="http://schemas.openxmlformats.org/drawingml/2006/main" xmlns:r="http://schemas.openxmlformats.org/officeDocument/2006/relationships" xmlns:p="http://schemas.openxmlformats.org/presentationml/2006/main">
-  <p:cSld>
-    <p:spTree>
-      <p:nvGrpSpPr>
-        <p:cNvPr id="1" name=""/>
-        <p:cNvGrpSpPr/>
-        <p:nvPr/>
-      </p:nvGrpSpPr>
-      <p:grpSpPr>
-        <a:xfrm>
-          <a:off x="0" y="0"/>
-          <a:ext cx="0" cy="0"/>
-          <a:chOff x="0" y="0"/>
-          <a:chExt cx="0" cy="0"/>
-        </a:xfrm>
-      </p:grpSpPr>
-      <p:sp>
-        <p:nvSpPr>
-          <p:cNvPr id="2" name="Title 1"/>
-          <p:cNvSpPr>
-            <a:spLocks noGrp="1"/>
-          </p:cNvSpPr>
-          <p:nvPr>
-            <p:ph type="title"/>
-          </p:nvPr>
-        </p:nvSpPr>
-        <p:spPr/>
-        <p:txBody>
-          <a:bodyPr/>
-          <a:lstStyle/>
-          <a:p>
-            <a:r>
-              <a:rPr lang="en-US" dirty="0"/>
-              <a:t>USECASE</a:t>
-            </a:r>
-          </a:p>
-        </p:txBody>
-      </p:sp>
-      <p:pic>
-        <p:nvPicPr>
-          <p:cNvPr id="4" name="Content Placeholder 3"/>
-          <p:cNvPicPr>
-            <a:picLocks noGrp="1" noChangeAspect="1"/>
-          </p:cNvPicPr>
-          <p:nvPr>
-            <p:ph idx="1"/>
-          </p:nvPr>
-        </p:nvPicPr>
-        <p:blipFill>
-          <a:blip r:embed="rId2"/>
-          <a:stretch>
-            <a:fillRect/>
-          </a:stretch>
-        </p:blipFill>
-        <p:spPr>
-          <a:xfrm>
-            <a:off x="3249436" y="484909"/>
-            <a:ext cx="5438164" cy="5417127"/>
-          </a:xfrm>
-          <a:prstGeom prst="rect">
-            <a:avLst/>
-          </a:prstGeom>
-        </p:spPr>
-      </p:pic>
-    </p:spTree>
-    <p:extLst>
-      <p:ext uri="{BB962C8B-B14F-4D97-AF65-F5344CB8AC3E}">
-        <p14:creationId xmlns:p14="http://schemas.microsoft.com/office/powerpoint/2010/main" val="733840910"/>
-      </p:ext>
-    </p:extLst>
-  </p:cSld>
-  <p:clrMapOvr>
-    <a:masterClrMapping/>
-  </p:clrMapOvr>
-</p:sld>
-</file>
-
-<file path=ppt/slides/slide22.xml><?xml version="1.0" encoding="utf-8"?>
-<p:sld xmlns:a="http://schemas.openxmlformats.org/drawingml/2006/main" xmlns:r="http://schemas.openxmlformats.org/officeDocument/2006/relationships" xmlns:p="http://schemas.openxmlformats.org/presentationml/2006/main">
-  <p:cSld>
-    <p:spTree>
-      <p:nvGrpSpPr>
-        <p:cNvPr id="1" name=""/>
-        <p:cNvGrpSpPr/>
-        <p:nvPr/>
-      </p:nvGrpSpPr>
-      <p:grpSpPr>
-        <a:xfrm>
-          <a:off x="0" y="0"/>
-          <a:ext cx="0" cy="0"/>
-          <a:chOff x="0" y="0"/>
-          <a:chExt cx="0" cy="0"/>
-        </a:xfrm>
-      </p:grpSpPr>
-      <p:sp>
-        <p:nvSpPr>
-          <p:cNvPr id="2" name="Title 1"/>
-          <p:cNvSpPr>
-            <a:spLocks noGrp="1"/>
-          </p:cNvSpPr>
-          <p:nvPr>
-            <p:ph type="title"/>
-          </p:nvPr>
-        </p:nvSpPr>
-        <p:spPr/>
-        <p:txBody>
-          <a:bodyPr/>
-          <a:lstStyle/>
-          <a:p>
-            <a:r>
-              <a:rPr lang="en-US" dirty="0"/>
-              <a:t>USECASE</a:t>
-            </a:r>
-          </a:p>
-        </p:txBody>
-      </p:sp>
-      <p:pic>
-        <p:nvPicPr>
-          <p:cNvPr id="4" name="Content Placeholder 3"/>
-          <p:cNvPicPr>
-            <a:picLocks noGrp="1" noChangeAspect="1"/>
-          </p:cNvPicPr>
-          <p:nvPr>
-            <p:ph idx="1"/>
-          </p:nvPr>
-        </p:nvPicPr>
-        <p:blipFill>
-          <a:blip r:embed="rId2"/>
-          <a:stretch>
-            <a:fillRect/>
-          </a:stretch>
-        </p:blipFill>
-        <p:spPr>
-          <a:xfrm>
-            <a:off x="3262745" y="609600"/>
-            <a:ext cx="5636433" cy="5777345"/>
-          </a:xfrm>
-          <a:prstGeom prst="rect">
-            <a:avLst/>
-          </a:prstGeom>
-        </p:spPr>
-      </p:pic>
-    </p:spTree>
-    <p:extLst>
-      <p:ext uri="{BB962C8B-B14F-4D97-AF65-F5344CB8AC3E}">
-        <p14:creationId xmlns:p14="http://schemas.microsoft.com/office/powerpoint/2010/main" val="2330099843"/>
-      </p:ext>
-    </p:extLst>
-  </p:cSld>
-  <p:clrMapOvr>
-    <a:masterClrMapping/>
-  </p:clrMapOvr>
-</p:sld>
-</file>
-
-<file path=ppt/slides/slide23.xml><?xml version="1.0" encoding="utf-8"?>
-<p:sld xmlns:a="http://schemas.openxmlformats.org/drawingml/2006/main" xmlns:r="http://schemas.openxmlformats.org/officeDocument/2006/relationships" xmlns:p="http://schemas.openxmlformats.org/presentationml/2006/main">
-  <p:cSld>
-    <p:spTree>
-      <p:nvGrpSpPr>
-        <p:cNvPr id="1" name=""/>
-        <p:cNvGrpSpPr/>
-        <p:nvPr/>
-      </p:nvGrpSpPr>
-      <p:grpSpPr>
-        <a:xfrm>
-          <a:off x="0" y="0"/>
-          <a:ext cx="0" cy="0"/>
-          <a:chOff x="0" y="0"/>
-          <a:chExt cx="0" cy="0"/>
-        </a:xfrm>
-      </p:grpSpPr>
-      <p:sp>
-        <p:nvSpPr>
-          <p:cNvPr id="2" name="Title 1"/>
-          <p:cNvSpPr>
-            <a:spLocks noGrp="1"/>
-          </p:cNvSpPr>
-          <p:nvPr>
-            <p:ph type="title"/>
-          </p:nvPr>
-        </p:nvSpPr>
-        <p:spPr/>
-        <p:txBody>
-          <a:bodyPr/>
-          <a:lstStyle/>
-          <a:p>
-            <a:r>
-              <a:rPr lang="en-US" dirty="0"/>
-              <a:t>USECASE</a:t>
-            </a:r>
-          </a:p>
-        </p:txBody>
-      </p:sp>
-      <p:pic>
-        <p:nvPicPr>
-          <p:cNvPr id="4" name="Content Placeholder 3"/>
-          <p:cNvPicPr>
-            <a:picLocks noGrp="1" noChangeAspect="1"/>
-          </p:cNvPicPr>
-          <p:nvPr>
-            <p:ph idx="1"/>
-          </p:nvPr>
-        </p:nvPicPr>
-        <p:blipFill>
-          <a:blip r:embed="rId2"/>
-          <a:stretch>
-            <a:fillRect/>
-          </a:stretch>
-        </p:blipFill>
-        <p:spPr>
-          <a:xfrm>
-            <a:off x="3239838" y="609600"/>
-            <a:ext cx="5823622" cy="5652655"/>
-          </a:xfrm>
-          <a:prstGeom prst="rect">
-            <a:avLst/>
-          </a:prstGeom>
-        </p:spPr>
-      </p:pic>
-    </p:spTree>
-    <p:extLst>
-      <p:ext uri="{BB962C8B-B14F-4D97-AF65-F5344CB8AC3E}">
-        <p14:creationId xmlns:p14="http://schemas.microsoft.com/office/powerpoint/2010/main" val="1667762599"/>
-      </p:ext>
-    </p:extLst>
-  </p:cSld>
-  <p:clrMapOvr>
-    <a:masterClrMapping/>
-  </p:clrMapOvr>
-</p:sld>
-</file>
-
-<file path=ppt/slides/slide24.xml><?xml version="1.0" encoding="utf-8"?>
-<p:sld xmlns:a="http://schemas.openxmlformats.org/drawingml/2006/main" xmlns:r="http://schemas.openxmlformats.org/officeDocument/2006/relationships" xmlns:p="http://schemas.openxmlformats.org/presentationml/2006/main">
-  <p:cSld>
-    <p:spTree>
-      <p:nvGrpSpPr>
-        <p:cNvPr id="1" name=""/>
-        <p:cNvGrpSpPr/>
-        <p:nvPr/>
-      </p:nvGrpSpPr>
-      <p:grpSpPr>
-        <a:xfrm>
-          <a:off x="0" y="0"/>
-          <a:ext cx="0" cy="0"/>
-          <a:chOff x="0" y="0"/>
-          <a:chExt cx="0" cy="0"/>
-        </a:xfrm>
-      </p:grpSpPr>
-      <p:sp>
-        <p:nvSpPr>
-          <p:cNvPr id="2" name="Title 1"/>
-          <p:cNvSpPr>
-            <a:spLocks noGrp="1"/>
-          </p:cNvSpPr>
-          <p:nvPr>
-            <p:ph type="title"/>
-          </p:nvPr>
-        </p:nvSpPr>
-        <p:spPr>
-          <a:xfrm>
-            <a:off x="677334" y="0"/>
-            <a:ext cx="8596668" cy="1320800"/>
-          </a:xfrm>
-        </p:spPr>
-        <p:txBody>
-          <a:bodyPr/>
-          <a:lstStyle/>
-          <a:p>
-            <a:r>
-              <a:rPr lang="en-US" dirty="0"/>
-              <a:t>ERD</a:t>
-            </a:r>
-          </a:p>
-        </p:txBody>
-      </p:sp>
-      <p:pic>
-        <p:nvPicPr>
-          <p:cNvPr id="4" name="Picture 3" descr="C:\Users\nori\Downloads\ncorperd.png"/>
-          <p:cNvPicPr/>
-          <p:nvPr/>
-        </p:nvPicPr>
-        <p:blipFill>
-          <a:blip r:embed="rId2">
-            <a:extLst>
-              <a:ext uri="{28A0092B-C50C-407E-A947-70E740481C1C}">
-                <a14:useLocalDpi xmlns:a14="http://schemas.microsoft.com/office/drawing/2010/main" val="0"/>
-              </a:ext>
-            </a:extLst>
-          </a:blip>
-          <a:srcRect/>
-          <a:stretch>
-            <a:fillRect/>
-          </a:stretch>
-        </p:blipFill>
-        <p:spPr bwMode="auto">
-          <a:xfrm>
-            <a:off x="2424545" y="152400"/>
-            <a:ext cx="6276110" cy="5985164"/>
-          </a:xfrm>
-          <a:prstGeom prst="rect">
-            <a:avLst/>
-          </a:prstGeom>
-          <a:noFill/>
-          <a:ln>
-            <a:noFill/>
-          </a:ln>
-        </p:spPr>
-      </p:pic>
-    </p:spTree>
-    <p:extLst>
-      <p:ext uri="{BB962C8B-B14F-4D97-AF65-F5344CB8AC3E}">
-        <p14:creationId xmlns:p14="http://schemas.microsoft.com/office/powerpoint/2010/main" val="884973169"/>
-      </p:ext>
-    </p:extLst>
-  </p:cSld>
-  <p:clrMapOvr>
-    <a:masterClrMapping/>
-  </p:clrMapOvr>
-</p:sld>
-</file>
-
-<file path=ppt/slides/slide25.xml><?xml version="1.0" encoding="utf-8"?>
-<p:sld xmlns:a="http://schemas.openxmlformats.org/drawingml/2006/main" xmlns:r="http://schemas.openxmlformats.org/officeDocument/2006/relationships" xmlns:p="http://schemas.openxmlformats.org/presentationml/2006/main">
-  <p:cSld>
-    <p:spTree>
-      <p:nvGrpSpPr>
-        <p:cNvPr id="1" name=""/>
-        <p:cNvGrpSpPr/>
-        <p:nvPr/>
-      </p:nvGrpSpPr>
-      <p:grpSpPr>
-        <a:xfrm>
-          <a:off x="0" y="0"/>
-          <a:ext cx="0" cy="0"/>
-          <a:chOff x="0" y="0"/>
-          <a:chExt cx="0" cy="0"/>
-        </a:xfrm>
-      </p:grpSpPr>
-      <p:sp>
-        <p:nvSpPr>
-          <p:cNvPr id="2" name="Title 1"/>
-          <p:cNvSpPr>
-            <a:spLocks noGrp="1"/>
-          </p:cNvSpPr>
-          <p:nvPr>
-            <p:ph type="title"/>
-          </p:nvPr>
-        </p:nvSpPr>
-        <p:spPr/>
-        <p:txBody>
-          <a:bodyPr/>
-          <a:lstStyle/>
-          <a:p>
-            <a:r>
-              <a:rPr lang="en-US" dirty="0"/>
-              <a:t>OWASP – ESAPI TESTING</a:t>
-            </a:r>
-          </a:p>
-        </p:txBody>
-      </p:sp>
-      <p:sp>
-        <p:nvSpPr>
-          <p:cNvPr id="3" name="Content Placeholder 2"/>
-          <p:cNvSpPr>
-            <a:spLocks noGrp="1"/>
-          </p:cNvSpPr>
-          <p:nvPr>
-            <p:ph idx="1"/>
-          </p:nvPr>
-        </p:nvSpPr>
-        <p:spPr/>
-        <p:txBody>
-          <a:bodyPr/>
-          <a:lstStyle/>
-          <a:p>
-            <a:r>
-              <a:rPr lang="en-US" b="1" dirty="0"/>
-              <a:t>Information Gathering &amp;</a:t>
-            </a:r>
-            <a:r>
-              <a:rPr lang="en-US" dirty="0"/>
-              <a:t> C</a:t>
-            </a:r>
-            <a:r>
-              <a:rPr lang="en-US" b="1" dirty="0"/>
-              <a:t>onducting Search engine discovery and Reconnaissance for information leakage</a:t>
-            </a:r>
-            <a:endParaRPr lang="en-US" dirty="0"/>
-          </a:p>
-          <a:p>
-            <a:r>
-              <a:rPr lang="en-US" dirty="0"/>
-              <a:t>Ping of death</a:t>
-            </a:r>
-          </a:p>
-          <a:p>
-            <a:r>
-              <a:rPr lang="en-US" b="1" dirty="0"/>
-              <a:t>Fingerprint web server</a:t>
-            </a:r>
-          </a:p>
-          <a:p>
-            <a:r>
-              <a:rPr lang="en-US" b="1" dirty="0"/>
-              <a:t>Enumerate application on Webserver</a:t>
-            </a:r>
-            <a:endParaRPr lang="en-US" dirty="0"/>
-          </a:p>
-          <a:p>
-            <a:r>
-              <a:rPr lang="en-US" b="1" dirty="0"/>
-              <a:t>Fingerprint web application</a:t>
-            </a:r>
-          </a:p>
-          <a:p>
-            <a:r>
-              <a:rPr lang="en-US" b="1" dirty="0"/>
-              <a:t>Testing Identity Management</a:t>
-            </a:r>
-            <a:endParaRPr lang="en-US" dirty="0"/>
-          </a:p>
-          <a:p>
-            <a:r>
-              <a:rPr lang="en-US" b="1" dirty="0"/>
-              <a:t>Authentication Testing</a:t>
-            </a:r>
-            <a:endParaRPr lang="en-US" dirty="0"/>
-          </a:p>
-          <a:p>
-            <a:r>
-              <a:rPr lang="en-US" b="1" dirty="0"/>
-              <a:t>Authorization Testing:</a:t>
-            </a:r>
-            <a:endParaRPr lang="en-US" dirty="0"/>
-          </a:p>
-          <a:p>
-            <a:endParaRPr lang="en-US" dirty="0"/>
-          </a:p>
-          <a:p>
-            <a:endParaRPr lang="en-US" dirty="0"/>
-          </a:p>
-        </p:txBody>
-      </p:sp>
-    </p:spTree>
-    <p:extLst>
-      <p:ext uri="{BB962C8B-B14F-4D97-AF65-F5344CB8AC3E}">
-        <p14:creationId xmlns:p14="http://schemas.microsoft.com/office/powerpoint/2010/main" val="1609960245"/>
-      </p:ext>
-    </p:extLst>
-  </p:cSld>
-  <p:clrMapOvr>
-    <a:masterClrMapping/>
-  </p:clrMapOvr>
-</p:sld>
-</file>
-
-<file path=ppt/slides/slide26.xml><?xml version="1.0" encoding="utf-8"?>
-<p:sld xmlns:a="http://schemas.openxmlformats.org/drawingml/2006/main" xmlns:r="http://schemas.openxmlformats.org/officeDocument/2006/relationships" xmlns:p="http://schemas.openxmlformats.org/presentationml/2006/main">
-  <p:cSld>
-    <p:spTree>
-      <p:nvGrpSpPr>
-        <p:cNvPr id="1" name=""/>
-        <p:cNvGrpSpPr/>
-        <p:nvPr/>
-      </p:nvGrpSpPr>
-      <p:grpSpPr>
-        <a:xfrm>
-          <a:off x="0" y="0"/>
-          <a:ext cx="0" cy="0"/>
-          <a:chOff x="0" y="0"/>
-          <a:chExt cx="0" cy="0"/>
-        </a:xfrm>
-      </p:grpSpPr>
-      <p:sp>
-        <p:nvSpPr>
-          <p:cNvPr id="2" name="Title 1"/>
-          <p:cNvSpPr>
-            <a:spLocks noGrp="1"/>
-          </p:cNvSpPr>
-          <p:nvPr>
-            <p:ph type="title"/>
-          </p:nvPr>
-        </p:nvSpPr>
-        <p:spPr/>
-        <p:txBody>
-          <a:bodyPr/>
-          <a:lstStyle/>
-          <a:p>
-            <a:r>
-              <a:rPr lang="en-US" dirty="0"/>
-              <a:t>FUTURE ENHANCEMENTS</a:t>
-            </a:r>
-          </a:p>
-        </p:txBody>
-      </p:sp>
-      <p:sp>
-        <p:nvSpPr>
-          <p:cNvPr id="3" name="Content Placeholder 2"/>
-          <p:cNvSpPr>
-            <a:spLocks noGrp="1"/>
-          </p:cNvSpPr>
-          <p:nvPr>
-            <p:ph idx="1"/>
-          </p:nvPr>
-        </p:nvSpPr>
-        <p:spPr>
-          <a:xfrm>
-            <a:off x="677334" y="1384735"/>
-            <a:ext cx="8596668" cy="3880773"/>
-          </a:xfrm>
-        </p:spPr>
-        <p:txBody>
-          <a:bodyPr>
-            <a:normAutofit/>
-          </a:bodyPr>
-          <a:lstStyle/>
-          <a:p>
-            <a:r>
-              <a:rPr lang="en-US" dirty="0"/>
-              <a:t>PROBLEM WITH CLOUD : SECURITY</a:t>
-            </a:r>
-          </a:p>
-          <a:p>
-            <a:endParaRPr lang="en-US" dirty="0"/>
-          </a:p>
-          <a:p>
-            <a:endParaRPr lang="en-US" dirty="0"/>
-          </a:p>
-          <a:p>
-            <a:endParaRPr lang="en-US" dirty="0"/>
-          </a:p>
-          <a:p>
-            <a:endParaRPr lang="en-US" dirty="0"/>
-          </a:p>
-          <a:p>
-            <a:endParaRPr lang="en-US" dirty="0"/>
-          </a:p>
-          <a:p>
-            <a:endParaRPr lang="en-US" dirty="0"/>
-          </a:p>
-          <a:p>
-            <a:endParaRPr lang="en-US" dirty="0"/>
-          </a:p>
-          <a:p>
-            <a:endParaRPr lang="en-US" dirty="0"/>
-          </a:p>
-        </p:txBody>
-      </p:sp>
-      <p:pic>
-        <p:nvPicPr>
-          <p:cNvPr id="4" name="Picture 3"/>
-          <p:cNvPicPr>
-            <a:picLocks noChangeAspect="1"/>
-          </p:cNvPicPr>
-          <p:nvPr/>
-        </p:nvPicPr>
-        <p:blipFill>
-          <a:blip r:embed="rId2">
-            <a:extLst>
-              <a:ext uri="{28A0092B-C50C-407E-A947-70E740481C1C}">
-                <a14:useLocalDpi xmlns:a14="http://schemas.microsoft.com/office/drawing/2010/main" val="0"/>
-              </a:ext>
-            </a:extLst>
-          </a:blip>
-          <a:stretch>
-            <a:fillRect/>
-          </a:stretch>
-        </p:blipFill>
-        <p:spPr>
-          <a:xfrm>
-            <a:off x="5945908" y="484189"/>
-            <a:ext cx="3328094" cy="5916611"/>
-          </a:xfrm>
-          <a:prstGeom prst="rect">
-            <a:avLst/>
-          </a:prstGeom>
-        </p:spPr>
-      </p:pic>
-    </p:spTree>
-    <p:extLst>
-      <p:ext uri="{BB962C8B-B14F-4D97-AF65-F5344CB8AC3E}">
-        <p14:creationId xmlns:p14="http://schemas.microsoft.com/office/powerpoint/2010/main" val="566387000"/>
-      </p:ext>
-    </p:extLst>
-  </p:cSld>
-  <p:clrMapOvr>
-    <a:masterClrMapping/>
-  </p:clrMapOvr>
-</p:sld>
-</file>
-
-<file path=ppt/slides/slide27.xml><?xml version="1.0" encoding="utf-8"?>
-<p:sld xmlns:a="http://schemas.openxmlformats.org/drawingml/2006/main" xmlns:r="http://schemas.openxmlformats.org/officeDocument/2006/relationships" xmlns:p="http://schemas.openxmlformats.org/presentationml/2006/main">
-  <p:cSld>
-    <p:spTree>
-      <p:nvGrpSpPr>
-        <p:cNvPr id="1" name=""/>
-        <p:cNvGrpSpPr/>
-        <p:nvPr/>
-      </p:nvGrpSpPr>
-      <p:grpSpPr>
-        <a:xfrm>
-          <a:off x="0" y="0"/>
-          <a:ext cx="0" cy="0"/>
-          <a:chOff x="0" y="0"/>
-          <a:chExt cx="0" cy="0"/>
-        </a:xfrm>
-      </p:grpSpPr>
-      <p:sp>
-        <p:nvSpPr>
-          <p:cNvPr id="2" name="Title 1"/>
-          <p:cNvSpPr>
-            <a:spLocks noGrp="1"/>
-          </p:cNvSpPr>
-          <p:nvPr>
-            <p:ph type="title"/>
-          </p:nvPr>
-        </p:nvSpPr>
-        <p:spPr/>
-        <p:txBody>
-          <a:bodyPr/>
-          <a:lstStyle/>
-          <a:p>
-            <a:r>
-              <a:rPr lang="en-US" dirty="0"/>
-              <a:t>FUTURE ENHANCEMENTS</a:t>
-            </a:r>
-          </a:p>
-        </p:txBody>
-      </p:sp>
-      <p:sp>
-        <p:nvSpPr>
-          <p:cNvPr id="3" name="Content Placeholder 2"/>
-          <p:cNvSpPr>
-            <a:spLocks noGrp="1"/>
-          </p:cNvSpPr>
-          <p:nvPr>
-            <p:ph idx="1"/>
-          </p:nvPr>
-        </p:nvSpPr>
-        <p:spPr/>
-        <p:txBody>
-          <a:bodyPr/>
-          <a:lstStyle/>
-          <a:p>
-            <a:r>
-              <a:rPr lang="en-US" dirty="0"/>
-              <a:t>To create EC2 Windows and Linux instances with Amazon web services to reduce the infrastructure and to improve performance.</a:t>
-            </a:r>
-          </a:p>
-          <a:p>
-            <a:r>
-              <a:rPr lang="en-US" dirty="0"/>
-              <a:t>To redesign the Website with more security controls: Validation Controls</a:t>
-            </a:r>
-          </a:p>
-          <a:p>
-            <a:r>
-              <a:rPr lang="en-US" dirty="0"/>
-              <a:t>To Save the Web application data to Amazon </a:t>
-            </a:r>
-            <a:r>
-              <a:rPr lang="en-US" dirty="0" err="1"/>
-              <a:t>DynamoDB</a:t>
-            </a:r>
-            <a:endParaRPr lang="en-US" dirty="0"/>
-          </a:p>
-          <a:p>
-            <a:r>
-              <a:rPr lang="en-US" dirty="0"/>
-              <a:t>To Review of Webserver metafiles for information leakage:</a:t>
-            </a:r>
-            <a:r>
-              <a:rPr lang="en-US" b="1" dirty="0"/>
-              <a:t> </a:t>
-            </a:r>
-            <a:endParaRPr lang="en-US" dirty="0"/>
-          </a:p>
-          <a:p>
-            <a:endParaRPr lang="en-US" dirty="0"/>
-          </a:p>
-          <a:p>
-            <a:endParaRPr lang="en-US" dirty="0"/>
-          </a:p>
-          <a:p>
-            <a:endParaRPr lang="en-US" dirty="0"/>
-          </a:p>
-          <a:p>
-            <a:endParaRPr lang="en-US" dirty="0"/>
-          </a:p>
-        </p:txBody>
-      </p:sp>
-    </p:spTree>
-    <p:extLst>
-      <p:ext uri="{BB962C8B-B14F-4D97-AF65-F5344CB8AC3E}">
-        <p14:creationId xmlns:p14="http://schemas.microsoft.com/office/powerpoint/2010/main" val="4230093232"/>
-      </p:ext>
-    </p:extLst>
-  </p:cSld>
-  <p:clrMapOvr>
-    <a:masterClrMapping/>
-  </p:clrMapOvr>
-</p:sld>
-</file>
-
-<file path=ppt/slides/slide28.xml><?xml version="1.0" encoding="utf-8"?>
-<p:sld xmlns:a="http://schemas.openxmlformats.org/drawingml/2006/main" xmlns:r="http://schemas.openxmlformats.org/officeDocument/2006/relationships" xmlns:p="http://schemas.openxmlformats.org/presentationml/2006/main">
-  <p:cSld>
-    <p:spTree>
-      <p:nvGrpSpPr>
-        <p:cNvPr id="1" name=""/>
-        <p:cNvGrpSpPr/>
-        <p:nvPr/>
-      </p:nvGrpSpPr>
-      <p:grpSpPr>
-        <a:xfrm>
-          <a:off x="0" y="0"/>
-          <a:ext cx="0" cy="0"/>
-          <a:chOff x="0" y="0"/>
-          <a:chExt cx="0" cy="0"/>
-        </a:xfrm>
-      </p:grpSpPr>
-      <p:sp>
-        <p:nvSpPr>
-          <p:cNvPr id="2" name="Title 1"/>
-          <p:cNvSpPr>
-            <a:spLocks noGrp="1"/>
-          </p:cNvSpPr>
-          <p:nvPr>
-            <p:ph type="title"/>
-          </p:nvPr>
-        </p:nvSpPr>
-        <p:spPr/>
-        <p:txBody>
-          <a:bodyPr/>
-          <a:lstStyle/>
-          <a:p>
-            <a:r>
-              <a:rPr lang="en-US" dirty="0"/>
-              <a:t>CONSLUSION	</a:t>
-            </a:r>
-          </a:p>
-        </p:txBody>
-      </p:sp>
-      <p:sp>
-        <p:nvSpPr>
-          <p:cNvPr id="3" name="Content Placeholder 2"/>
-          <p:cNvSpPr>
-            <a:spLocks noGrp="1"/>
-          </p:cNvSpPr>
-          <p:nvPr>
-            <p:ph idx="1"/>
-          </p:nvPr>
-        </p:nvSpPr>
-        <p:spPr/>
-        <p:txBody>
-          <a:bodyPr/>
-          <a:lstStyle/>
-          <a:p>
-            <a:r>
-              <a:rPr lang="en-US" dirty="0"/>
-              <a:t>Security is not a state to achieve but it’s a continuous process. </a:t>
-            </a:r>
-          </a:p>
-        </p:txBody>
-      </p:sp>
-    </p:spTree>
-    <p:extLst>
-      <p:ext uri="{BB962C8B-B14F-4D97-AF65-F5344CB8AC3E}">
-        <p14:creationId xmlns:p14="http://schemas.microsoft.com/office/powerpoint/2010/main" val="3428697083"/>
-      </p:ext>
-    </p:extLst>
-  </p:cSld>
-  <p:clrMapOvr>
-    <a:masterClrMapping/>
-  </p:clrMapOvr>
-</p:sld>
-</file>
-
-<file path=ppt/slides/slide3.xml><?xml version="1.0" encoding="utf-8"?>
-<p:sld xmlns:a="http://schemas.openxmlformats.org/drawingml/2006/main" xmlns:r="http://schemas.openxmlformats.org/officeDocument/2006/relationships" xmlns:p="http://schemas.openxmlformats.org/presentationml/2006/main">
-  <p:cSld>
-    <p:spTree>
-      <p:nvGrpSpPr>
-        <p:cNvPr id="1" name=""/>
-        <p:cNvGrpSpPr/>
-        <p:nvPr/>
-      </p:nvGrpSpPr>
-      <p:grpSpPr>
-        <a:xfrm>
-          <a:off x="0" y="0"/>
-          <a:ext cx="0" cy="0"/>
-          <a:chOff x="0" y="0"/>
-          <a:chExt cx="0" cy="0"/>
-        </a:xfrm>
-      </p:grpSpPr>
-      <p:sp>
-        <p:nvSpPr>
-          <p:cNvPr id="2" name="Title 1"/>
-          <p:cNvSpPr>
-            <a:spLocks noGrp="1"/>
-          </p:cNvSpPr>
-          <p:nvPr>
-            <p:ph type="title"/>
-          </p:nvPr>
-        </p:nvSpPr>
-        <p:spPr/>
-        <p:txBody>
-          <a:bodyPr/>
-          <a:lstStyle/>
-          <a:p>
-            <a:r>
-              <a:rPr lang="en-US" sz="2400" dirty="0"/>
-              <a:t>INTRODUCTION</a:t>
-            </a:r>
-          </a:p>
-        </p:txBody>
-      </p:sp>
-      <p:sp>
-        <p:nvSpPr>
-          <p:cNvPr id="3" name="Content Placeholder 2"/>
-          <p:cNvSpPr>
-            <a:spLocks noGrp="1"/>
-          </p:cNvSpPr>
-          <p:nvPr>
-            <p:ph idx="1"/>
-          </p:nvPr>
-        </p:nvSpPr>
-        <p:spPr>
-          <a:xfrm>
-            <a:off x="677334" y="1555679"/>
-            <a:ext cx="8596668" cy="3880773"/>
-          </a:xfrm>
-        </p:spPr>
-        <p:txBody>
-          <a:bodyPr/>
-          <a:lstStyle/>
-          <a:p>
-            <a:r>
-              <a:rPr lang="en-US" b="1" u="sng" dirty="0"/>
-              <a:t>NCORP</a:t>
-            </a:r>
-          </a:p>
-          <a:p>
-            <a:r>
-              <a:rPr lang="en-US" dirty="0"/>
-              <a:t>A SECURED VIRTUAL NETWORK – HUMAN RESOURCE MANAGEMENT SYSTEM</a:t>
-            </a:r>
-          </a:p>
-          <a:p>
-            <a:r>
-              <a:rPr lang="en-US" dirty="0"/>
-              <a:t>AIMED TO MAINTAIN THE COMPANY, SCHOOL, EMPLOYEE AND STUDENT PERSONAL PROFILES TO MAINTAIN THE INTEGRITY OF HUMAN RESOURCES</a:t>
-            </a:r>
-          </a:p>
-          <a:p>
-            <a:endParaRPr lang="en-US" dirty="0"/>
-          </a:p>
-          <a:p>
-            <a:endParaRPr lang="en-US" dirty="0"/>
-          </a:p>
-          <a:p>
-            <a:endParaRPr lang="en-US" dirty="0"/>
-          </a:p>
-          <a:p>
-            <a:endParaRPr lang="en-US" dirty="0"/>
-          </a:p>
-          <a:p>
-            <a:endParaRPr lang="en-US" dirty="0"/>
-          </a:p>
-        </p:txBody>
-      </p:sp>
-    </p:spTree>
-    <p:extLst>
-      <p:ext uri="{BB962C8B-B14F-4D97-AF65-F5344CB8AC3E}">
-        <p14:creationId xmlns:p14="http://schemas.microsoft.com/office/powerpoint/2010/main" val="1126236792"/>
-      </p:ext>
-    </p:extLst>
-  </p:cSld>
-  <p:clrMapOvr>
-    <a:masterClrMapping/>
-  </p:clrMapOvr>
-</p:sld>
-</file>
-
-<file path=ppt/slides/slide4.xml><?xml version="1.0" encoding="utf-8"?>
-<p:sld xmlns:a="http://schemas.openxmlformats.org/drawingml/2006/main" xmlns:r="http://schemas.openxmlformats.org/officeDocument/2006/relationships" xmlns:p="http://schemas.openxmlformats.org/presentationml/2006/main">
-  <p:cSld>
-    <p:spTree>
-      <p:nvGrpSpPr>
-        <p:cNvPr id="1" name=""/>
-        <p:cNvGrpSpPr/>
-        <p:nvPr/>
-      </p:nvGrpSpPr>
-      <p:grpSpPr>
-        <a:xfrm>
-          <a:off x="0" y="0"/>
-          <a:ext cx="0" cy="0"/>
-          <a:chOff x="0" y="0"/>
-          <a:chExt cx="0" cy="0"/>
-        </a:xfrm>
-      </p:grpSpPr>
-      <p:sp>
-        <p:nvSpPr>
-          <p:cNvPr id="2" name="Title 1"/>
-          <p:cNvSpPr>
-            <a:spLocks noGrp="1"/>
-          </p:cNvSpPr>
-          <p:nvPr>
-            <p:ph type="title"/>
-          </p:nvPr>
-        </p:nvSpPr>
-        <p:spPr>
-          <a:xfrm>
-            <a:off x="677334" y="609600"/>
-            <a:ext cx="8596668" cy="651164"/>
-          </a:xfrm>
-        </p:spPr>
-        <p:txBody>
-          <a:bodyPr>
-            <a:normAutofit/>
-          </a:bodyPr>
-          <a:lstStyle/>
-          <a:p>
-            <a:r>
-              <a:rPr lang="en-US" sz="2400" dirty="0"/>
-              <a:t>PROBLEM STATEMENT</a:t>
-            </a:r>
-          </a:p>
-        </p:txBody>
-      </p:sp>
-      <p:sp>
-        <p:nvSpPr>
-          <p:cNvPr id="3" name="Content Placeholder 2"/>
-          <p:cNvSpPr>
-            <a:spLocks noGrp="1"/>
-          </p:cNvSpPr>
-          <p:nvPr>
-            <p:ph idx="1"/>
-          </p:nvPr>
-        </p:nvSpPr>
-        <p:spPr>
-          <a:xfrm>
-            <a:off x="677334" y="1426298"/>
-            <a:ext cx="8596668" cy="3880773"/>
-          </a:xfrm>
-        </p:spPr>
-        <p:txBody>
-          <a:bodyPr/>
-          <a:lstStyle/>
-          <a:p>
-            <a:r>
-              <a:rPr lang="en-US" dirty="0"/>
-              <a:t>DATA  &amp; IT ASSETS ARE AT RISK ( GOAL OF SECURITY IS TO ENSURE CIA )</a:t>
-            </a:r>
-          </a:p>
-          <a:p>
-            <a:r>
-              <a:rPr lang="en-US" dirty="0"/>
-              <a:t>PAPER WORK AT THE SCHOOLS &amp; SMBs LEADS TO:</a:t>
-            </a:r>
-          </a:p>
-          <a:p>
-            <a:r>
-              <a:rPr lang="en-US" dirty="0"/>
-              <a:t> RISK OF LOSING (CIA) SECURITY PARAMETERS </a:t>
-            </a:r>
-          </a:p>
-          <a:p>
-            <a:r>
-              <a:rPr lang="en-US" dirty="0"/>
-              <a:t>More Paper usage</a:t>
-            </a:r>
-          </a:p>
-          <a:p>
-            <a:r>
-              <a:rPr lang="en-US" dirty="0"/>
-              <a:t>Less Physical Security</a:t>
-            </a:r>
-          </a:p>
-          <a:p>
-            <a:r>
-              <a:rPr lang="en-US" dirty="0"/>
-              <a:t>Time Delay</a:t>
-            </a:r>
-          </a:p>
-          <a:p>
-            <a:r>
-              <a:rPr lang="en-US" dirty="0"/>
-              <a:t>More physical work</a:t>
-            </a:r>
-          </a:p>
-          <a:p>
-            <a:r>
-              <a:rPr lang="en-US" dirty="0"/>
-              <a:t>Time, Money and Resources</a:t>
-            </a:r>
-          </a:p>
-          <a:p>
-            <a:pPr marL="0" indent="0">
-              <a:buNone/>
-            </a:pPr>
-            <a:r>
-              <a:rPr lang="en-US" dirty="0"/>
-              <a:t> </a:t>
-            </a:r>
-          </a:p>
-        </p:txBody>
-      </p:sp>
-    </p:spTree>
-    <p:extLst>
-      <p:ext uri="{BB962C8B-B14F-4D97-AF65-F5344CB8AC3E}">
-        <p14:creationId xmlns:p14="http://schemas.microsoft.com/office/powerpoint/2010/main" val="1751299402"/>
-      </p:ext>
-    </p:extLst>
-  </p:cSld>
-  <p:clrMapOvr>
-    <a:masterClrMapping/>
-  </p:clrMapOvr>
-</p:sld>
-</file>
-
-<file path=ppt/slides/slide5.xml><?xml version="1.0" encoding="utf-8"?>
-<p:sld xmlns:a="http://schemas.openxmlformats.org/drawingml/2006/main" xmlns:r="http://schemas.openxmlformats.org/officeDocument/2006/relationships" xmlns:p="http://schemas.openxmlformats.org/presentationml/2006/main">
-  <p:cSld>
-    <p:spTree>
-      <p:nvGrpSpPr>
-        <p:cNvPr id="1" name=""/>
-        <p:cNvGrpSpPr/>
-        <p:nvPr/>
-      </p:nvGrpSpPr>
-      <p:grpSpPr>
-        <a:xfrm>
-          <a:off x="0" y="0"/>
-          <a:ext cx="0" cy="0"/>
-          <a:chOff x="0" y="0"/>
-          <a:chExt cx="0" cy="0"/>
-        </a:xfrm>
-      </p:grpSpPr>
-      <p:sp>
-        <p:nvSpPr>
-          <p:cNvPr id="2" name="Title 1"/>
-          <p:cNvSpPr>
-            <a:spLocks noGrp="1"/>
-          </p:cNvSpPr>
-          <p:nvPr>
-            <p:ph type="title"/>
-          </p:nvPr>
-        </p:nvSpPr>
-        <p:spPr/>
-        <p:txBody>
           <a:bodyPr/>
           <a:lstStyle/>
           <a:p>
@@ -8354,7 +6751,7 @@
 </p:sld>
 </file>
 
-<file path=ppt/slides/slide6.xml><?xml version="1.0" encoding="utf-8"?>
+<file path=ppt/slides/slide12.xml><?xml version="1.0" encoding="utf-8"?>
 <p:sld xmlns:a="http://schemas.openxmlformats.org/drawingml/2006/main" xmlns:r="http://schemas.openxmlformats.org/officeDocument/2006/relationships" xmlns:p="http://schemas.openxmlformats.org/presentationml/2006/main">
   <p:cSld>
     <p:spTree>
@@ -8408,7 +6805,7 @@
 </p:sld>
 </file>
 
-<file path=ppt/slides/slide7.xml><?xml version="1.0" encoding="utf-8"?>
+<file path=ppt/slides/slide13.xml><?xml version="1.0" encoding="utf-8"?>
 <p:sld xmlns:a="http://schemas.openxmlformats.org/drawingml/2006/main" xmlns:r="http://schemas.openxmlformats.org/officeDocument/2006/relationships" xmlns:p="http://schemas.openxmlformats.org/presentationml/2006/main">
   <p:cSld>
     <p:spTree>
@@ -9114,7 +7511,7 @@
 </p:sld>
 </file>
 
-<file path=ppt/slides/slide8.xml><?xml version="1.0" encoding="utf-8"?>
+<file path=ppt/slides/slide14.xml><?xml version="1.0" encoding="utf-8"?>
 <p:sld xmlns:a="http://schemas.openxmlformats.org/drawingml/2006/main" xmlns:r="http://schemas.openxmlformats.org/officeDocument/2006/relationships" xmlns:p="http://schemas.openxmlformats.org/presentationml/2006/main">
   <p:cSld>
     <p:spTree>
@@ -9184,7 +7581,7 @@
 </p:sld>
 </file>
 
-<file path=ppt/slides/slide9.xml><?xml version="1.0" encoding="utf-8"?>
+<file path=ppt/slides/slide15.xml><?xml version="1.0" encoding="utf-8"?>
 <p:sld xmlns:a="http://schemas.openxmlformats.org/drawingml/2006/main" xmlns:r="http://schemas.openxmlformats.org/officeDocument/2006/relationships" xmlns:p="http://schemas.openxmlformats.org/presentationml/2006/main">
   <p:cSld>
     <p:spTree>
@@ -9251,6 +7648,2530 @@
     <p:extLst>
       <p:ext uri="{BB962C8B-B14F-4D97-AF65-F5344CB8AC3E}">
         <p14:creationId xmlns:p14="http://schemas.microsoft.com/office/powerpoint/2010/main" val="194052006"/>
+      </p:ext>
+    </p:extLst>
+  </p:cSld>
+  <p:clrMapOvr>
+    <a:masterClrMapping/>
+  </p:clrMapOvr>
+</p:sld>
+</file>
+
+<file path=ppt/slides/slide16.xml><?xml version="1.0" encoding="utf-8"?>
+<p:sld xmlns:a="http://schemas.openxmlformats.org/drawingml/2006/main" xmlns:r="http://schemas.openxmlformats.org/officeDocument/2006/relationships" xmlns:p="http://schemas.openxmlformats.org/presentationml/2006/main">
+  <p:cSld>
+    <p:spTree>
+      <p:nvGrpSpPr>
+        <p:cNvPr id="1" name=""/>
+        <p:cNvGrpSpPr/>
+        <p:nvPr/>
+      </p:nvGrpSpPr>
+      <p:grpSpPr>
+        <a:xfrm>
+          <a:off x="0" y="0"/>
+          <a:ext cx="0" cy="0"/>
+          <a:chOff x="0" y="0"/>
+          <a:chExt cx="0" cy="0"/>
+        </a:xfrm>
+      </p:grpSpPr>
+      <p:sp>
+        <p:nvSpPr>
+          <p:cNvPr id="2" name="Title 1"/>
+          <p:cNvSpPr>
+            <a:spLocks noGrp="1"/>
+          </p:cNvSpPr>
+          <p:nvPr>
+            <p:ph type="title"/>
+          </p:nvPr>
+        </p:nvSpPr>
+        <p:spPr/>
+        <p:txBody>
+          <a:bodyPr>
+            <a:normAutofit/>
+          </a:bodyPr>
+          <a:lstStyle/>
+          <a:p>
+            <a:r>
+              <a:rPr lang="en-US" sz="2400" dirty="0"/>
+              <a:t>SECURITY ISSUES</a:t>
+            </a:r>
+          </a:p>
+        </p:txBody>
+      </p:sp>
+      <p:sp>
+        <p:nvSpPr>
+          <p:cNvPr id="3" name="Content Placeholder 2"/>
+          <p:cNvSpPr>
+            <a:spLocks noGrp="1"/>
+          </p:cNvSpPr>
+          <p:nvPr>
+            <p:ph idx="1"/>
+          </p:nvPr>
+        </p:nvSpPr>
+        <p:spPr>
+          <a:xfrm>
+            <a:off x="677334" y="2243717"/>
+            <a:ext cx="8596668" cy="3880773"/>
+          </a:xfrm>
+        </p:spPr>
+        <p:txBody>
+          <a:bodyPr/>
+          <a:lstStyle/>
+          <a:p>
+            <a:r>
+              <a:rPr lang="en-US" dirty="0"/>
+              <a:t>RECONNAISSANCE, System Enumeration, web server enumeration, web application enumeration, Active discovery, DOS, Brute Force Attack,, OPENVAS SCANNING REPORTS</a:t>
+            </a:r>
+          </a:p>
+          <a:p>
+            <a:endParaRPr lang="en-US" dirty="0"/>
+          </a:p>
+        </p:txBody>
+      </p:sp>
+    </p:spTree>
+    <p:extLst>
+      <p:ext uri="{BB962C8B-B14F-4D97-AF65-F5344CB8AC3E}">
+        <p14:creationId xmlns:p14="http://schemas.microsoft.com/office/powerpoint/2010/main" val="2140141479"/>
+      </p:ext>
+    </p:extLst>
+  </p:cSld>
+  <p:clrMapOvr>
+    <a:masterClrMapping/>
+  </p:clrMapOvr>
+</p:sld>
+</file>
+
+<file path=ppt/slides/slide17.xml><?xml version="1.0" encoding="utf-8"?>
+<p:sld xmlns:a="http://schemas.openxmlformats.org/drawingml/2006/main" xmlns:r="http://schemas.openxmlformats.org/officeDocument/2006/relationships" xmlns:p="http://schemas.openxmlformats.org/presentationml/2006/main">
+  <p:cSld>
+    <p:spTree>
+      <p:nvGrpSpPr>
+        <p:cNvPr id="1" name=""/>
+        <p:cNvGrpSpPr/>
+        <p:nvPr/>
+      </p:nvGrpSpPr>
+      <p:grpSpPr>
+        <a:xfrm>
+          <a:off x="0" y="0"/>
+          <a:ext cx="0" cy="0"/>
+          <a:chOff x="0" y="0"/>
+          <a:chExt cx="0" cy="0"/>
+        </a:xfrm>
+      </p:grpSpPr>
+      <p:sp>
+        <p:nvSpPr>
+          <p:cNvPr id="2" name="Title 1"/>
+          <p:cNvSpPr>
+            <a:spLocks noGrp="1"/>
+          </p:cNvSpPr>
+          <p:nvPr>
+            <p:ph type="title"/>
+          </p:nvPr>
+        </p:nvSpPr>
+        <p:spPr/>
+        <p:txBody>
+          <a:bodyPr>
+            <a:normAutofit/>
+          </a:bodyPr>
+          <a:lstStyle/>
+          <a:p>
+            <a:r>
+              <a:rPr lang="en-US" sz="2400" dirty="0"/>
+              <a:t>SECURITY ISSUES</a:t>
+            </a:r>
+          </a:p>
+        </p:txBody>
+      </p:sp>
+      <p:sp>
+        <p:nvSpPr>
+          <p:cNvPr id="3" name="Content Placeholder 2"/>
+          <p:cNvSpPr>
+            <a:spLocks noGrp="1"/>
+          </p:cNvSpPr>
+          <p:nvPr>
+            <p:ph idx="1"/>
+          </p:nvPr>
+        </p:nvSpPr>
+        <p:spPr/>
+        <p:txBody>
+          <a:bodyPr/>
+          <a:lstStyle/>
+          <a:p>
+            <a:r>
+              <a:rPr lang="en-US" dirty="0"/>
+              <a:t>Reconnaissance, Active discovery, PING OF DEATH, fingerprinting ( WITH NETCAT SESSION )</a:t>
+            </a:r>
+          </a:p>
+          <a:p>
+            <a:endParaRPr lang="en-US" dirty="0"/>
+          </a:p>
+          <a:p>
+            <a:endParaRPr lang="en-US" dirty="0"/>
+          </a:p>
+          <a:p>
+            <a:endParaRPr lang="en-US" dirty="0"/>
+          </a:p>
+        </p:txBody>
+      </p:sp>
+    </p:spTree>
+    <p:extLst>
+      <p:ext uri="{BB962C8B-B14F-4D97-AF65-F5344CB8AC3E}">
+        <p14:creationId xmlns:p14="http://schemas.microsoft.com/office/powerpoint/2010/main" val="1675636864"/>
+      </p:ext>
+    </p:extLst>
+  </p:cSld>
+  <p:clrMapOvr>
+    <a:masterClrMapping/>
+  </p:clrMapOvr>
+</p:sld>
+</file>
+
+<file path=ppt/slides/slide18.xml><?xml version="1.0" encoding="utf-8"?>
+<p:sld xmlns:a="http://schemas.openxmlformats.org/drawingml/2006/main" xmlns:r="http://schemas.openxmlformats.org/officeDocument/2006/relationships" xmlns:p="http://schemas.openxmlformats.org/presentationml/2006/main">
+  <p:cSld>
+    <p:spTree>
+      <p:nvGrpSpPr>
+        <p:cNvPr id="1" name=""/>
+        <p:cNvGrpSpPr/>
+        <p:nvPr/>
+      </p:nvGrpSpPr>
+      <p:grpSpPr>
+        <a:xfrm>
+          <a:off x="0" y="0"/>
+          <a:ext cx="0" cy="0"/>
+          <a:chOff x="0" y="0"/>
+          <a:chExt cx="0" cy="0"/>
+        </a:xfrm>
+      </p:grpSpPr>
+      <p:pic>
+        <p:nvPicPr>
+          <p:cNvPr id="4" name="Content Placeholder 3"/>
+          <p:cNvPicPr>
+            <a:picLocks noGrp="1"/>
+          </p:cNvPicPr>
+          <p:nvPr>
+            <p:ph idx="1"/>
+          </p:nvPr>
+        </p:nvPicPr>
+        <p:blipFill>
+          <a:blip r:embed="rId2"/>
+          <a:stretch>
+            <a:fillRect/>
+          </a:stretch>
+        </p:blipFill>
+        <p:spPr>
+          <a:xfrm>
+            <a:off x="13848" y="1316182"/>
+            <a:ext cx="8742218" cy="5541818"/>
+          </a:xfrm>
+          <a:prstGeom prst="rect">
+            <a:avLst/>
+          </a:prstGeom>
+        </p:spPr>
+      </p:pic>
+      <p:sp>
+        <p:nvSpPr>
+          <p:cNvPr id="5" name="TextBox 4"/>
+          <p:cNvSpPr txBox="1"/>
+          <p:nvPr/>
+        </p:nvSpPr>
+        <p:spPr>
+          <a:xfrm>
+            <a:off x="443345" y="554182"/>
+            <a:ext cx="6941128" cy="646331"/>
+          </a:xfrm>
+          <a:prstGeom prst="rect">
+            <a:avLst/>
+          </a:prstGeom>
+          <a:noFill/>
+        </p:spPr>
+        <p:txBody>
+          <a:bodyPr wrap="square" rtlCol="0">
+            <a:spAutoFit/>
+          </a:bodyPr>
+          <a:lstStyle/>
+          <a:p>
+            <a:r>
+              <a:rPr lang="en-US" dirty="0">
+                <a:solidFill>
+                  <a:schemeClr val="accent1"/>
+                </a:solidFill>
+              </a:rPr>
+              <a:t>SECURITY MEASURES:</a:t>
+            </a:r>
+          </a:p>
+          <a:p>
+            <a:r>
+              <a:rPr lang="en-US" dirty="0">
+                <a:solidFill>
+                  <a:schemeClr val="accent1"/>
+                </a:solidFill>
+              </a:rPr>
+              <a:t>1) RECONNAISSANCE, ACTIVE DISOVERY, PING OF DEATH</a:t>
+            </a:r>
+          </a:p>
+        </p:txBody>
+      </p:sp>
+    </p:spTree>
+    <p:extLst>
+      <p:ext uri="{BB962C8B-B14F-4D97-AF65-F5344CB8AC3E}">
+        <p14:creationId xmlns:p14="http://schemas.microsoft.com/office/powerpoint/2010/main" val="4097407501"/>
+      </p:ext>
+    </p:extLst>
+  </p:cSld>
+  <p:clrMapOvr>
+    <a:masterClrMapping/>
+  </p:clrMapOvr>
+</p:sld>
+</file>
+
+<file path=ppt/slides/slide19.xml><?xml version="1.0" encoding="utf-8"?>
+<p:sld xmlns:a="http://schemas.openxmlformats.org/drawingml/2006/main" xmlns:r="http://schemas.openxmlformats.org/officeDocument/2006/relationships" xmlns:p="http://schemas.openxmlformats.org/presentationml/2006/main">
+  <p:cSld>
+    <p:spTree>
+      <p:nvGrpSpPr>
+        <p:cNvPr id="1" name=""/>
+        <p:cNvGrpSpPr/>
+        <p:nvPr/>
+      </p:nvGrpSpPr>
+      <p:grpSpPr>
+        <a:xfrm>
+          <a:off x="0" y="0"/>
+          <a:ext cx="0" cy="0"/>
+          <a:chOff x="0" y="0"/>
+          <a:chExt cx="0" cy="0"/>
+        </a:xfrm>
+      </p:grpSpPr>
+      <p:sp>
+        <p:nvSpPr>
+          <p:cNvPr id="2" name="Title 1"/>
+          <p:cNvSpPr>
+            <a:spLocks noGrp="1"/>
+          </p:cNvSpPr>
+          <p:nvPr>
+            <p:ph type="title"/>
+          </p:nvPr>
+        </p:nvSpPr>
+        <p:spPr>
+          <a:xfrm>
+            <a:off x="512618" y="304800"/>
+            <a:ext cx="8761384" cy="1625600"/>
+          </a:xfrm>
+        </p:spPr>
+        <p:txBody>
+          <a:bodyPr/>
+          <a:lstStyle/>
+          <a:p>
+            <a:r>
+              <a:rPr lang="en-US" dirty="0"/>
+              <a:t>FINGER PRINTING WEB SERVERS FROM KALI</a:t>
+            </a:r>
+          </a:p>
+        </p:txBody>
+      </p:sp>
+      <p:pic>
+        <p:nvPicPr>
+          <p:cNvPr id="4" name="Content Placeholder 3"/>
+          <p:cNvPicPr>
+            <a:picLocks noGrp="1"/>
+          </p:cNvPicPr>
+          <p:nvPr>
+            <p:ph idx="1"/>
+          </p:nvPr>
+        </p:nvPicPr>
+        <p:blipFill>
+          <a:blip r:embed="rId2"/>
+          <a:stretch>
+            <a:fillRect/>
+          </a:stretch>
+        </p:blipFill>
+        <p:spPr>
+          <a:xfrm>
+            <a:off x="1451769" y="2439194"/>
+            <a:ext cx="7048500" cy="3324225"/>
+          </a:xfrm>
+          <a:prstGeom prst="rect">
+            <a:avLst/>
+          </a:prstGeom>
+        </p:spPr>
+      </p:pic>
+    </p:spTree>
+    <p:extLst>
+      <p:ext uri="{BB962C8B-B14F-4D97-AF65-F5344CB8AC3E}">
+        <p14:creationId xmlns:p14="http://schemas.microsoft.com/office/powerpoint/2010/main" val="1656088766"/>
+      </p:ext>
+    </p:extLst>
+  </p:cSld>
+  <p:clrMapOvr>
+    <a:masterClrMapping/>
+  </p:clrMapOvr>
+</p:sld>
+</file>
+
+<file path=ppt/slides/slide2.xml><?xml version="1.0" encoding="utf-8"?>
+<p:sld xmlns:a="http://schemas.openxmlformats.org/drawingml/2006/main" xmlns:r="http://schemas.openxmlformats.org/officeDocument/2006/relationships" xmlns:p="http://schemas.openxmlformats.org/presentationml/2006/main">
+  <p:cSld>
+    <p:spTree>
+      <p:nvGrpSpPr>
+        <p:cNvPr id="1" name=""/>
+        <p:cNvGrpSpPr/>
+        <p:nvPr/>
+      </p:nvGrpSpPr>
+      <p:grpSpPr>
+        <a:xfrm>
+          <a:off x="0" y="0"/>
+          <a:ext cx="0" cy="0"/>
+          <a:chOff x="0" y="0"/>
+          <a:chExt cx="0" cy="0"/>
+        </a:xfrm>
+      </p:grpSpPr>
+      <p:sp>
+        <p:nvSpPr>
+          <p:cNvPr id="2" name="Title 1"/>
+          <p:cNvSpPr>
+            <a:spLocks noGrp="1"/>
+          </p:cNvSpPr>
+          <p:nvPr>
+            <p:ph type="title"/>
+          </p:nvPr>
+        </p:nvSpPr>
+        <p:spPr>
+          <a:xfrm>
+            <a:off x="326164" y="196947"/>
+            <a:ext cx="9603275" cy="1049235"/>
+          </a:xfrm>
+        </p:spPr>
+        <p:txBody>
+          <a:bodyPr>
+            <a:normAutofit/>
+          </a:bodyPr>
+          <a:lstStyle/>
+          <a:p>
+            <a:r>
+              <a:rPr lang="en-US" sz="2400" dirty="0"/>
+              <a:t>CONTENTS</a:t>
+            </a:r>
+          </a:p>
+        </p:txBody>
+      </p:sp>
+      <p:sp>
+        <p:nvSpPr>
+          <p:cNvPr id="3" name="Content Placeholder 2"/>
+          <p:cNvSpPr>
+            <a:spLocks noGrp="1"/>
+          </p:cNvSpPr>
+          <p:nvPr>
+            <p:ph idx="1"/>
+          </p:nvPr>
+        </p:nvSpPr>
+        <p:spPr>
+          <a:xfrm>
+            <a:off x="326164" y="904382"/>
+            <a:ext cx="9830711" cy="5327605"/>
+          </a:xfrm>
+        </p:spPr>
+        <p:txBody>
+          <a:bodyPr>
+            <a:normAutofit fontScale="92500" lnSpcReduction="10000"/>
+          </a:bodyPr>
+          <a:lstStyle/>
+          <a:p>
+            <a:pPr marL="0" indent="0">
+              <a:buNone/>
+            </a:pPr>
+            <a:endParaRPr lang="en-US" dirty="0"/>
+          </a:p>
+          <a:p>
+            <a:pPr>
+              <a:buFont typeface="Wingdings" panose="05000000000000000000" pitchFamily="2" charset="2"/>
+              <a:buChar char="§"/>
+            </a:pPr>
+            <a:r>
+              <a:rPr lang="en-US" dirty="0"/>
+              <a:t>INTRODUCTION</a:t>
+            </a:r>
+          </a:p>
+          <a:p>
+            <a:pPr>
+              <a:buFont typeface="Wingdings" panose="05000000000000000000" pitchFamily="2" charset="2"/>
+              <a:buChar char="§"/>
+            </a:pPr>
+            <a:r>
+              <a:rPr lang="en-US" dirty="0"/>
+              <a:t>PROBLEM STATEMENT </a:t>
+            </a:r>
+          </a:p>
+          <a:p>
+            <a:pPr>
+              <a:buFont typeface="Wingdings" panose="05000000000000000000" pitchFamily="2" charset="2"/>
+              <a:buChar char="§"/>
+            </a:pPr>
+            <a:r>
+              <a:rPr lang="en-US" dirty="0"/>
+              <a:t>DESIGN PLAN</a:t>
+            </a:r>
+          </a:p>
+          <a:p>
+            <a:pPr>
+              <a:buFont typeface="Wingdings" panose="05000000000000000000" pitchFamily="2" charset="2"/>
+              <a:buChar char="§"/>
+            </a:pPr>
+            <a:r>
+              <a:rPr lang="en-US" dirty="0"/>
+              <a:t>PICTORIAL APPROACH</a:t>
+            </a:r>
+          </a:p>
+          <a:p>
+            <a:pPr>
+              <a:buFont typeface="Wingdings" panose="05000000000000000000" pitchFamily="2" charset="2"/>
+              <a:buChar char="§"/>
+            </a:pPr>
+            <a:r>
+              <a:rPr lang="en-US" dirty="0"/>
+              <a:t>ISSUES TO BE ADDRESSED</a:t>
+            </a:r>
+          </a:p>
+          <a:p>
+            <a:pPr>
+              <a:buFont typeface="Wingdings" panose="05000000000000000000" pitchFamily="2" charset="2"/>
+              <a:buChar char="§"/>
+            </a:pPr>
+            <a:r>
+              <a:rPr lang="en-US" dirty="0"/>
+              <a:t>SOLUTION </a:t>
+            </a:r>
+          </a:p>
+          <a:p>
+            <a:pPr>
+              <a:buFont typeface="Wingdings" panose="05000000000000000000" pitchFamily="2" charset="2"/>
+              <a:buChar char="§"/>
+            </a:pPr>
+            <a:r>
+              <a:rPr lang="en-US" dirty="0"/>
+              <a:t>BUSINESS RULES</a:t>
+            </a:r>
+          </a:p>
+          <a:p>
+            <a:pPr>
+              <a:buFont typeface="Wingdings" panose="05000000000000000000" pitchFamily="2" charset="2"/>
+              <a:buChar char="§"/>
+            </a:pPr>
+            <a:r>
+              <a:rPr lang="en-US" dirty="0"/>
+              <a:t>WEB APPLICATION FUNCTIONAL DECOMPOSITION, USECASE DIAGRAMS</a:t>
+            </a:r>
+          </a:p>
+          <a:p>
+            <a:pPr>
+              <a:buFont typeface="Wingdings" panose="05000000000000000000" pitchFamily="2" charset="2"/>
+              <a:buChar char="§"/>
+            </a:pPr>
+            <a:r>
+              <a:rPr lang="en-US" dirty="0"/>
+              <a:t>ERD</a:t>
+            </a:r>
+          </a:p>
+          <a:p>
+            <a:pPr>
+              <a:buFont typeface="Wingdings" panose="05000000000000000000" pitchFamily="2" charset="2"/>
+              <a:buChar char="§"/>
+            </a:pPr>
+            <a:r>
+              <a:rPr lang="en-US" dirty="0"/>
+              <a:t>WEBSITE</a:t>
+            </a:r>
+          </a:p>
+          <a:p>
+            <a:pPr>
+              <a:buFont typeface="Wingdings" panose="05000000000000000000" pitchFamily="2" charset="2"/>
+              <a:buChar char="§"/>
+            </a:pPr>
+            <a:r>
+              <a:rPr lang="en-US" dirty="0"/>
+              <a:t>OWASP ESAPI TESTING </a:t>
+            </a:r>
+          </a:p>
+          <a:p>
+            <a:pPr>
+              <a:buFont typeface="Wingdings" panose="05000000000000000000" pitchFamily="2" charset="2"/>
+              <a:buChar char="§"/>
+            </a:pPr>
+            <a:r>
+              <a:rPr lang="en-US" dirty="0"/>
+              <a:t>FUTURE ENHANCEMENTS </a:t>
+            </a:r>
+          </a:p>
+          <a:p>
+            <a:pPr>
+              <a:buFont typeface="Wingdings" panose="05000000000000000000" pitchFamily="2" charset="2"/>
+              <a:buChar char="§"/>
+            </a:pPr>
+            <a:r>
+              <a:rPr lang="en-US" dirty="0"/>
+              <a:t>CONCLUSION</a:t>
+            </a:r>
+          </a:p>
+          <a:p>
+            <a:pPr>
+              <a:buFont typeface="Wingdings" panose="05000000000000000000" pitchFamily="2" charset="2"/>
+              <a:buChar char="§"/>
+            </a:pPr>
+            <a:endParaRPr lang="en-US" dirty="0"/>
+          </a:p>
+          <a:p>
+            <a:pPr>
+              <a:buFont typeface="Wingdings" panose="05000000000000000000" pitchFamily="2" charset="2"/>
+              <a:buChar char="§"/>
+            </a:pPr>
+            <a:endParaRPr lang="en-US" dirty="0"/>
+          </a:p>
+          <a:p>
+            <a:pPr>
+              <a:buFont typeface="Wingdings" panose="05000000000000000000" pitchFamily="2" charset="2"/>
+              <a:buChar char="§"/>
+            </a:pPr>
+            <a:endParaRPr lang="en-US" dirty="0"/>
+          </a:p>
+          <a:p>
+            <a:pPr>
+              <a:buFont typeface="Wingdings" panose="05000000000000000000" pitchFamily="2" charset="2"/>
+              <a:buChar char="§"/>
+            </a:pPr>
+            <a:endParaRPr lang="en-US" dirty="0"/>
+          </a:p>
+          <a:p>
+            <a:pPr>
+              <a:buFont typeface="Wingdings" panose="05000000000000000000" pitchFamily="2" charset="2"/>
+              <a:buChar char="§"/>
+            </a:pPr>
+            <a:endParaRPr lang="en-US" dirty="0"/>
+          </a:p>
+          <a:p>
+            <a:pPr>
+              <a:buFont typeface="Wingdings" panose="05000000000000000000" pitchFamily="2" charset="2"/>
+              <a:buChar char="§"/>
+            </a:pPr>
+            <a:endParaRPr lang="en-US" dirty="0"/>
+          </a:p>
+        </p:txBody>
+      </p:sp>
+    </p:spTree>
+    <p:extLst>
+      <p:ext uri="{BB962C8B-B14F-4D97-AF65-F5344CB8AC3E}">
+        <p14:creationId xmlns:p14="http://schemas.microsoft.com/office/powerpoint/2010/main" val="4269791678"/>
+      </p:ext>
+    </p:extLst>
+  </p:cSld>
+  <p:clrMapOvr>
+    <a:masterClrMapping/>
+  </p:clrMapOvr>
+</p:sld>
+</file>
+
+<file path=ppt/slides/slide20.xml><?xml version="1.0" encoding="utf-8"?>
+<p:sld xmlns:a="http://schemas.openxmlformats.org/drawingml/2006/main" xmlns:r="http://schemas.openxmlformats.org/officeDocument/2006/relationships" xmlns:p="http://schemas.openxmlformats.org/presentationml/2006/main">
+  <p:cSld>
+    <p:spTree>
+      <p:nvGrpSpPr>
+        <p:cNvPr id="1" name=""/>
+        <p:cNvGrpSpPr/>
+        <p:nvPr/>
+      </p:nvGrpSpPr>
+      <p:grpSpPr>
+        <a:xfrm>
+          <a:off x="0" y="0"/>
+          <a:ext cx="0" cy="0"/>
+          <a:chOff x="0" y="0"/>
+          <a:chExt cx="0" cy="0"/>
+        </a:xfrm>
+      </p:grpSpPr>
+      <p:pic>
+        <p:nvPicPr>
+          <p:cNvPr id="4" name="Content Placeholder 3" descr="C:\Users\nori\Desktop\Project Screenshots\fingerprint webserver.JPG"/>
+          <p:cNvPicPr>
+            <a:picLocks noGrp="1"/>
+          </p:cNvPicPr>
+          <p:nvPr>
+            <p:ph idx="1"/>
+          </p:nvPr>
+        </p:nvPicPr>
+        <p:blipFill>
+          <a:blip r:embed="rId2">
+            <a:extLst>
+              <a:ext uri="{28A0092B-C50C-407E-A947-70E740481C1C}">
+                <a14:useLocalDpi xmlns:a14="http://schemas.microsoft.com/office/drawing/2010/main" val="0"/>
+              </a:ext>
+            </a:extLst>
+          </a:blip>
+          <a:srcRect/>
+          <a:stretch>
+            <a:fillRect/>
+          </a:stretch>
+        </p:blipFill>
+        <p:spPr bwMode="auto">
+          <a:xfrm>
+            <a:off x="1499394" y="2410619"/>
+            <a:ext cx="6953250" cy="3381375"/>
+          </a:xfrm>
+          <a:prstGeom prst="rect">
+            <a:avLst/>
+          </a:prstGeom>
+          <a:noFill/>
+          <a:ln>
+            <a:noFill/>
+          </a:ln>
+        </p:spPr>
+      </p:pic>
+    </p:spTree>
+    <p:extLst>
+      <p:ext uri="{BB962C8B-B14F-4D97-AF65-F5344CB8AC3E}">
+        <p14:creationId xmlns:p14="http://schemas.microsoft.com/office/powerpoint/2010/main" val="1802562182"/>
+      </p:ext>
+    </p:extLst>
+  </p:cSld>
+  <p:clrMapOvr>
+    <a:masterClrMapping/>
+  </p:clrMapOvr>
+</p:sld>
+</file>
+
+<file path=ppt/slides/slide21.xml><?xml version="1.0" encoding="utf-8"?>
+<p:sld xmlns:a="http://schemas.openxmlformats.org/drawingml/2006/main" xmlns:r="http://schemas.openxmlformats.org/officeDocument/2006/relationships" xmlns:p="http://schemas.openxmlformats.org/presentationml/2006/main">
+  <p:cSld>
+    <p:spTree>
+      <p:nvGrpSpPr>
+        <p:cNvPr id="1" name=""/>
+        <p:cNvGrpSpPr/>
+        <p:nvPr/>
+      </p:nvGrpSpPr>
+      <p:grpSpPr>
+        <a:xfrm>
+          <a:off x="0" y="0"/>
+          <a:ext cx="0" cy="0"/>
+          <a:chOff x="0" y="0"/>
+          <a:chExt cx="0" cy="0"/>
+        </a:xfrm>
+      </p:grpSpPr>
+      <p:pic>
+        <p:nvPicPr>
+          <p:cNvPr id="4" name="Picture 3"/>
+          <p:cNvPicPr>
+            <a:picLocks noChangeAspect="1"/>
+          </p:cNvPicPr>
+          <p:nvPr/>
+        </p:nvPicPr>
+        <p:blipFill>
+          <a:blip r:embed="rId2"/>
+          <a:stretch>
+            <a:fillRect/>
+          </a:stretch>
+        </p:blipFill>
+        <p:spPr>
+          <a:xfrm>
+            <a:off x="14068" y="899550"/>
+            <a:ext cx="10445925" cy="6044040"/>
+          </a:xfrm>
+          <a:prstGeom prst="rect">
+            <a:avLst/>
+          </a:prstGeom>
+        </p:spPr>
+      </p:pic>
+      <p:sp>
+        <p:nvSpPr>
+          <p:cNvPr id="5" name="TextBox 4"/>
+          <p:cNvSpPr txBox="1"/>
+          <p:nvPr/>
+        </p:nvSpPr>
+        <p:spPr>
+          <a:xfrm>
+            <a:off x="14068" y="253219"/>
+            <a:ext cx="6921304" cy="646331"/>
+          </a:xfrm>
+          <a:prstGeom prst="rect">
+            <a:avLst/>
+          </a:prstGeom>
+          <a:noFill/>
+        </p:spPr>
+        <p:txBody>
+          <a:bodyPr wrap="square" rtlCol="0">
+            <a:spAutoFit/>
+          </a:bodyPr>
+          <a:lstStyle/>
+          <a:p>
+            <a:r>
+              <a:rPr lang="en-US" b="1" dirty="0"/>
+              <a:t>SOLUTION : </a:t>
+            </a:r>
+          </a:p>
+          <a:p>
+            <a:r>
+              <a:rPr lang="en-US" b="1" dirty="0"/>
+              <a:t>MY ADMINISTRATIVE CONSOLE FOR CONTINOUS MONITORING</a:t>
+            </a:r>
+          </a:p>
+        </p:txBody>
+      </p:sp>
+    </p:spTree>
+    <p:extLst>
+      <p:ext uri="{BB962C8B-B14F-4D97-AF65-F5344CB8AC3E}">
+        <p14:creationId xmlns:p14="http://schemas.microsoft.com/office/powerpoint/2010/main" val="2922803201"/>
+      </p:ext>
+    </p:extLst>
+  </p:cSld>
+  <p:clrMapOvr>
+    <a:masterClrMapping/>
+  </p:clrMapOvr>
+</p:sld>
+</file>
+
+<file path=ppt/slides/slide22.xml><?xml version="1.0" encoding="utf-8"?>
+<p:sld xmlns:a="http://schemas.openxmlformats.org/drawingml/2006/main" xmlns:r="http://schemas.openxmlformats.org/officeDocument/2006/relationships" xmlns:p="http://schemas.openxmlformats.org/presentationml/2006/main">
+  <p:cSld>
+    <p:spTree>
+      <p:nvGrpSpPr>
+        <p:cNvPr id="1" name=""/>
+        <p:cNvGrpSpPr/>
+        <p:nvPr/>
+      </p:nvGrpSpPr>
+      <p:grpSpPr>
+        <a:xfrm>
+          <a:off x="0" y="0"/>
+          <a:ext cx="0" cy="0"/>
+          <a:chOff x="0" y="0"/>
+          <a:chExt cx="0" cy="0"/>
+        </a:xfrm>
+      </p:grpSpPr>
+      <p:sp>
+        <p:nvSpPr>
+          <p:cNvPr id="2" name="Title 1"/>
+          <p:cNvSpPr>
+            <a:spLocks noGrp="1"/>
+          </p:cNvSpPr>
+          <p:nvPr>
+            <p:ph type="title"/>
+          </p:nvPr>
+        </p:nvSpPr>
+        <p:spPr/>
+        <p:txBody>
+          <a:bodyPr/>
+          <a:lstStyle/>
+          <a:p>
+            <a:r>
+              <a:rPr lang="en-US" dirty="0"/>
+              <a:t>VM</a:t>
+            </a:r>
+          </a:p>
+        </p:txBody>
+      </p:sp>
+      <p:sp>
+        <p:nvSpPr>
+          <p:cNvPr id="3" name="Content Placeholder 2"/>
+          <p:cNvSpPr>
+            <a:spLocks noGrp="1"/>
+          </p:cNvSpPr>
+          <p:nvPr>
+            <p:ph idx="1"/>
+          </p:nvPr>
+        </p:nvSpPr>
+        <p:spPr/>
+        <p:txBody>
+          <a:bodyPr/>
+          <a:lstStyle/>
+          <a:p>
+            <a:r>
+              <a:rPr lang="en-US" dirty="0"/>
+              <a:t>DC01 for MANAGEMENT CONSOLE: Continuous monitoring</a:t>
+            </a:r>
+          </a:p>
+        </p:txBody>
+      </p:sp>
+    </p:spTree>
+    <p:extLst>
+      <p:ext uri="{BB962C8B-B14F-4D97-AF65-F5344CB8AC3E}">
+        <p14:creationId xmlns:p14="http://schemas.microsoft.com/office/powerpoint/2010/main" val="2353440846"/>
+      </p:ext>
+    </p:extLst>
+  </p:cSld>
+  <p:clrMapOvr>
+    <a:masterClrMapping/>
+  </p:clrMapOvr>
+</p:sld>
+</file>
+
+<file path=ppt/slides/slide23.xml><?xml version="1.0" encoding="utf-8"?>
+<p:sld xmlns:a="http://schemas.openxmlformats.org/drawingml/2006/main" xmlns:r="http://schemas.openxmlformats.org/officeDocument/2006/relationships" xmlns:p="http://schemas.openxmlformats.org/presentationml/2006/main">
+  <p:cSld>
+    <p:spTree>
+      <p:nvGrpSpPr>
+        <p:cNvPr id="1" name=""/>
+        <p:cNvGrpSpPr/>
+        <p:nvPr/>
+      </p:nvGrpSpPr>
+      <p:grpSpPr>
+        <a:xfrm>
+          <a:off x="0" y="0"/>
+          <a:ext cx="0" cy="0"/>
+          <a:chOff x="0" y="0"/>
+          <a:chExt cx="0" cy="0"/>
+        </a:xfrm>
+      </p:grpSpPr>
+      <p:pic>
+        <p:nvPicPr>
+          <p:cNvPr id="4" name="Picture 3"/>
+          <p:cNvPicPr>
+            <a:picLocks noChangeAspect="1"/>
+          </p:cNvPicPr>
+          <p:nvPr/>
+        </p:nvPicPr>
+        <p:blipFill>
+          <a:blip r:embed="rId2"/>
+          <a:stretch>
+            <a:fillRect/>
+          </a:stretch>
+        </p:blipFill>
+        <p:spPr>
+          <a:xfrm>
+            <a:off x="2096086" y="831252"/>
+            <a:ext cx="6426823" cy="5668021"/>
+          </a:xfrm>
+          <a:prstGeom prst="rect">
+            <a:avLst/>
+          </a:prstGeom>
+        </p:spPr>
+      </p:pic>
+      <p:sp>
+        <p:nvSpPr>
+          <p:cNvPr id="5" name="TextBox 4"/>
+          <p:cNvSpPr txBox="1"/>
+          <p:nvPr/>
+        </p:nvSpPr>
+        <p:spPr>
+          <a:xfrm>
+            <a:off x="281354" y="253219"/>
+            <a:ext cx="6231988" cy="461665"/>
+          </a:xfrm>
+          <a:prstGeom prst="rect">
+            <a:avLst/>
+          </a:prstGeom>
+          <a:noFill/>
+        </p:spPr>
+        <p:txBody>
+          <a:bodyPr wrap="square" rtlCol="0">
+            <a:spAutoFit/>
+          </a:bodyPr>
+          <a:lstStyle/>
+          <a:p>
+            <a:r>
+              <a:rPr lang="en-US" sz="2400" b="1" dirty="0">
+                <a:solidFill>
+                  <a:schemeClr val="accent1"/>
+                </a:solidFill>
+              </a:rPr>
+              <a:t>FUNCTIONAL DECOMPOSITION DIAGRAM </a:t>
+            </a:r>
+          </a:p>
+        </p:txBody>
+      </p:sp>
+    </p:spTree>
+    <p:extLst>
+      <p:ext uri="{BB962C8B-B14F-4D97-AF65-F5344CB8AC3E}">
+        <p14:creationId xmlns:p14="http://schemas.microsoft.com/office/powerpoint/2010/main" val="984164323"/>
+      </p:ext>
+    </p:extLst>
+  </p:cSld>
+  <p:clrMapOvr>
+    <a:masterClrMapping/>
+  </p:clrMapOvr>
+</p:sld>
+</file>
+
+<file path=ppt/slides/slide24.xml><?xml version="1.0" encoding="utf-8"?>
+<p:sld xmlns:a="http://schemas.openxmlformats.org/drawingml/2006/main" xmlns:r="http://schemas.openxmlformats.org/officeDocument/2006/relationships" xmlns:p="http://schemas.openxmlformats.org/presentationml/2006/main">
+  <p:cSld>
+    <p:spTree>
+      <p:nvGrpSpPr>
+        <p:cNvPr id="1" name=""/>
+        <p:cNvGrpSpPr/>
+        <p:nvPr/>
+      </p:nvGrpSpPr>
+      <p:grpSpPr>
+        <a:xfrm>
+          <a:off x="0" y="0"/>
+          <a:ext cx="0" cy="0"/>
+          <a:chOff x="0" y="0"/>
+          <a:chExt cx="0" cy="0"/>
+        </a:xfrm>
+      </p:grpSpPr>
+      <p:sp>
+        <p:nvSpPr>
+          <p:cNvPr id="2" name="Title 1"/>
+          <p:cNvSpPr>
+            <a:spLocks noGrp="1"/>
+          </p:cNvSpPr>
+          <p:nvPr>
+            <p:ph type="title"/>
+          </p:nvPr>
+        </p:nvSpPr>
+        <p:spPr/>
+        <p:txBody>
+          <a:bodyPr/>
+          <a:lstStyle/>
+          <a:p>
+            <a:r>
+              <a:rPr lang="en-US" dirty="0"/>
+              <a:t>WEBSITE</a:t>
+            </a:r>
+          </a:p>
+        </p:txBody>
+      </p:sp>
+      <p:sp>
+        <p:nvSpPr>
+          <p:cNvPr id="3" name="Content Placeholder 2"/>
+          <p:cNvSpPr>
+            <a:spLocks noGrp="1"/>
+          </p:cNvSpPr>
+          <p:nvPr>
+            <p:ph idx="1"/>
+          </p:nvPr>
+        </p:nvSpPr>
+        <p:spPr/>
+        <p:txBody>
+          <a:bodyPr/>
+          <a:lstStyle/>
+          <a:p>
+            <a:r>
+              <a:rPr lang="en-US" dirty="0"/>
+              <a:t>VM : SRV1</a:t>
+            </a:r>
+          </a:p>
+        </p:txBody>
+      </p:sp>
+    </p:spTree>
+    <p:extLst>
+      <p:ext uri="{BB962C8B-B14F-4D97-AF65-F5344CB8AC3E}">
+        <p14:creationId xmlns:p14="http://schemas.microsoft.com/office/powerpoint/2010/main" val="47949207"/>
+      </p:ext>
+    </p:extLst>
+  </p:cSld>
+  <p:clrMapOvr>
+    <a:masterClrMapping/>
+  </p:clrMapOvr>
+</p:sld>
+</file>
+
+<file path=ppt/slides/slide25.xml><?xml version="1.0" encoding="utf-8"?>
+<p:sld xmlns:a="http://schemas.openxmlformats.org/drawingml/2006/main" xmlns:r="http://schemas.openxmlformats.org/officeDocument/2006/relationships" xmlns:p="http://schemas.openxmlformats.org/presentationml/2006/main">
+  <p:cSld>
+    <p:spTree>
+      <p:nvGrpSpPr>
+        <p:cNvPr id="1" name=""/>
+        <p:cNvGrpSpPr/>
+        <p:nvPr/>
+      </p:nvGrpSpPr>
+      <p:grpSpPr>
+        <a:xfrm>
+          <a:off x="0" y="0"/>
+          <a:ext cx="0" cy="0"/>
+          <a:chOff x="0" y="0"/>
+          <a:chExt cx="0" cy="0"/>
+        </a:xfrm>
+      </p:grpSpPr>
+      <p:sp>
+        <p:nvSpPr>
+          <p:cNvPr id="2" name="Title 1"/>
+          <p:cNvSpPr>
+            <a:spLocks noGrp="1"/>
+          </p:cNvSpPr>
+          <p:nvPr>
+            <p:ph type="title"/>
+          </p:nvPr>
+        </p:nvSpPr>
+        <p:spPr/>
+        <p:txBody>
+          <a:bodyPr/>
+          <a:lstStyle/>
+          <a:p>
+            <a:r>
+              <a:rPr lang="en-US" dirty="0"/>
+              <a:t>USECASE</a:t>
+            </a:r>
+          </a:p>
+        </p:txBody>
+      </p:sp>
+      <p:pic>
+        <p:nvPicPr>
+          <p:cNvPr id="4" name="Content Placeholder 3"/>
+          <p:cNvPicPr>
+            <a:picLocks noGrp="1" noChangeAspect="1"/>
+          </p:cNvPicPr>
+          <p:nvPr>
+            <p:ph idx="1"/>
+          </p:nvPr>
+        </p:nvPicPr>
+        <p:blipFill>
+          <a:blip r:embed="rId2"/>
+          <a:stretch>
+            <a:fillRect/>
+          </a:stretch>
+        </p:blipFill>
+        <p:spPr>
+          <a:xfrm>
+            <a:off x="3247275" y="438177"/>
+            <a:ext cx="6026727" cy="5900933"/>
+          </a:xfrm>
+          <a:prstGeom prst="rect">
+            <a:avLst/>
+          </a:prstGeom>
+        </p:spPr>
+      </p:pic>
+    </p:spTree>
+    <p:extLst>
+      <p:ext uri="{BB962C8B-B14F-4D97-AF65-F5344CB8AC3E}">
+        <p14:creationId xmlns:p14="http://schemas.microsoft.com/office/powerpoint/2010/main" val="2655794641"/>
+      </p:ext>
+    </p:extLst>
+  </p:cSld>
+  <p:clrMapOvr>
+    <a:masterClrMapping/>
+  </p:clrMapOvr>
+</p:sld>
+</file>
+
+<file path=ppt/slides/slide26.xml><?xml version="1.0" encoding="utf-8"?>
+<p:sld xmlns:a="http://schemas.openxmlformats.org/drawingml/2006/main" xmlns:r="http://schemas.openxmlformats.org/officeDocument/2006/relationships" xmlns:p="http://schemas.openxmlformats.org/presentationml/2006/main">
+  <p:cSld>
+    <p:spTree>
+      <p:nvGrpSpPr>
+        <p:cNvPr id="1" name=""/>
+        <p:cNvGrpSpPr/>
+        <p:nvPr/>
+      </p:nvGrpSpPr>
+      <p:grpSpPr>
+        <a:xfrm>
+          <a:off x="0" y="0"/>
+          <a:ext cx="0" cy="0"/>
+          <a:chOff x="0" y="0"/>
+          <a:chExt cx="0" cy="0"/>
+        </a:xfrm>
+      </p:grpSpPr>
+      <p:sp>
+        <p:nvSpPr>
+          <p:cNvPr id="2" name="Title 1"/>
+          <p:cNvSpPr>
+            <a:spLocks noGrp="1"/>
+          </p:cNvSpPr>
+          <p:nvPr>
+            <p:ph type="title"/>
+          </p:nvPr>
+        </p:nvSpPr>
+        <p:spPr/>
+        <p:txBody>
+          <a:bodyPr/>
+          <a:lstStyle/>
+          <a:p>
+            <a:r>
+              <a:rPr lang="en-US" dirty="0"/>
+              <a:t>USECASE</a:t>
+            </a:r>
+          </a:p>
+        </p:txBody>
+      </p:sp>
+      <p:pic>
+        <p:nvPicPr>
+          <p:cNvPr id="4" name="Content Placeholder 3"/>
+          <p:cNvPicPr>
+            <a:picLocks noGrp="1" noChangeAspect="1"/>
+          </p:cNvPicPr>
+          <p:nvPr>
+            <p:ph idx="1"/>
+          </p:nvPr>
+        </p:nvPicPr>
+        <p:blipFill>
+          <a:blip r:embed="rId2"/>
+          <a:stretch>
+            <a:fillRect/>
+          </a:stretch>
+        </p:blipFill>
+        <p:spPr>
+          <a:xfrm>
+            <a:off x="3798558" y="106218"/>
+            <a:ext cx="5581680" cy="5588000"/>
+          </a:xfrm>
+          <a:prstGeom prst="rect">
+            <a:avLst/>
+          </a:prstGeom>
+        </p:spPr>
+      </p:pic>
+    </p:spTree>
+    <p:extLst>
+      <p:ext uri="{BB962C8B-B14F-4D97-AF65-F5344CB8AC3E}">
+        <p14:creationId xmlns:p14="http://schemas.microsoft.com/office/powerpoint/2010/main" val="896415580"/>
+      </p:ext>
+    </p:extLst>
+  </p:cSld>
+  <p:clrMapOvr>
+    <a:masterClrMapping/>
+  </p:clrMapOvr>
+</p:sld>
+</file>
+
+<file path=ppt/slides/slide27.xml><?xml version="1.0" encoding="utf-8"?>
+<p:sld xmlns:a="http://schemas.openxmlformats.org/drawingml/2006/main" xmlns:r="http://schemas.openxmlformats.org/officeDocument/2006/relationships" xmlns:p="http://schemas.openxmlformats.org/presentationml/2006/main">
+  <p:cSld>
+    <p:spTree>
+      <p:nvGrpSpPr>
+        <p:cNvPr id="1" name=""/>
+        <p:cNvGrpSpPr/>
+        <p:nvPr/>
+      </p:nvGrpSpPr>
+      <p:grpSpPr>
+        <a:xfrm>
+          <a:off x="0" y="0"/>
+          <a:ext cx="0" cy="0"/>
+          <a:chOff x="0" y="0"/>
+          <a:chExt cx="0" cy="0"/>
+        </a:xfrm>
+      </p:grpSpPr>
+      <p:sp>
+        <p:nvSpPr>
+          <p:cNvPr id="2" name="Title 1"/>
+          <p:cNvSpPr>
+            <a:spLocks noGrp="1"/>
+          </p:cNvSpPr>
+          <p:nvPr>
+            <p:ph type="title"/>
+          </p:nvPr>
+        </p:nvSpPr>
+        <p:spPr/>
+        <p:txBody>
+          <a:bodyPr/>
+          <a:lstStyle/>
+          <a:p>
+            <a:r>
+              <a:rPr lang="en-US" dirty="0"/>
+              <a:t>USECASE</a:t>
+            </a:r>
+          </a:p>
+        </p:txBody>
+      </p:sp>
+      <p:pic>
+        <p:nvPicPr>
+          <p:cNvPr id="4" name="Content Placeholder 3"/>
+          <p:cNvPicPr>
+            <a:picLocks noGrp="1" noChangeAspect="1"/>
+          </p:cNvPicPr>
+          <p:nvPr>
+            <p:ph idx="1"/>
+          </p:nvPr>
+        </p:nvPicPr>
+        <p:blipFill>
+          <a:blip r:embed="rId2"/>
+          <a:stretch>
+            <a:fillRect/>
+          </a:stretch>
+        </p:blipFill>
+        <p:spPr>
+          <a:xfrm>
+            <a:off x="3249436" y="484909"/>
+            <a:ext cx="5438164" cy="5417127"/>
+          </a:xfrm>
+          <a:prstGeom prst="rect">
+            <a:avLst/>
+          </a:prstGeom>
+        </p:spPr>
+      </p:pic>
+    </p:spTree>
+    <p:extLst>
+      <p:ext uri="{BB962C8B-B14F-4D97-AF65-F5344CB8AC3E}">
+        <p14:creationId xmlns:p14="http://schemas.microsoft.com/office/powerpoint/2010/main" val="733840910"/>
+      </p:ext>
+    </p:extLst>
+  </p:cSld>
+  <p:clrMapOvr>
+    <a:masterClrMapping/>
+  </p:clrMapOvr>
+</p:sld>
+</file>
+
+<file path=ppt/slides/slide28.xml><?xml version="1.0" encoding="utf-8"?>
+<p:sld xmlns:a="http://schemas.openxmlformats.org/drawingml/2006/main" xmlns:r="http://schemas.openxmlformats.org/officeDocument/2006/relationships" xmlns:p="http://schemas.openxmlformats.org/presentationml/2006/main">
+  <p:cSld>
+    <p:spTree>
+      <p:nvGrpSpPr>
+        <p:cNvPr id="1" name=""/>
+        <p:cNvGrpSpPr/>
+        <p:nvPr/>
+      </p:nvGrpSpPr>
+      <p:grpSpPr>
+        <a:xfrm>
+          <a:off x="0" y="0"/>
+          <a:ext cx="0" cy="0"/>
+          <a:chOff x="0" y="0"/>
+          <a:chExt cx="0" cy="0"/>
+        </a:xfrm>
+      </p:grpSpPr>
+      <p:sp>
+        <p:nvSpPr>
+          <p:cNvPr id="2" name="Title 1"/>
+          <p:cNvSpPr>
+            <a:spLocks noGrp="1"/>
+          </p:cNvSpPr>
+          <p:nvPr>
+            <p:ph type="title"/>
+          </p:nvPr>
+        </p:nvSpPr>
+        <p:spPr/>
+        <p:txBody>
+          <a:bodyPr/>
+          <a:lstStyle/>
+          <a:p>
+            <a:r>
+              <a:rPr lang="en-US" dirty="0"/>
+              <a:t>USECASE</a:t>
+            </a:r>
+          </a:p>
+        </p:txBody>
+      </p:sp>
+      <p:pic>
+        <p:nvPicPr>
+          <p:cNvPr id="4" name="Content Placeholder 3"/>
+          <p:cNvPicPr>
+            <a:picLocks noGrp="1" noChangeAspect="1"/>
+          </p:cNvPicPr>
+          <p:nvPr>
+            <p:ph idx="1"/>
+          </p:nvPr>
+        </p:nvPicPr>
+        <p:blipFill>
+          <a:blip r:embed="rId2"/>
+          <a:stretch>
+            <a:fillRect/>
+          </a:stretch>
+        </p:blipFill>
+        <p:spPr>
+          <a:xfrm>
+            <a:off x="3262745" y="609600"/>
+            <a:ext cx="5636433" cy="5777345"/>
+          </a:xfrm>
+          <a:prstGeom prst="rect">
+            <a:avLst/>
+          </a:prstGeom>
+        </p:spPr>
+      </p:pic>
+    </p:spTree>
+    <p:extLst>
+      <p:ext uri="{BB962C8B-B14F-4D97-AF65-F5344CB8AC3E}">
+        <p14:creationId xmlns:p14="http://schemas.microsoft.com/office/powerpoint/2010/main" val="2330099843"/>
+      </p:ext>
+    </p:extLst>
+  </p:cSld>
+  <p:clrMapOvr>
+    <a:masterClrMapping/>
+  </p:clrMapOvr>
+</p:sld>
+</file>
+
+<file path=ppt/slides/slide29.xml><?xml version="1.0" encoding="utf-8"?>
+<p:sld xmlns:a="http://schemas.openxmlformats.org/drawingml/2006/main" xmlns:r="http://schemas.openxmlformats.org/officeDocument/2006/relationships" xmlns:p="http://schemas.openxmlformats.org/presentationml/2006/main">
+  <p:cSld>
+    <p:spTree>
+      <p:nvGrpSpPr>
+        <p:cNvPr id="1" name=""/>
+        <p:cNvGrpSpPr/>
+        <p:nvPr/>
+      </p:nvGrpSpPr>
+      <p:grpSpPr>
+        <a:xfrm>
+          <a:off x="0" y="0"/>
+          <a:ext cx="0" cy="0"/>
+          <a:chOff x="0" y="0"/>
+          <a:chExt cx="0" cy="0"/>
+        </a:xfrm>
+      </p:grpSpPr>
+      <p:sp>
+        <p:nvSpPr>
+          <p:cNvPr id="2" name="Title 1"/>
+          <p:cNvSpPr>
+            <a:spLocks noGrp="1"/>
+          </p:cNvSpPr>
+          <p:nvPr>
+            <p:ph type="title"/>
+          </p:nvPr>
+        </p:nvSpPr>
+        <p:spPr/>
+        <p:txBody>
+          <a:bodyPr/>
+          <a:lstStyle/>
+          <a:p>
+            <a:r>
+              <a:rPr lang="en-US" dirty="0"/>
+              <a:t>USECASE</a:t>
+            </a:r>
+          </a:p>
+        </p:txBody>
+      </p:sp>
+      <p:pic>
+        <p:nvPicPr>
+          <p:cNvPr id="4" name="Content Placeholder 3"/>
+          <p:cNvPicPr>
+            <a:picLocks noGrp="1" noChangeAspect="1"/>
+          </p:cNvPicPr>
+          <p:nvPr>
+            <p:ph idx="1"/>
+          </p:nvPr>
+        </p:nvPicPr>
+        <p:blipFill>
+          <a:blip r:embed="rId2"/>
+          <a:stretch>
+            <a:fillRect/>
+          </a:stretch>
+        </p:blipFill>
+        <p:spPr>
+          <a:xfrm>
+            <a:off x="3239838" y="609600"/>
+            <a:ext cx="5823622" cy="5652655"/>
+          </a:xfrm>
+          <a:prstGeom prst="rect">
+            <a:avLst/>
+          </a:prstGeom>
+        </p:spPr>
+      </p:pic>
+    </p:spTree>
+    <p:extLst>
+      <p:ext uri="{BB962C8B-B14F-4D97-AF65-F5344CB8AC3E}">
+        <p14:creationId xmlns:p14="http://schemas.microsoft.com/office/powerpoint/2010/main" val="1667762599"/>
+      </p:ext>
+    </p:extLst>
+  </p:cSld>
+  <p:clrMapOvr>
+    <a:masterClrMapping/>
+  </p:clrMapOvr>
+</p:sld>
+</file>
+
+<file path=ppt/slides/slide3.xml><?xml version="1.0" encoding="utf-8"?>
+<p:sld xmlns:a="http://schemas.openxmlformats.org/drawingml/2006/main" xmlns:r="http://schemas.openxmlformats.org/officeDocument/2006/relationships" xmlns:p="http://schemas.openxmlformats.org/presentationml/2006/main">
+  <p:cSld>
+    <p:spTree>
+      <p:nvGrpSpPr>
+        <p:cNvPr id="1" name=""/>
+        <p:cNvGrpSpPr/>
+        <p:nvPr/>
+      </p:nvGrpSpPr>
+      <p:grpSpPr>
+        <a:xfrm>
+          <a:off x="0" y="0"/>
+          <a:ext cx="0" cy="0"/>
+          <a:chOff x="0" y="0"/>
+          <a:chExt cx="0" cy="0"/>
+        </a:xfrm>
+      </p:grpSpPr>
+      <p:sp>
+        <p:nvSpPr>
+          <p:cNvPr id="2" name="Title 1"/>
+          <p:cNvSpPr>
+            <a:spLocks noGrp="1"/>
+          </p:cNvSpPr>
+          <p:nvPr>
+            <p:ph type="title"/>
+          </p:nvPr>
+        </p:nvSpPr>
+        <p:spPr/>
+        <p:txBody>
+          <a:bodyPr/>
+          <a:lstStyle/>
+          <a:p>
+            <a:r>
+              <a:rPr lang="en-US" dirty="0"/>
+              <a:t>DISCUSSION</a:t>
+            </a:r>
+          </a:p>
+        </p:txBody>
+      </p:sp>
+      <p:sp>
+        <p:nvSpPr>
+          <p:cNvPr id="3" name="Content Placeholder 2"/>
+          <p:cNvSpPr>
+            <a:spLocks noGrp="1"/>
+          </p:cNvSpPr>
+          <p:nvPr>
+            <p:ph idx="1"/>
+          </p:nvPr>
+        </p:nvSpPr>
+        <p:spPr/>
+        <p:txBody>
+          <a:bodyPr/>
+          <a:lstStyle/>
+          <a:p>
+            <a:r>
+              <a:rPr lang="en-US" dirty="0"/>
+              <a:t>With Bill: Illegal Immigrants</a:t>
+            </a:r>
+          </a:p>
+          <a:p>
+            <a:endParaRPr lang="en-US" dirty="0"/>
+          </a:p>
+          <a:p>
+            <a:endParaRPr lang="en-US" dirty="0"/>
+          </a:p>
+        </p:txBody>
+      </p:sp>
+    </p:spTree>
+    <p:extLst>
+      <p:ext uri="{BB962C8B-B14F-4D97-AF65-F5344CB8AC3E}">
+        <p14:creationId xmlns:p14="http://schemas.microsoft.com/office/powerpoint/2010/main" val="917868263"/>
+      </p:ext>
+    </p:extLst>
+  </p:cSld>
+  <p:clrMapOvr>
+    <a:masterClrMapping/>
+  </p:clrMapOvr>
+</p:sld>
+</file>
+
+<file path=ppt/slides/slide30.xml><?xml version="1.0" encoding="utf-8"?>
+<p:sld xmlns:a="http://schemas.openxmlformats.org/drawingml/2006/main" xmlns:r="http://schemas.openxmlformats.org/officeDocument/2006/relationships" xmlns:p="http://schemas.openxmlformats.org/presentationml/2006/main">
+  <p:cSld>
+    <p:spTree>
+      <p:nvGrpSpPr>
+        <p:cNvPr id="1" name=""/>
+        <p:cNvGrpSpPr/>
+        <p:nvPr/>
+      </p:nvGrpSpPr>
+      <p:grpSpPr>
+        <a:xfrm>
+          <a:off x="0" y="0"/>
+          <a:ext cx="0" cy="0"/>
+          <a:chOff x="0" y="0"/>
+          <a:chExt cx="0" cy="0"/>
+        </a:xfrm>
+      </p:grpSpPr>
+      <p:sp>
+        <p:nvSpPr>
+          <p:cNvPr id="2" name="Title 1"/>
+          <p:cNvSpPr>
+            <a:spLocks noGrp="1"/>
+          </p:cNvSpPr>
+          <p:nvPr>
+            <p:ph type="title"/>
+          </p:nvPr>
+        </p:nvSpPr>
+        <p:spPr>
+          <a:xfrm>
+            <a:off x="677334" y="0"/>
+            <a:ext cx="8596668" cy="1320800"/>
+          </a:xfrm>
+        </p:spPr>
+        <p:txBody>
+          <a:bodyPr/>
+          <a:lstStyle/>
+          <a:p>
+            <a:r>
+              <a:rPr lang="en-US" dirty="0"/>
+              <a:t>ERD</a:t>
+            </a:r>
+          </a:p>
+        </p:txBody>
+      </p:sp>
+      <p:pic>
+        <p:nvPicPr>
+          <p:cNvPr id="4" name="Picture 3" descr="C:\Users\nori\Downloads\ncorperd.png"/>
+          <p:cNvPicPr/>
+          <p:nvPr/>
+        </p:nvPicPr>
+        <p:blipFill>
+          <a:blip r:embed="rId2">
+            <a:extLst>
+              <a:ext uri="{28A0092B-C50C-407E-A947-70E740481C1C}">
+                <a14:useLocalDpi xmlns:a14="http://schemas.microsoft.com/office/drawing/2010/main" val="0"/>
+              </a:ext>
+            </a:extLst>
+          </a:blip>
+          <a:srcRect/>
+          <a:stretch>
+            <a:fillRect/>
+          </a:stretch>
+        </p:blipFill>
+        <p:spPr bwMode="auto">
+          <a:xfrm>
+            <a:off x="2424545" y="152400"/>
+            <a:ext cx="6276110" cy="5985164"/>
+          </a:xfrm>
+          <a:prstGeom prst="rect">
+            <a:avLst/>
+          </a:prstGeom>
+          <a:noFill/>
+          <a:ln>
+            <a:noFill/>
+          </a:ln>
+        </p:spPr>
+      </p:pic>
+    </p:spTree>
+    <p:extLst>
+      <p:ext uri="{BB962C8B-B14F-4D97-AF65-F5344CB8AC3E}">
+        <p14:creationId xmlns:p14="http://schemas.microsoft.com/office/powerpoint/2010/main" val="884973169"/>
+      </p:ext>
+    </p:extLst>
+  </p:cSld>
+  <p:clrMapOvr>
+    <a:masterClrMapping/>
+  </p:clrMapOvr>
+</p:sld>
+</file>
+
+<file path=ppt/slides/slide31.xml><?xml version="1.0" encoding="utf-8"?>
+<p:sld xmlns:a="http://schemas.openxmlformats.org/drawingml/2006/main" xmlns:r="http://schemas.openxmlformats.org/officeDocument/2006/relationships" xmlns:p="http://schemas.openxmlformats.org/presentationml/2006/main">
+  <p:cSld>
+    <p:spTree>
+      <p:nvGrpSpPr>
+        <p:cNvPr id="1" name=""/>
+        <p:cNvGrpSpPr/>
+        <p:nvPr/>
+      </p:nvGrpSpPr>
+      <p:grpSpPr>
+        <a:xfrm>
+          <a:off x="0" y="0"/>
+          <a:ext cx="0" cy="0"/>
+          <a:chOff x="0" y="0"/>
+          <a:chExt cx="0" cy="0"/>
+        </a:xfrm>
+      </p:grpSpPr>
+      <p:sp>
+        <p:nvSpPr>
+          <p:cNvPr id="2" name="Title 1"/>
+          <p:cNvSpPr>
+            <a:spLocks noGrp="1"/>
+          </p:cNvSpPr>
+          <p:nvPr>
+            <p:ph type="title"/>
+          </p:nvPr>
+        </p:nvSpPr>
+        <p:spPr/>
+        <p:txBody>
+          <a:bodyPr/>
+          <a:lstStyle/>
+          <a:p>
+            <a:r>
+              <a:rPr lang="en-US" dirty="0"/>
+              <a:t>OWASP – ESAPI TESTING</a:t>
+            </a:r>
+          </a:p>
+        </p:txBody>
+      </p:sp>
+      <p:sp>
+        <p:nvSpPr>
+          <p:cNvPr id="3" name="Content Placeholder 2"/>
+          <p:cNvSpPr>
+            <a:spLocks noGrp="1"/>
+          </p:cNvSpPr>
+          <p:nvPr>
+            <p:ph idx="1"/>
+          </p:nvPr>
+        </p:nvSpPr>
+        <p:spPr/>
+        <p:txBody>
+          <a:bodyPr/>
+          <a:lstStyle/>
+          <a:p>
+            <a:r>
+              <a:rPr lang="en-US" b="1" dirty="0"/>
+              <a:t>Information Gathering &amp;</a:t>
+            </a:r>
+            <a:r>
+              <a:rPr lang="en-US" dirty="0"/>
+              <a:t> C</a:t>
+            </a:r>
+            <a:r>
+              <a:rPr lang="en-US" b="1" dirty="0"/>
+              <a:t>onducting Search engine discovery and Reconnaissance for information leakage</a:t>
+            </a:r>
+            <a:endParaRPr lang="en-US" dirty="0"/>
+          </a:p>
+          <a:p>
+            <a:r>
+              <a:rPr lang="en-US" dirty="0"/>
+              <a:t>Ping of death</a:t>
+            </a:r>
+          </a:p>
+          <a:p>
+            <a:r>
+              <a:rPr lang="en-US" b="1" dirty="0"/>
+              <a:t>Fingerprint web server</a:t>
+            </a:r>
+          </a:p>
+          <a:p>
+            <a:r>
+              <a:rPr lang="en-US" b="1" dirty="0"/>
+              <a:t>Enumerate application on Webserver</a:t>
+            </a:r>
+            <a:endParaRPr lang="en-US" dirty="0"/>
+          </a:p>
+          <a:p>
+            <a:r>
+              <a:rPr lang="en-US" b="1" dirty="0"/>
+              <a:t>Fingerprint web application</a:t>
+            </a:r>
+          </a:p>
+          <a:p>
+            <a:r>
+              <a:rPr lang="en-US" b="1" dirty="0"/>
+              <a:t>Testing Identity Management</a:t>
+            </a:r>
+            <a:endParaRPr lang="en-US" dirty="0"/>
+          </a:p>
+          <a:p>
+            <a:r>
+              <a:rPr lang="en-US" b="1" dirty="0"/>
+              <a:t>Authentication Testing</a:t>
+            </a:r>
+            <a:endParaRPr lang="en-US" dirty="0"/>
+          </a:p>
+          <a:p>
+            <a:r>
+              <a:rPr lang="en-US" b="1" dirty="0"/>
+              <a:t>Authorization Testing:</a:t>
+            </a:r>
+            <a:endParaRPr lang="en-US" dirty="0"/>
+          </a:p>
+          <a:p>
+            <a:endParaRPr lang="en-US" dirty="0"/>
+          </a:p>
+          <a:p>
+            <a:endParaRPr lang="en-US" dirty="0"/>
+          </a:p>
+        </p:txBody>
+      </p:sp>
+    </p:spTree>
+    <p:extLst>
+      <p:ext uri="{BB962C8B-B14F-4D97-AF65-F5344CB8AC3E}">
+        <p14:creationId xmlns:p14="http://schemas.microsoft.com/office/powerpoint/2010/main" val="1609960245"/>
+      </p:ext>
+    </p:extLst>
+  </p:cSld>
+  <p:clrMapOvr>
+    <a:masterClrMapping/>
+  </p:clrMapOvr>
+</p:sld>
+</file>
+
+<file path=ppt/slides/slide32.xml><?xml version="1.0" encoding="utf-8"?>
+<p:sld xmlns:a="http://schemas.openxmlformats.org/drawingml/2006/main" xmlns:r="http://schemas.openxmlformats.org/officeDocument/2006/relationships" xmlns:p="http://schemas.openxmlformats.org/presentationml/2006/main">
+  <p:cSld>
+    <p:spTree>
+      <p:nvGrpSpPr>
+        <p:cNvPr id="1" name=""/>
+        <p:cNvGrpSpPr/>
+        <p:nvPr/>
+      </p:nvGrpSpPr>
+      <p:grpSpPr>
+        <a:xfrm>
+          <a:off x="0" y="0"/>
+          <a:ext cx="0" cy="0"/>
+          <a:chOff x="0" y="0"/>
+          <a:chExt cx="0" cy="0"/>
+        </a:xfrm>
+      </p:grpSpPr>
+      <p:sp>
+        <p:nvSpPr>
+          <p:cNvPr id="2" name="Title 1"/>
+          <p:cNvSpPr>
+            <a:spLocks noGrp="1"/>
+          </p:cNvSpPr>
+          <p:nvPr>
+            <p:ph type="title"/>
+          </p:nvPr>
+        </p:nvSpPr>
+        <p:spPr/>
+        <p:txBody>
+          <a:bodyPr/>
+          <a:lstStyle/>
+          <a:p>
+            <a:r>
+              <a:rPr lang="en-US" dirty="0"/>
+              <a:t>FUTURE ENHANCEMENTS</a:t>
+            </a:r>
+          </a:p>
+        </p:txBody>
+      </p:sp>
+      <p:sp>
+        <p:nvSpPr>
+          <p:cNvPr id="3" name="Content Placeholder 2"/>
+          <p:cNvSpPr>
+            <a:spLocks noGrp="1"/>
+          </p:cNvSpPr>
+          <p:nvPr>
+            <p:ph idx="1"/>
+          </p:nvPr>
+        </p:nvSpPr>
+        <p:spPr>
+          <a:xfrm>
+            <a:off x="677334" y="1384735"/>
+            <a:ext cx="8596668" cy="3880773"/>
+          </a:xfrm>
+        </p:spPr>
+        <p:txBody>
+          <a:bodyPr>
+            <a:normAutofit/>
+          </a:bodyPr>
+          <a:lstStyle/>
+          <a:p>
+            <a:r>
+              <a:rPr lang="en-US" dirty="0"/>
+              <a:t>PROBLEM WITH CLOUD : SECURITY</a:t>
+            </a:r>
+          </a:p>
+          <a:p>
+            <a:endParaRPr lang="en-US" dirty="0"/>
+          </a:p>
+          <a:p>
+            <a:endParaRPr lang="en-US" dirty="0"/>
+          </a:p>
+          <a:p>
+            <a:endParaRPr lang="en-US" dirty="0"/>
+          </a:p>
+          <a:p>
+            <a:endParaRPr lang="en-US" dirty="0"/>
+          </a:p>
+          <a:p>
+            <a:endParaRPr lang="en-US" dirty="0"/>
+          </a:p>
+          <a:p>
+            <a:endParaRPr lang="en-US" dirty="0"/>
+          </a:p>
+          <a:p>
+            <a:endParaRPr lang="en-US" dirty="0"/>
+          </a:p>
+          <a:p>
+            <a:endParaRPr lang="en-US" dirty="0"/>
+          </a:p>
+        </p:txBody>
+      </p:sp>
+      <p:pic>
+        <p:nvPicPr>
+          <p:cNvPr id="4" name="Picture 3"/>
+          <p:cNvPicPr>
+            <a:picLocks noChangeAspect="1"/>
+          </p:cNvPicPr>
+          <p:nvPr/>
+        </p:nvPicPr>
+        <p:blipFill>
+          <a:blip r:embed="rId2">
+            <a:extLst>
+              <a:ext uri="{28A0092B-C50C-407E-A947-70E740481C1C}">
+                <a14:useLocalDpi xmlns:a14="http://schemas.microsoft.com/office/drawing/2010/main" val="0"/>
+              </a:ext>
+            </a:extLst>
+          </a:blip>
+          <a:stretch>
+            <a:fillRect/>
+          </a:stretch>
+        </p:blipFill>
+        <p:spPr>
+          <a:xfrm>
+            <a:off x="5945908" y="484189"/>
+            <a:ext cx="3328094" cy="5916611"/>
+          </a:xfrm>
+          <a:prstGeom prst="rect">
+            <a:avLst/>
+          </a:prstGeom>
+        </p:spPr>
+      </p:pic>
+    </p:spTree>
+    <p:extLst>
+      <p:ext uri="{BB962C8B-B14F-4D97-AF65-F5344CB8AC3E}">
+        <p14:creationId xmlns:p14="http://schemas.microsoft.com/office/powerpoint/2010/main" val="566387000"/>
+      </p:ext>
+    </p:extLst>
+  </p:cSld>
+  <p:clrMapOvr>
+    <a:masterClrMapping/>
+  </p:clrMapOvr>
+</p:sld>
+</file>
+
+<file path=ppt/slides/slide33.xml><?xml version="1.0" encoding="utf-8"?>
+<p:sld xmlns:a="http://schemas.openxmlformats.org/drawingml/2006/main" xmlns:r="http://schemas.openxmlformats.org/officeDocument/2006/relationships" xmlns:p="http://schemas.openxmlformats.org/presentationml/2006/main">
+  <p:cSld>
+    <p:spTree>
+      <p:nvGrpSpPr>
+        <p:cNvPr id="1" name=""/>
+        <p:cNvGrpSpPr/>
+        <p:nvPr/>
+      </p:nvGrpSpPr>
+      <p:grpSpPr>
+        <a:xfrm>
+          <a:off x="0" y="0"/>
+          <a:ext cx="0" cy="0"/>
+          <a:chOff x="0" y="0"/>
+          <a:chExt cx="0" cy="0"/>
+        </a:xfrm>
+      </p:grpSpPr>
+      <p:sp>
+        <p:nvSpPr>
+          <p:cNvPr id="2" name="Title 1"/>
+          <p:cNvSpPr>
+            <a:spLocks noGrp="1"/>
+          </p:cNvSpPr>
+          <p:nvPr>
+            <p:ph type="title"/>
+          </p:nvPr>
+        </p:nvSpPr>
+        <p:spPr/>
+        <p:txBody>
+          <a:bodyPr/>
+          <a:lstStyle/>
+          <a:p>
+            <a:r>
+              <a:rPr lang="en-US" dirty="0"/>
+              <a:t>FUTURE ENHANCEMENTS</a:t>
+            </a:r>
+          </a:p>
+        </p:txBody>
+      </p:sp>
+      <p:sp>
+        <p:nvSpPr>
+          <p:cNvPr id="3" name="Content Placeholder 2"/>
+          <p:cNvSpPr>
+            <a:spLocks noGrp="1"/>
+          </p:cNvSpPr>
+          <p:nvPr>
+            <p:ph idx="1"/>
+          </p:nvPr>
+        </p:nvSpPr>
+        <p:spPr/>
+        <p:txBody>
+          <a:bodyPr/>
+          <a:lstStyle/>
+          <a:p>
+            <a:r>
+              <a:rPr lang="en-US" dirty="0"/>
+              <a:t>To create EC2 Windows and Linux instances with Amazon web services to reduce the infrastructure and to improve performance.</a:t>
+            </a:r>
+          </a:p>
+          <a:p>
+            <a:r>
+              <a:rPr lang="en-US" dirty="0"/>
+              <a:t>To redesign the Website with more security controls: Validation Controls</a:t>
+            </a:r>
+          </a:p>
+          <a:p>
+            <a:r>
+              <a:rPr lang="en-US" dirty="0"/>
+              <a:t>To Save the Web application data to Amazon </a:t>
+            </a:r>
+            <a:r>
+              <a:rPr lang="en-US" dirty="0" err="1"/>
+              <a:t>DynamoDB</a:t>
+            </a:r>
+            <a:endParaRPr lang="en-US" dirty="0"/>
+          </a:p>
+          <a:p>
+            <a:r>
+              <a:rPr lang="en-US" dirty="0"/>
+              <a:t>To Review of Webserver metafiles for information leakage:</a:t>
+            </a:r>
+            <a:r>
+              <a:rPr lang="en-US" b="1" dirty="0"/>
+              <a:t> </a:t>
+            </a:r>
+            <a:endParaRPr lang="en-US" dirty="0"/>
+          </a:p>
+          <a:p>
+            <a:endParaRPr lang="en-US" dirty="0"/>
+          </a:p>
+          <a:p>
+            <a:endParaRPr lang="en-US" dirty="0"/>
+          </a:p>
+          <a:p>
+            <a:endParaRPr lang="en-US" dirty="0"/>
+          </a:p>
+          <a:p>
+            <a:endParaRPr lang="en-US" dirty="0"/>
+          </a:p>
+        </p:txBody>
+      </p:sp>
+    </p:spTree>
+    <p:extLst>
+      <p:ext uri="{BB962C8B-B14F-4D97-AF65-F5344CB8AC3E}">
+        <p14:creationId xmlns:p14="http://schemas.microsoft.com/office/powerpoint/2010/main" val="4230093232"/>
+      </p:ext>
+    </p:extLst>
+  </p:cSld>
+  <p:clrMapOvr>
+    <a:masterClrMapping/>
+  </p:clrMapOvr>
+</p:sld>
+</file>
+
+<file path=ppt/slides/slide34.xml><?xml version="1.0" encoding="utf-8"?>
+<p:sld xmlns:a="http://schemas.openxmlformats.org/drawingml/2006/main" xmlns:r="http://schemas.openxmlformats.org/officeDocument/2006/relationships" xmlns:p="http://schemas.openxmlformats.org/presentationml/2006/main">
+  <p:cSld>
+    <p:spTree>
+      <p:nvGrpSpPr>
+        <p:cNvPr id="1" name=""/>
+        <p:cNvGrpSpPr/>
+        <p:nvPr/>
+      </p:nvGrpSpPr>
+      <p:grpSpPr>
+        <a:xfrm>
+          <a:off x="0" y="0"/>
+          <a:ext cx="0" cy="0"/>
+          <a:chOff x="0" y="0"/>
+          <a:chExt cx="0" cy="0"/>
+        </a:xfrm>
+      </p:grpSpPr>
+      <p:sp>
+        <p:nvSpPr>
+          <p:cNvPr id="2" name="Title 1"/>
+          <p:cNvSpPr>
+            <a:spLocks noGrp="1"/>
+          </p:cNvSpPr>
+          <p:nvPr>
+            <p:ph type="title"/>
+          </p:nvPr>
+        </p:nvSpPr>
+        <p:spPr/>
+        <p:txBody>
+          <a:bodyPr/>
+          <a:lstStyle/>
+          <a:p>
+            <a:r>
+              <a:rPr lang="en-US" dirty="0"/>
+              <a:t>CONSLUSION	</a:t>
+            </a:r>
+          </a:p>
+        </p:txBody>
+      </p:sp>
+      <p:sp>
+        <p:nvSpPr>
+          <p:cNvPr id="3" name="Content Placeholder 2"/>
+          <p:cNvSpPr>
+            <a:spLocks noGrp="1"/>
+          </p:cNvSpPr>
+          <p:nvPr>
+            <p:ph idx="1"/>
+          </p:nvPr>
+        </p:nvSpPr>
+        <p:spPr/>
+        <p:txBody>
+          <a:bodyPr/>
+          <a:lstStyle/>
+          <a:p>
+            <a:r>
+              <a:rPr lang="en-US" dirty="0"/>
+              <a:t>Security is not a state to achieve but it’s a continuous process. </a:t>
+            </a:r>
+          </a:p>
+        </p:txBody>
+      </p:sp>
+    </p:spTree>
+    <p:extLst>
+      <p:ext uri="{BB962C8B-B14F-4D97-AF65-F5344CB8AC3E}">
+        <p14:creationId xmlns:p14="http://schemas.microsoft.com/office/powerpoint/2010/main" val="3428697083"/>
+      </p:ext>
+    </p:extLst>
+  </p:cSld>
+  <p:clrMapOvr>
+    <a:masterClrMapping/>
+  </p:clrMapOvr>
+</p:sld>
+</file>
+
+<file path=ppt/slides/slide4.xml><?xml version="1.0" encoding="utf-8"?>
+<p:sld xmlns:a="http://schemas.openxmlformats.org/drawingml/2006/main" xmlns:r="http://schemas.openxmlformats.org/officeDocument/2006/relationships" xmlns:p="http://schemas.openxmlformats.org/presentationml/2006/main">
+  <p:cSld>
+    <p:spTree>
+      <p:nvGrpSpPr>
+        <p:cNvPr id="1" name=""/>
+        <p:cNvGrpSpPr/>
+        <p:nvPr/>
+      </p:nvGrpSpPr>
+      <p:grpSpPr>
+        <a:xfrm>
+          <a:off x="0" y="0"/>
+          <a:ext cx="0" cy="0"/>
+          <a:chOff x="0" y="0"/>
+          <a:chExt cx="0" cy="0"/>
+        </a:xfrm>
+      </p:grpSpPr>
+      <p:sp>
+        <p:nvSpPr>
+          <p:cNvPr id="2" name="Title 1"/>
+          <p:cNvSpPr>
+            <a:spLocks noGrp="1"/>
+          </p:cNvSpPr>
+          <p:nvPr>
+            <p:ph type="title"/>
+          </p:nvPr>
+        </p:nvSpPr>
+        <p:spPr/>
+        <p:txBody>
+          <a:bodyPr/>
+          <a:lstStyle/>
+          <a:p>
+            <a:r>
+              <a:rPr lang="en-US" dirty="0"/>
+              <a:t>Accounting frauds</a:t>
+            </a:r>
+          </a:p>
+        </p:txBody>
+      </p:sp>
+      <p:sp>
+        <p:nvSpPr>
+          <p:cNvPr id="3" name="Content Placeholder 2"/>
+          <p:cNvSpPr>
+            <a:spLocks noGrp="1"/>
+          </p:cNvSpPr>
+          <p:nvPr>
+            <p:ph idx="1"/>
+          </p:nvPr>
+        </p:nvSpPr>
+        <p:spPr/>
+        <p:txBody>
+          <a:bodyPr/>
+          <a:lstStyle/>
+          <a:p>
+            <a:r>
+              <a:rPr lang="en-US" dirty="0"/>
+              <a:t>SOX COMPLIANCE</a:t>
+            </a:r>
+          </a:p>
+        </p:txBody>
+      </p:sp>
+    </p:spTree>
+    <p:extLst>
+      <p:ext uri="{BB962C8B-B14F-4D97-AF65-F5344CB8AC3E}">
+        <p14:creationId xmlns:p14="http://schemas.microsoft.com/office/powerpoint/2010/main" val="3274661897"/>
+      </p:ext>
+    </p:extLst>
+  </p:cSld>
+  <p:clrMapOvr>
+    <a:masterClrMapping/>
+  </p:clrMapOvr>
+</p:sld>
+</file>
+
+<file path=ppt/slides/slide5.xml><?xml version="1.0" encoding="utf-8"?>
+<p:sld xmlns:a="http://schemas.openxmlformats.org/drawingml/2006/main" xmlns:r="http://schemas.openxmlformats.org/officeDocument/2006/relationships" xmlns:p="http://schemas.openxmlformats.org/presentationml/2006/main">
+  <p:cSld>
+    <p:spTree>
+      <p:nvGrpSpPr>
+        <p:cNvPr id="1" name=""/>
+        <p:cNvGrpSpPr/>
+        <p:nvPr/>
+      </p:nvGrpSpPr>
+      <p:grpSpPr>
+        <a:xfrm>
+          <a:off x="0" y="0"/>
+          <a:ext cx="0" cy="0"/>
+          <a:chOff x="0" y="0"/>
+          <a:chExt cx="0" cy="0"/>
+        </a:xfrm>
+      </p:grpSpPr>
+      <p:sp>
+        <p:nvSpPr>
+          <p:cNvPr id="2" name="Title 1"/>
+          <p:cNvSpPr>
+            <a:spLocks noGrp="1"/>
+          </p:cNvSpPr>
+          <p:nvPr>
+            <p:ph type="title"/>
+          </p:nvPr>
+        </p:nvSpPr>
+        <p:spPr/>
+        <p:txBody>
+          <a:bodyPr/>
+          <a:lstStyle/>
+          <a:p>
+            <a:r>
+              <a:rPr lang="en-US" dirty="0"/>
+              <a:t>Human Resource management Fraud</a:t>
+            </a:r>
+          </a:p>
+        </p:txBody>
+      </p:sp>
+      <p:sp>
+        <p:nvSpPr>
+          <p:cNvPr id="3" name="Content Placeholder 2"/>
+          <p:cNvSpPr>
+            <a:spLocks noGrp="1"/>
+          </p:cNvSpPr>
+          <p:nvPr>
+            <p:ph idx="1"/>
+          </p:nvPr>
+        </p:nvSpPr>
+        <p:spPr/>
+        <p:txBody>
+          <a:bodyPr/>
+          <a:lstStyle/>
+          <a:p>
+            <a:endParaRPr lang="en-US" dirty="0"/>
+          </a:p>
+        </p:txBody>
+      </p:sp>
+    </p:spTree>
+    <p:extLst>
+      <p:ext uri="{BB962C8B-B14F-4D97-AF65-F5344CB8AC3E}">
+        <p14:creationId xmlns:p14="http://schemas.microsoft.com/office/powerpoint/2010/main" val="697093492"/>
+      </p:ext>
+    </p:extLst>
+  </p:cSld>
+  <p:clrMapOvr>
+    <a:masterClrMapping/>
+  </p:clrMapOvr>
+</p:sld>
+</file>
+
+<file path=ppt/slides/slide6.xml><?xml version="1.0" encoding="utf-8"?>
+<p:sld xmlns:a="http://schemas.openxmlformats.org/drawingml/2006/main" xmlns:r="http://schemas.openxmlformats.org/officeDocument/2006/relationships" xmlns:p="http://schemas.openxmlformats.org/presentationml/2006/main">
+  <p:cSld>
+    <p:spTree>
+      <p:nvGrpSpPr>
+        <p:cNvPr id="1" name=""/>
+        <p:cNvGrpSpPr/>
+        <p:nvPr/>
+      </p:nvGrpSpPr>
+      <p:grpSpPr>
+        <a:xfrm>
+          <a:off x="0" y="0"/>
+          <a:ext cx="0" cy="0"/>
+          <a:chOff x="0" y="0"/>
+          <a:chExt cx="0" cy="0"/>
+        </a:xfrm>
+      </p:grpSpPr>
+      <p:sp>
+        <p:nvSpPr>
+          <p:cNvPr id="2" name="Title 1"/>
+          <p:cNvSpPr>
+            <a:spLocks noGrp="1"/>
+          </p:cNvSpPr>
+          <p:nvPr>
+            <p:ph type="title"/>
+          </p:nvPr>
+        </p:nvSpPr>
+        <p:spPr/>
+        <p:txBody>
+          <a:bodyPr/>
+          <a:lstStyle/>
+          <a:p>
+            <a:endParaRPr lang="en-US"/>
+          </a:p>
+        </p:txBody>
+      </p:sp>
+      <p:sp>
+        <p:nvSpPr>
+          <p:cNvPr id="3" name="Content Placeholder 2"/>
+          <p:cNvSpPr>
+            <a:spLocks noGrp="1"/>
+          </p:cNvSpPr>
+          <p:nvPr>
+            <p:ph idx="1"/>
+          </p:nvPr>
+        </p:nvSpPr>
+        <p:spPr/>
+        <p:txBody>
+          <a:bodyPr/>
+          <a:lstStyle/>
+          <a:p>
+            <a:endParaRPr lang="en-US"/>
+          </a:p>
+        </p:txBody>
+      </p:sp>
+      <p:pic>
+        <p:nvPicPr>
+          <p:cNvPr id="4098" name="Picture 2" descr="https://vice-images.vice.com/images/articles/meta/2016/04/05/heres-how-donald-trump-plans-to-fund-his-stupid-wall-vgtrn-1459870219.jpg?resize=*:*&amp;output-quality=75"/>
+          <p:cNvPicPr>
+            <a:picLocks noChangeAspect="1" noChangeArrowheads="1"/>
+          </p:cNvPicPr>
+          <p:nvPr/>
+        </p:nvPicPr>
+        <p:blipFill>
+          <a:blip r:embed="rId2">
+            <a:extLst>
+              <a:ext uri="{28A0092B-C50C-407E-A947-70E740481C1C}">
+                <a14:useLocalDpi xmlns:a14="http://schemas.microsoft.com/office/drawing/2010/main" val="0"/>
+              </a:ext>
+            </a:extLst>
+          </a:blip>
+          <a:srcRect/>
+          <a:stretch>
+            <a:fillRect/>
+          </a:stretch>
+        </p:blipFill>
+        <p:spPr bwMode="auto">
+          <a:xfrm>
+            <a:off x="0" y="0"/>
+            <a:ext cx="12301180" cy="6858000"/>
+          </a:xfrm>
+          <a:prstGeom prst="rect">
+            <a:avLst/>
+          </a:prstGeom>
+          <a:noFill/>
+          <a:extLst>
+            <a:ext uri="{909E8E84-426E-40DD-AFC4-6F175D3DCCD1}">
+              <a14:hiddenFill xmlns:a14="http://schemas.microsoft.com/office/drawing/2010/main">
+                <a:solidFill>
+                  <a:srgbClr val="FFFFFF"/>
+                </a:solidFill>
+              </a14:hiddenFill>
+            </a:ext>
+          </a:extLst>
+        </p:spPr>
+      </p:pic>
+    </p:spTree>
+    <p:extLst>
+      <p:ext uri="{BB962C8B-B14F-4D97-AF65-F5344CB8AC3E}">
+        <p14:creationId xmlns:p14="http://schemas.microsoft.com/office/powerpoint/2010/main" val="3058670495"/>
+      </p:ext>
+    </p:extLst>
+  </p:cSld>
+  <p:clrMapOvr>
+    <a:masterClrMapping/>
+  </p:clrMapOvr>
+</p:sld>
+</file>
+
+<file path=ppt/slides/slide7.xml><?xml version="1.0" encoding="utf-8"?>
+<p:sld xmlns:a="http://schemas.openxmlformats.org/drawingml/2006/main" xmlns:r="http://schemas.openxmlformats.org/officeDocument/2006/relationships" xmlns:p="http://schemas.openxmlformats.org/presentationml/2006/main">
+  <p:cSld>
+    <p:spTree>
+      <p:nvGrpSpPr>
+        <p:cNvPr id="1" name=""/>
+        <p:cNvGrpSpPr/>
+        <p:nvPr/>
+      </p:nvGrpSpPr>
+      <p:grpSpPr>
+        <a:xfrm>
+          <a:off x="0" y="0"/>
+          <a:ext cx="0" cy="0"/>
+          <a:chOff x="0" y="0"/>
+          <a:chExt cx="0" cy="0"/>
+        </a:xfrm>
+      </p:grpSpPr>
+      <p:pic>
+        <p:nvPicPr>
+          <p:cNvPr id="2050" name="Picture 2" descr="http://static5.businessinsider.com/image/56d679cd6e97c622048bacb3-2402-1201/rts8v91.jpg"/>
+          <p:cNvPicPr>
+            <a:picLocks noGrp="1" noChangeAspect="1" noChangeArrowheads="1"/>
+          </p:cNvPicPr>
+          <p:nvPr>
+            <p:ph idx="1"/>
+          </p:nvPr>
+        </p:nvPicPr>
+        <p:blipFill>
+          <a:blip r:embed="rId2">
+            <a:extLst>
+              <a:ext uri="{28A0092B-C50C-407E-A947-70E740481C1C}">
+                <a14:useLocalDpi xmlns:a14="http://schemas.microsoft.com/office/drawing/2010/main" val="0"/>
+              </a:ext>
+            </a:extLst>
+          </a:blip>
+          <a:srcRect/>
+          <a:stretch>
+            <a:fillRect/>
+          </a:stretch>
+        </p:blipFill>
+        <p:spPr bwMode="auto">
+          <a:xfrm>
+            <a:off x="0" y="-26504"/>
+            <a:ext cx="12192000" cy="6858000"/>
+          </a:xfrm>
+          <a:prstGeom prst="rect">
+            <a:avLst/>
+          </a:prstGeom>
+          <a:noFill/>
+          <a:extLst>
+            <a:ext uri="{909E8E84-426E-40DD-AFC4-6F175D3DCCD1}">
+              <a14:hiddenFill xmlns:a14="http://schemas.microsoft.com/office/drawing/2010/main">
+                <a:solidFill>
+                  <a:srgbClr val="FFFFFF"/>
+                </a:solidFill>
+              </a14:hiddenFill>
+            </a:ext>
+          </a:extLst>
+        </p:spPr>
+      </p:pic>
+    </p:spTree>
+    <p:extLst>
+      <p:ext uri="{BB962C8B-B14F-4D97-AF65-F5344CB8AC3E}">
+        <p14:creationId xmlns:p14="http://schemas.microsoft.com/office/powerpoint/2010/main" val="3433697171"/>
+      </p:ext>
+    </p:extLst>
+  </p:cSld>
+  <p:clrMapOvr>
+    <a:masterClrMapping/>
+  </p:clrMapOvr>
+</p:sld>
+</file>
+
+<file path=ppt/slides/slide8.xml><?xml version="1.0" encoding="utf-8"?>
+<p:sld xmlns:a="http://schemas.openxmlformats.org/drawingml/2006/main" xmlns:r="http://schemas.openxmlformats.org/officeDocument/2006/relationships" xmlns:p="http://schemas.openxmlformats.org/presentationml/2006/main">
+  <p:cSld>
+    <p:spTree>
+      <p:nvGrpSpPr>
+        <p:cNvPr id="1" name=""/>
+        <p:cNvGrpSpPr/>
+        <p:nvPr/>
+      </p:nvGrpSpPr>
+      <p:grpSpPr>
+        <a:xfrm>
+          <a:off x="0" y="0"/>
+          <a:ext cx="0" cy="0"/>
+          <a:chOff x="0" y="0"/>
+          <a:chExt cx="0" cy="0"/>
+        </a:xfrm>
+      </p:grpSpPr>
+      <p:pic>
+        <p:nvPicPr>
+          <p:cNvPr id="1026" name="Picture 2" descr="http://lovelace-media.imgix.net/uploads/899/312a58e0-4374-0133-5ba8-0aecee5a8273.gif?"/>
+          <p:cNvPicPr>
+            <a:picLocks noChangeAspect="1" noChangeArrowheads="1" noCrop="1"/>
+          </p:cNvPicPr>
+          <p:nvPr/>
+        </p:nvPicPr>
+        <p:blipFill>
+          <a:blip r:embed="rId2">
+            <a:extLst>
+              <a:ext uri="{28A0092B-C50C-407E-A947-70E740481C1C}">
+                <a14:useLocalDpi xmlns:a14="http://schemas.microsoft.com/office/drawing/2010/main" val="0"/>
+              </a:ext>
+            </a:extLst>
+          </a:blip>
+          <a:srcRect/>
+          <a:stretch>
+            <a:fillRect/>
+          </a:stretch>
+        </p:blipFill>
+        <p:spPr bwMode="auto">
+          <a:xfrm>
+            <a:off x="0" y="-1"/>
+            <a:ext cx="12094348" cy="6758609"/>
+          </a:xfrm>
+          <a:prstGeom prst="rect">
+            <a:avLst/>
+          </a:prstGeom>
+          <a:noFill/>
+          <a:extLst>
+            <a:ext uri="{909E8E84-426E-40DD-AFC4-6F175D3DCCD1}">
+              <a14:hiddenFill xmlns:a14="http://schemas.microsoft.com/office/drawing/2010/main">
+                <a:solidFill>
+                  <a:srgbClr val="FFFFFF"/>
+                </a:solidFill>
+              </a14:hiddenFill>
+            </a:ext>
+          </a:extLst>
+        </p:spPr>
+      </p:pic>
+    </p:spTree>
+    <p:extLst>
+      <p:ext uri="{BB962C8B-B14F-4D97-AF65-F5344CB8AC3E}">
+        <p14:creationId xmlns:p14="http://schemas.microsoft.com/office/powerpoint/2010/main" val="2723019279"/>
+      </p:ext>
+    </p:extLst>
+  </p:cSld>
+  <p:clrMapOvr>
+    <a:masterClrMapping/>
+  </p:clrMapOvr>
+</p:sld>
+</file>
+
+<file path=ppt/slides/slide9.xml><?xml version="1.0" encoding="utf-8"?>
+<p:sld xmlns:a="http://schemas.openxmlformats.org/drawingml/2006/main" xmlns:r="http://schemas.openxmlformats.org/officeDocument/2006/relationships" xmlns:p="http://schemas.openxmlformats.org/presentationml/2006/main">
+  <p:cSld>
+    <p:spTree>
+      <p:nvGrpSpPr>
+        <p:cNvPr id="1" name=""/>
+        <p:cNvGrpSpPr/>
+        <p:nvPr/>
+      </p:nvGrpSpPr>
+      <p:grpSpPr>
+        <a:xfrm>
+          <a:off x="0" y="0"/>
+          <a:ext cx="0" cy="0"/>
+          <a:chOff x="0" y="0"/>
+          <a:chExt cx="0" cy="0"/>
+        </a:xfrm>
+      </p:grpSpPr>
+      <p:sp>
+        <p:nvSpPr>
+          <p:cNvPr id="2" name="Title 1"/>
+          <p:cNvSpPr>
+            <a:spLocks noGrp="1"/>
+          </p:cNvSpPr>
+          <p:nvPr>
+            <p:ph type="title"/>
+          </p:nvPr>
+        </p:nvSpPr>
+        <p:spPr/>
+        <p:txBody>
+          <a:bodyPr/>
+          <a:lstStyle/>
+          <a:p>
+            <a:r>
+              <a:rPr lang="en-US" sz="2400" dirty="0"/>
+              <a:t>INTRODUCTION</a:t>
+            </a:r>
+          </a:p>
+        </p:txBody>
+      </p:sp>
+      <p:sp>
+        <p:nvSpPr>
+          <p:cNvPr id="3" name="Content Placeholder 2"/>
+          <p:cNvSpPr>
+            <a:spLocks noGrp="1"/>
+          </p:cNvSpPr>
+          <p:nvPr>
+            <p:ph idx="1"/>
+          </p:nvPr>
+        </p:nvSpPr>
+        <p:spPr>
+          <a:xfrm>
+            <a:off x="677334" y="1555679"/>
+            <a:ext cx="8596668" cy="3880773"/>
+          </a:xfrm>
+        </p:spPr>
+        <p:txBody>
+          <a:bodyPr/>
+          <a:lstStyle/>
+          <a:p>
+            <a:r>
+              <a:rPr lang="en-US" b="1" u="sng" dirty="0"/>
+              <a:t>NCORP</a:t>
+            </a:r>
+          </a:p>
+          <a:p>
+            <a:r>
+              <a:rPr lang="en-US" dirty="0"/>
+              <a:t>A SECURED VIRTUAL NETWORK – HUMAN RESOURCE MANAGEMENT SYSTEM</a:t>
+            </a:r>
+          </a:p>
+          <a:p>
+            <a:r>
+              <a:rPr lang="en-US" dirty="0"/>
+              <a:t>AIMED TO MAINTAIN THE COMPANY, SCHOOL, EMPLOYEE AND STUDENT PERSONAL PROFILES TO MAINTAIN THE INTEGRITY OF HUMAN RESOURCES</a:t>
+            </a:r>
+          </a:p>
+          <a:p>
+            <a:endParaRPr lang="en-US" dirty="0"/>
+          </a:p>
+          <a:p>
+            <a:endParaRPr lang="en-US" dirty="0"/>
+          </a:p>
+          <a:p>
+            <a:endParaRPr lang="en-US" dirty="0"/>
+          </a:p>
+          <a:p>
+            <a:endParaRPr lang="en-US" dirty="0"/>
+          </a:p>
+          <a:p>
+            <a:endParaRPr lang="en-US" dirty="0"/>
+          </a:p>
+        </p:txBody>
+      </p:sp>
+    </p:spTree>
+    <p:extLst>
+      <p:ext uri="{BB962C8B-B14F-4D97-AF65-F5344CB8AC3E}">
+        <p14:creationId xmlns:p14="http://schemas.microsoft.com/office/powerpoint/2010/main" val="1126236792"/>
       </p:ext>
     </p:extLst>
   </p:cSld>
@@ -9515,4 +10436,299 @@
     </a:ext>
   </a:extLst>
 </a:theme>
+</file>
+
+<file path=ppt/theme/theme2.xml><?xml version="1.0" encoding="utf-8"?>
+<a:theme xmlns:a="http://schemas.openxmlformats.org/drawingml/2006/main" name="Office Theme">
+  <a:themeElements>
+    <a:clrScheme name="Office">
+      <a:dk1>
+        <a:sysClr val="windowText" lastClr="000000"/>
+      </a:dk1>
+      <a:lt1>
+        <a:sysClr val="window" lastClr="FFFFFF"/>
+      </a:lt1>
+      <a:dk2>
+        <a:srgbClr val="44546A"/>
+      </a:dk2>
+      <a:lt2>
+        <a:srgbClr val="E7E6E6"/>
+      </a:lt2>
+      <a:accent1>
+        <a:srgbClr val="5B9BD5"/>
+      </a:accent1>
+      <a:accent2>
+        <a:srgbClr val="ED7D31"/>
+      </a:accent2>
+      <a:accent3>
+        <a:srgbClr val="A5A5A5"/>
+      </a:accent3>
+      <a:accent4>
+        <a:srgbClr val="FFC000"/>
+      </a:accent4>
+      <a:accent5>
+        <a:srgbClr val="4472C4"/>
+      </a:accent5>
+      <a:accent6>
+        <a:srgbClr val="70AD47"/>
+      </a:accent6>
+      <a:hlink>
+        <a:srgbClr val="0563C1"/>
+      </a:hlink>
+      <a:folHlink>
+        <a:srgbClr val="954F72"/>
+      </a:folHlink>
+    </a:clrScheme>
+    <a:fontScheme name="Office">
+      <a:majorFont>
+        <a:latin typeface="Calibri Light" panose="020F0302020204030204"/>
+        <a:ea typeface=""/>
+        <a:cs typeface=""/>
+        <a:font script="Jpan" typeface="游ゴシック Light"/>
+        <a:font script="Hang" typeface="맑은 고딕"/>
+        <a:font script="Hans" typeface="等线 Light"/>
+        <a:font script="Hant" typeface="新細明體"/>
+        <a:font script="Arab" typeface="Times New Roman"/>
+        <a:font script="Hebr" typeface="Times New Roman"/>
+        <a:font script="Thai" typeface="Angsana New"/>
+        <a:font script="Ethi" typeface="Nyala"/>
+        <a:font script="Beng" typeface="Vrinda"/>
+        <a:font script="Gujr" typeface="Shruti"/>
+        <a:font script="Khmr" typeface="MoolBoran"/>
+        <a:font script="Knda" typeface="Tunga"/>
+        <a:font script="Guru" typeface="Raavi"/>
+        <a:font script="Cans" typeface="Euphemia"/>
+        <a:font script="Cher" typeface="Plantagenet Cherokee"/>
+        <a:font script="Yiii" typeface="Microsoft Yi Baiti"/>
+        <a:font script="Tibt" typeface="Microsoft Himalaya"/>
+        <a:font script="Thaa" typeface="MV Boli"/>
+        <a:font script="Deva" typeface="Mangal"/>
+        <a:font script="Telu" typeface="Gautami"/>
+        <a:font script="Taml" typeface="Latha"/>
+        <a:font script="Syrc" typeface="Estrangelo Edessa"/>
+        <a:font script="Orya" typeface="Kalinga"/>
+        <a:font script="Mlym" typeface="Kartika"/>
+        <a:font script="Laoo" typeface="DokChampa"/>
+        <a:font script="Sinh" typeface="Iskoola Pota"/>
+        <a:font script="Mong" typeface="Mongolian Baiti"/>
+        <a:font script="Viet" typeface="Times New Roman"/>
+        <a:font script="Uigh" typeface="Microsoft Uighur"/>
+        <a:font script="Geor" typeface="Sylfaen"/>
+        <a:font script="Armn" typeface="Arial"/>
+        <a:font script="Bugi" typeface="Leelawadee UI"/>
+        <a:font script="Bopo" typeface="Microsoft JhengHei"/>
+        <a:font script="Java" typeface="Javanese Text"/>
+        <a:font script="Lisu" typeface="Segoe UI"/>
+        <a:font script="Mymr" typeface="Myanmar Text"/>
+        <a:font script="Nkoo" typeface="Ebrima"/>
+        <a:font script="Olck" typeface="Nirmala UI"/>
+        <a:font script="Osma" typeface="Ebrima"/>
+        <a:font script="Phag" typeface="Phagspa"/>
+        <a:font script="Syrn" typeface="Estrangelo Edessa"/>
+        <a:font script="Syrj" typeface="Estrangelo Edessa"/>
+        <a:font script="Syre" typeface="Estrangelo Edessa"/>
+        <a:font script="Sora" typeface="Nirmala UI"/>
+        <a:font script="Tale" typeface="Microsoft Tai Le"/>
+        <a:font script="Talu" typeface="Microsoft New Tai Lue"/>
+        <a:font script="Tfng" typeface="Ebrima"/>
+      </a:majorFont>
+      <a:minorFont>
+        <a:latin typeface="Calibri" panose="020F0502020204030204"/>
+        <a:ea typeface=""/>
+        <a:cs typeface=""/>
+        <a:font script="Jpan" typeface="游ゴシック"/>
+        <a:font script="Hang" typeface="맑은 고딕"/>
+        <a:font script="Hans" typeface="等线"/>
+        <a:font script="Hant" typeface="新細明體"/>
+        <a:font script="Arab" typeface="Arial"/>
+        <a:font script="Hebr" typeface="Arial"/>
+        <a:font script="Thai" typeface="Cordia New"/>
+        <a:font script="Ethi" typeface="Nyala"/>
+        <a:font script="Beng" typeface="Vrinda"/>
+        <a:font script="Gujr" typeface="Shruti"/>
+        <a:font script="Khmr" typeface="DaunPenh"/>
+        <a:font script="Knda" typeface="Tunga"/>
+        <a:font script="Guru" typeface="Raavi"/>
+        <a:font script="Cans" typeface="Euphemia"/>
+        <a:font script="Cher" typeface="Plantagenet Cherokee"/>
+        <a:font script="Yiii" typeface="Microsoft Yi Baiti"/>
+        <a:font script="Tibt" typeface="Microsoft Himalaya"/>
+        <a:font script="Thaa" typeface="MV Boli"/>
+        <a:font script="Deva" typeface="Mangal"/>
+        <a:font script="Telu" typeface="Gautami"/>
+        <a:font script="Taml" typeface="Latha"/>
+        <a:font script="Syrc" typeface="Estrangelo Edessa"/>
+        <a:font script="Orya" typeface="Kalinga"/>
+        <a:font script="Mlym" typeface="Kartika"/>
+        <a:font script="Laoo" typeface="DokChampa"/>
+        <a:font script="Sinh" typeface="Iskoola Pota"/>
+        <a:font script="Mong" typeface="Mongolian Baiti"/>
+        <a:font script="Viet" typeface="Arial"/>
+        <a:font script="Uigh" typeface="Microsoft Uighur"/>
+        <a:font script="Geor" typeface="Sylfaen"/>
+        <a:font script="Armn" typeface="Arial"/>
+        <a:font script="Bugi" typeface="Leelawadee UI"/>
+        <a:font script="Bopo" typeface="Microsoft JhengHei"/>
+        <a:font script="Java" typeface="Javanese Text"/>
+        <a:font script="Lisu" typeface="Segoe UI"/>
+        <a:font script="Mymr" typeface="Myanmar Text"/>
+        <a:font script="Nkoo" typeface="Ebrima"/>
+        <a:font script="Olck" typeface="Nirmala UI"/>
+        <a:font script="Osma" typeface="Ebrima"/>
+        <a:font script="Phag" typeface="Phagspa"/>
+        <a:font script="Syrn" typeface="Estrangelo Edessa"/>
+        <a:font script="Syrj" typeface="Estrangelo Edessa"/>
+        <a:font script="Syre" typeface="Estrangelo Edessa"/>
+        <a:font script="Sora" typeface="Nirmala UI"/>
+        <a:font script="Tale" typeface="Microsoft Tai Le"/>
+        <a:font script="Talu" typeface="Microsoft New Tai Lue"/>
+        <a:font script="Tfng" typeface="Ebrima"/>
+      </a:minorFont>
+    </a:fontScheme>
+    <a:fmtScheme name="Office">
+      <a:fillStyleLst>
+        <a:solidFill>
+          <a:schemeClr val="phClr"/>
+        </a:solidFill>
+        <a:gradFill rotWithShape="1">
+          <a:gsLst>
+            <a:gs pos="0">
+              <a:schemeClr val="phClr">
+                <a:lumMod val="110000"/>
+                <a:satMod val="105000"/>
+                <a:tint val="67000"/>
+              </a:schemeClr>
+            </a:gs>
+            <a:gs pos="50000">
+              <a:schemeClr val="phClr">
+                <a:lumMod val="105000"/>
+                <a:satMod val="103000"/>
+                <a:tint val="73000"/>
+              </a:schemeClr>
+            </a:gs>
+            <a:gs pos="100000">
+              <a:schemeClr val="phClr">
+                <a:lumMod val="105000"/>
+                <a:satMod val="109000"/>
+                <a:tint val="81000"/>
+              </a:schemeClr>
+            </a:gs>
+          </a:gsLst>
+          <a:lin ang="5400000" scaled="0"/>
+        </a:gradFill>
+        <a:gradFill rotWithShape="1">
+          <a:gsLst>
+            <a:gs pos="0">
+              <a:schemeClr val="phClr">
+                <a:satMod val="103000"/>
+                <a:lumMod val="102000"/>
+                <a:tint val="94000"/>
+              </a:schemeClr>
+            </a:gs>
+            <a:gs pos="50000">
+              <a:schemeClr val="phClr">
+                <a:satMod val="110000"/>
+                <a:lumMod val="100000"/>
+                <a:shade val="100000"/>
+              </a:schemeClr>
+            </a:gs>
+            <a:gs pos="100000">
+              <a:schemeClr val="phClr">
+                <a:lumMod val="99000"/>
+                <a:satMod val="120000"/>
+                <a:shade val="78000"/>
+              </a:schemeClr>
+            </a:gs>
+          </a:gsLst>
+          <a:lin ang="5400000" scaled="0"/>
+        </a:gradFill>
+      </a:fillStyleLst>
+      <a:lnStyleLst>
+        <a:ln w="6350" cap="flat" cmpd="sng" algn="ctr">
+          <a:solidFill>
+            <a:schemeClr val="phClr"/>
+          </a:solidFill>
+          <a:prstDash val="solid"/>
+          <a:miter lim="800000"/>
+        </a:ln>
+        <a:ln w="12700" cap="flat" cmpd="sng" algn="ctr">
+          <a:solidFill>
+            <a:schemeClr val="phClr"/>
+          </a:solidFill>
+          <a:prstDash val="solid"/>
+          <a:miter lim="800000"/>
+        </a:ln>
+        <a:ln w="19050" cap="flat" cmpd="sng" algn="ctr">
+          <a:solidFill>
+            <a:schemeClr val="phClr"/>
+          </a:solidFill>
+          <a:prstDash val="solid"/>
+          <a:miter lim="800000"/>
+        </a:ln>
+      </a:lnStyleLst>
+      <a:effectStyleLst>
+        <a:effectStyle>
+          <a:effectLst/>
+        </a:effectStyle>
+        <a:effectStyle>
+          <a:effectLst/>
+        </a:effectStyle>
+        <a:effectStyle>
+          <a:effectLst>
+            <a:outerShdw blurRad="57150" dist="19050" dir="5400000" algn="ctr" rotWithShape="0">
+              <a:srgbClr val="000000">
+                <a:alpha val="63000"/>
+              </a:srgbClr>
+            </a:outerShdw>
+          </a:effectLst>
+        </a:effectStyle>
+      </a:effectStyleLst>
+      <a:bgFillStyleLst>
+        <a:solidFill>
+          <a:schemeClr val="phClr"/>
+        </a:solidFill>
+        <a:solidFill>
+          <a:schemeClr val="phClr">
+            <a:tint val="95000"/>
+            <a:satMod val="170000"/>
+          </a:schemeClr>
+        </a:solidFill>
+        <a:gradFill rotWithShape="1">
+          <a:gsLst>
+            <a:gs pos="0">
+              <a:schemeClr val="phClr">
+                <a:tint val="93000"/>
+                <a:satMod val="150000"/>
+                <a:shade val="98000"/>
+                <a:lumMod val="102000"/>
+              </a:schemeClr>
+            </a:gs>
+            <a:gs pos="50000">
+              <a:schemeClr val="phClr">
+                <a:tint val="98000"/>
+                <a:satMod val="130000"/>
+                <a:shade val="90000"/>
+                <a:lumMod val="103000"/>
+              </a:schemeClr>
+            </a:gs>
+            <a:gs pos="100000">
+              <a:schemeClr val="phClr">
+                <a:shade val="63000"/>
+                <a:satMod val="120000"/>
+              </a:schemeClr>
+            </a:gs>
+          </a:gsLst>
+          <a:lin ang="5400000" scaled="0"/>
+        </a:gradFill>
+      </a:bgFillStyleLst>
+    </a:fmtScheme>
+  </a:themeElements>
+  <a:objectDefaults/>
+  <a:extraClrSchemeLst/>
+  <a:extLst>
+    <a:ext uri="{05A4C25C-085E-4340-85A3-A5531E510DB2}">
+      <thm15:themeFamily xmlns:thm15="http://schemas.microsoft.com/office/thememl/2012/main" name="Office Theme" id="{62F939B6-93AF-4DB8-9C6B-D6C7DFDC589F}" vid="{4A3C46E8-61CC-4603-A589-7422A47A8E4A}"/>
+    </a:ext>
+  </a:extLst>
+</a:theme>
 </file>